--- a/Spotify. Trab Sanchez Luayza.pptx
+++ b/Spotify. Trab Sanchez Luayza.pptx
@@ -1,36 +1,36 @@
 
 <file path=ppt/presentation.xml><?xml version="1.0" encoding="utf-8"?>
-<p:presentation xmlns:a="http://schemas.openxmlformats.org/drawingml/2006/main" xmlns:r="http://schemas.openxmlformats.org/officeDocument/2006/relationships" xmlns:mc="http://schemas.openxmlformats.org/markup-compatibility/2006" xmlns:mv="urn:schemas-microsoft-com:mac:vml" xmlns:p="http://schemas.openxmlformats.org/presentationml/2006/main" xmlns:c="http://schemas.openxmlformats.org/drawingml/2006/chart" xmlns:dgm="http://schemas.openxmlformats.org/drawingml/2006/diagram" xmlns:o="urn:schemas-microsoft-com:office:office" xmlns:v="urn:schemas-microsoft-com:vml" xmlns:pvml="urn:schemas-microsoft-com:office:powerpoint" xmlns:com="http://schemas.openxmlformats.org/drawingml/2006/compatibility" xmlns:p14="http://schemas.microsoft.com/office/powerpoint/2010/main" xmlns:p15="http://schemas.microsoft.com/office/powerpoint/2012/main" xmlns:ahyp="http://schemas.microsoft.com/office/drawing/2018/hyperlinkcolor" autoCompressPictures="0" embedTrueTypeFonts="1" strictFirstAndLastChars="0" saveSubsetFonts="1">
+<p:presentation xmlns:a="http://schemas.openxmlformats.org/drawingml/2006/main" xmlns:r="http://schemas.openxmlformats.org/officeDocument/2006/relationships" xmlns:p="http://schemas.openxmlformats.org/presentationml/2006/main" strictFirstAndLastChars="0" embedTrueTypeFonts="1" saveSubsetFonts="1" autoCompressPictures="0">
   <p:sldMasterIdLst>
-    <p:sldMasterId id="2147483659" r:id="rId4"/>
+    <p:sldMasterId id="2147483659" r:id="rId1"/>
   </p:sldMasterIdLst>
   <p:notesMasterIdLst>
-    <p:notesMasterId r:id="rId5"/>
+    <p:notesMasterId r:id="rId11"/>
   </p:notesMasterIdLst>
   <p:sldIdLst>
-    <p:sldId id="256" r:id="rId6"/>
-    <p:sldId id="257" r:id="rId7"/>
-    <p:sldId id="258" r:id="rId8"/>
-    <p:sldId id="259" r:id="rId9"/>
-    <p:sldId id="260" r:id="rId10"/>
-    <p:sldId id="261" r:id="rId11"/>
-    <p:sldId id="262" r:id="rId12"/>
-    <p:sldId id="263" r:id="rId13"/>
-    <p:sldId id="264" r:id="rId14"/>
+    <p:sldId id="256" r:id="rId2"/>
+    <p:sldId id="257" r:id="rId3"/>
+    <p:sldId id="258" r:id="rId4"/>
+    <p:sldId id="259" r:id="rId5"/>
+    <p:sldId id="260" r:id="rId6"/>
+    <p:sldId id="261" r:id="rId7"/>
+    <p:sldId id="262" r:id="rId8"/>
+    <p:sldId id="263" r:id="rId9"/>
+    <p:sldId id="264" r:id="rId10"/>
   </p:sldIdLst>
-  <p:sldSz cy="5143500" cx="9144000"/>
+  <p:sldSz cx="9144000" cy="5143500" type="screen16x9"/>
   <p:notesSz cx="6858000" cy="9144000"/>
   <p:embeddedFontLst>
     <p:embeddedFont>
-      <p:font typeface="Roboto"/>
-      <p:regular r:id="rId15"/>
-      <p:bold r:id="rId16"/>
-      <p:italic r:id="rId17"/>
-      <p:boldItalic r:id="rId18"/>
+      <p:font typeface="Roboto" panose="020B0604020202020204" charset="0"/>
+      <p:regular r:id="rId12"/>
+      <p:bold r:id="rId13"/>
+      <p:italic r:id="rId14"/>
+      <p:boldItalic r:id="rId15"/>
     </p:embeddedFont>
   </p:embeddedFontLst>
   <p:defaultTextStyle>
-    <a:defPPr lvl="0" marR="0" rtl="0" algn="l">
+    <a:defPPr marR="0" lvl="0" algn="l" rtl="0">
       <a:lnSpc>
         <a:spcPct val="100000"/>
       </a:lnSpc>
@@ -41,7 +41,7 @@
         <a:spcPts val="0"/>
       </a:spcAft>
     </a:defPPr>
-    <a:lvl1pPr lvl="0" marR="0" rtl="0" algn="l">
+    <a:lvl1pPr marR="0" lvl="0" algn="l" rtl="0">
       <a:lnSpc>
         <a:spcPct val="100000"/>
       </a:lnSpc>
@@ -55,7 +55,7 @@
         <a:srgbClr val="000000"/>
       </a:buClr>
       <a:buFont typeface="Arial"/>
-      <a:defRPr b="0" i="0" sz="1400" u="none" cap="none" strike="noStrike">
+      <a:defRPr sz="1400" b="0" i="0" u="none" strike="noStrike" cap="none">
         <a:solidFill>
           <a:srgbClr val="000000"/>
         </a:solidFill>
@@ -65,7 +65,7 @@
         <a:sym typeface="Arial"/>
       </a:defRPr>
     </a:lvl1pPr>
-    <a:lvl2pPr lvl="1" marR="0" rtl="0" algn="l">
+    <a:lvl2pPr marR="0" lvl="1" algn="l" rtl="0">
       <a:lnSpc>
         <a:spcPct val="100000"/>
       </a:lnSpc>
@@ -79,7 +79,7 @@
         <a:srgbClr val="000000"/>
       </a:buClr>
       <a:buFont typeface="Arial"/>
-      <a:defRPr b="0" i="0" sz="1400" u="none" cap="none" strike="noStrike">
+      <a:defRPr sz="1400" b="0" i="0" u="none" strike="noStrike" cap="none">
         <a:solidFill>
           <a:srgbClr val="000000"/>
         </a:solidFill>
@@ -89,7 +89,7 @@
         <a:sym typeface="Arial"/>
       </a:defRPr>
     </a:lvl2pPr>
-    <a:lvl3pPr lvl="2" marR="0" rtl="0" algn="l">
+    <a:lvl3pPr marR="0" lvl="2" algn="l" rtl="0">
       <a:lnSpc>
         <a:spcPct val="100000"/>
       </a:lnSpc>
@@ -103,7 +103,7 @@
         <a:srgbClr val="000000"/>
       </a:buClr>
       <a:buFont typeface="Arial"/>
-      <a:defRPr b="0" i="0" sz="1400" u="none" cap="none" strike="noStrike">
+      <a:defRPr sz="1400" b="0" i="0" u="none" strike="noStrike" cap="none">
         <a:solidFill>
           <a:srgbClr val="000000"/>
         </a:solidFill>
@@ -113,7 +113,7 @@
         <a:sym typeface="Arial"/>
       </a:defRPr>
     </a:lvl3pPr>
-    <a:lvl4pPr lvl="3" marR="0" rtl="0" algn="l">
+    <a:lvl4pPr marR="0" lvl="3" algn="l" rtl="0">
       <a:lnSpc>
         <a:spcPct val="100000"/>
       </a:lnSpc>
@@ -127,7 +127,7 @@
         <a:srgbClr val="000000"/>
       </a:buClr>
       <a:buFont typeface="Arial"/>
-      <a:defRPr b="0" i="0" sz="1400" u="none" cap="none" strike="noStrike">
+      <a:defRPr sz="1400" b="0" i="0" u="none" strike="noStrike" cap="none">
         <a:solidFill>
           <a:srgbClr val="000000"/>
         </a:solidFill>
@@ -137,7 +137,7 @@
         <a:sym typeface="Arial"/>
       </a:defRPr>
     </a:lvl4pPr>
-    <a:lvl5pPr lvl="4" marR="0" rtl="0" algn="l">
+    <a:lvl5pPr marR="0" lvl="4" algn="l" rtl="0">
       <a:lnSpc>
         <a:spcPct val="100000"/>
       </a:lnSpc>
@@ -151,7 +151,7 @@
         <a:srgbClr val="000000"/>
       </a:buClr>
       <a:buFont typeface="Arial"/>
-      <a:defRPr b="0" i="0" sz="1400" u="none" cap="none" strike="noStrike">
+      <a:defRPr sz="1400" b="0" i="0" u="none" strike="noStrike" cap="none">
         <a:solidFill>
           <a:srgbClr val="000000"/>
         </a:solidFill>
@@ -161,7 +161,7 @@
         <a:sym typeface="Arial"/>
       </a:defRPr>
     </a:lvl5pPr>
-    <a:lvl6pPr lvl="5" marR="0" rtl="0" algn="l">
+    <a:lvl6pPr marR="0" lvl="5" algn="l" rtl="0">
       <a:lnSpc>
         <a:spcPct val="100000"/>
       </a:lnSpc>
@@ -175,7 +175,7 @@
         <a:srgbClr val="000000"/>
       </a:buClr>
       <a:buFont typeface="Arial"/>
-      <a:defRPr b="0" i="0" sz="1400" u="none" cap="none" strike="noStrike">
+      <a:defRPr sz="1400" b="0" i="0" u="none" strike="noStrike" cap="none">
         <a:solidFill>
           <a:srgbClr val="000000"/>
         </a:solidFill>
@@ -185,7 +185,7 @@
         <a:sym typeface="Arial"/>
       </a:defRPr>
     </a:lvl6pPr>
-    <a:lvl7pPr lvl="6" marR="0" rtl="0" algn="l">
+    <a:lvl7pPr marR="0" lvl="6" algn="l" rtl="0">
       <a:lnSpc>
         <a:spcPct val="100000"/>
       </a:lnSpc>
@@ -199,7 +199,7 @@
         <a:srgbClr val="000000"/>
       </a:buClr>
       <a:buFont typeface="Arial"/>
-      <a:defRPr b="0" i="0" sz="1400" u="none" cap="none" strike="noStrike">
+      <a:defRPr sz="1400" b="0" i="0" u="none" strike="noStrike" cap="none">
         <a:solidFill>
           <a:srgbClr val="000000"/>
         </a:solidFill>
@@ -209,7 +209,7 @@
         <a:sym typeface="Arial"/>
       </a:defRPr>
     </a:lvl7pPr>
-    <a:lvl8pPr lvl="7" marR="0" rtl="0" algn="l">
+    <a:lvl8pPr marR="0" lvl="7" algn="l" rtl="0">
       <a:lnSpc>
         <a:spcPct val="100000"/>
       </a:lnSpc>
@@ -223,7 +223,7 @@
         <a:srgbClr val="000000"/>
       </a:buClr>
       <a:buFont typeface="Arial"/>
-      <a:defRPr b="0" i="0" sz="1400" u="none" cap="none" strike="noStrike">
+      <a:defRPr sz="1400" b="0" i="0" u="none" strike="noStrike" cap="none">
         <a:solidFill>
           <a:srgbClr val="000000"/>
         </a:solidFill>
@@ -233,7 +233,7 @@
         <a:sym typeface="Arial"/>
       </a:defRPr>
     </a:lvl8pPr>
-    <a:lvl9pPr lvl="8" marR="0" rtl="0" algn="l">
+    <a:lvl9pPr marR="0" lvl="8" algn="l" rtl="0">
       <a:lnSpc>
         <a:spcPct val="100000"/>
       </a:lnSpc>
@@ -247,7 +247,7 @@
         <a:srgbClr val="000000"/>
       </a:buClr>
       <a:buFont typeface="Arial"/>
-      <a:defRPr b="0" i="0" sz="1400" u="none" cap="none" strike="noStrike">
+      <a:defRPr sz="1400" b="0" i="0" u="none" strike="noStrike" cap="none">
         <a:solidFill>
           <a:srgbClr val="000000"/>
         </a:solidFill>
@@ -260,7 +260,7 @@
   </p:defaultTextStyle>
   <p:extLst>
     <p:ext uri="{EFAFB233-063F-42B5-8137-9DF3F51BA10A}">
-      <p15:sldGuideLst>
+      <p15:sldGuideLst xmlns:p15="http://schemas.microsoft.com/office/powerpoint/2012/main">
         <p15:guide id="1" orient="horz" pos="1620">
           <p15:clr>
             <a:srgbClr val="747775"/>
@@ -278,11 +278,16 @@
 </file>
 
 <file path=ppt/notesMasters/notesMaster1.xml><?xml version="1.0" encoding="utf-8"?>
-<p:notesMaster xmlns:a="http://schemas.openxmlformats.org/drawingml/2006/main" xmlns:r="http://schemas.openxmlformats.org/officeDocument/2006/relationships" xmlns:mc="http://schemas.openxmlformats.org/markup-compatibility/2006" xmlns:mv="urn:schemas-microsoft-com:mac:vml" xmlns:p="http://schemas.openxmlformats.org/presentationml/2006/main" xmlns:c="http://schemas.openxmlformats.org/drawingml/2006/chart" xmlns:dgm="http://schemas.openxmlformats.org/drawingml/2006/diagram" xmlns:o="urn:schemas-microsoft-com:office:office" xmlns:v="urn:schemas-microsoft-com:vml" xmlns:pvml="urn:schemas-microsoft-com:office:powerpoint" xmlns:com="http://schemas.openxmlformats.org/drawingml/2006/compatibility" xmlns:p14="http://schemas.microsoft.com/office/powerpoint/2010/main" xmlns:p15="http://schemas.microsoft.com/office/powerpoint/2012/main" xmlns:ahyp="http://schemas.microsoft.com/office/drawing/2018/hyperlinkcolor">
+<p:notesMaster xmlns:a="http://schemas.openxmlformats.org/drawingml/2006/main" xmlns:r="http://schemas.openxmlformats.org/officeDocument/2006/relationships" xmlns:p="http://schemas.openxmlformats.org/presentationml/2006/main">
   <p:cSld>
+    <p:bg>
+      <p:bgRef idx="1001">
+        <a:schemeClr val="bg1"/>
+      </p:bgRef>
+    </p:bg>
     <p:spTree>
       <p:nvGrpSpPr>
-        <p:cNvPr id="2" name="Shape 2"/>
+        <p:cNvPr id="1" name="Shape 2"/>
         <p:cNvGrpSpPr/>
         <p:nvPr/>
       </p:nvGrpSpPr>
@@ -297,9 +302,11 @@
       <p:sp>
         <p:nvSpPr>
           <p:cNvPr id="3" name="Google Shape;3;n"/>
-          <p:cNvSpPr/>
+          <p:cNvSpPr>
+            <a:spLocks noGrp="1" noRot="1" noChangeAspect="1"/>
+          </p:cNvSpPr>
           <p:nvPr>
-            <p:ph idx="2" type="sldImg"/>
+            <p:ph type="sldImg" idx="2"/>
           </p:nvPr>
         </p:nvSpPr>
         <p:spPr>
@@ -308,9 +315,13 @@
             <a:ext cx="6096075" cy="3429000"/>
           </a:xfrm>
           <a:custGeom>
-            <a:rect b="b" l="l" r="r" t="t"/>
+            <a:avLst/>
+            <a:gdLst/>
+            <a:ahLst/>
+            <a:cxnLst/>
+            <a:rect l="l" t="t" r="r" b="b"/>
             <a:pathLst>
-              <a:path extrusionOk="0" h="120000" w="120000">
+              <a:path w="120000" h="120000" extrusionOk="0">
                 <a:moveTo>
                   <a:pt x="0" y="0"/>
                 </a:moveTo>
@@ -328,23 +339,25 @@
             </a:pathLst>
           </a:custGeom>
           <a:noFill/>
-          <a:ln cap="flat" cmpd="sng" w="9525">
+          <a:ln w="9525" cap="flat" cmpd="sng">
             <a:solidFill>
               <a:srgbClr val="000000"/>
             </a:solidFill>
             <a:prstDash val="solid"/>
             <a:round/>
-            <a:headEnd len="sm" w="sm" type="none"/>
-            <a:tailEnd len="sm" w="sm" type="none"/>
+            <a:headEnd type="none" w="sm" len="sm"/>
+            <a:tailEnd type="none" w="sm" len="sm"/>
           </a:ln>
         </p:spPr>
       </p:sp>
       <p:sp>
         <p:nvSpPr>
           <p:cNvPr id="4" name="Google Shape;4;n"/>
-          <p:cNvSpPr txBox="1"/>
+          <p:cNvSpPr txBox="1">
+            <a:spLocks noGrp="1"/>
+          </p:cNvSpPr>
           <p:nvPr>
-            <p:ph idx="1" type="body"/>
+            <p:ph type="body" idx="1"/>
           </p:nvPr>
         </p:nvSpPr>
         <p:spPr>
@@ -361,11 +374,11 @@
           </a:ln>
         </p:spPr>
         <p:txBody>
-          <a:bodyPr anchorCtr="0" anchor="t" bIns="91425" lIns="91425" spcFirstLastPara="1" rIns="91425" wrap="square" tIns="91425">
+          <a:bodyPr spcFirstLastPara="1" wrap="square" lIns="91425" tIns="91425" rIns="91425" bIns="91425" anchor="t" anchorCtr="0">
             <a:noAutofit/>
           </a:bodyPr>
           <a:lstStyle>
-            <a:lvl1pPr indent="-298450" lvl="0" marL="457200">
+            <a:lvl1pPr marL="457200" lvl="0" indent="-298450">
               <a:spcBef>
                 <a:spcPts val="0"/>
               </a:spcBef>
@@ -376,7 +389,7 @@
               <a:buChar char="●"/>
               <a:defRPr sz="1100"/>
             </a:lvl1pPr>
-            <a:lvl2pPr indent="-298450" lvl="1" marL="914400">
+            <a:lvl2pPr marL="914400" lvl="1" indent="-298450">
               <a:spcBef>
                 <a:spcPts val="0"/>
               </a:spcBef>
@@ -387,7 +400,7 @@
               <a:buChar char="○"/>
               <a:defRPr sz="1100"/>
             </a:lvl2pPr>
-            <a:lvl3pPr indent="-298450" lvl="2" marL="1371600">
+            <a:lvl3pPr marL="1371600" lvl="2" indent="-298450">
               <a:spcBef>
                 <a:spcPts val="0"/>
               </a:spcBef>
@@ -398,7 +411,7 @@
               <a:buChar char="■"/>
               <a:defRPr sz="1100"/>
             </a:lvl3pPr>
-            <a:lvl4pPr indent="-298450" lvl="3" marL="1828800">
+            <a:lvl4pPr marL="1828800" lvl="3" indent="-298450">
               <a:spcBef>
                 <a:spcPts val="0"/>
               </a:spcBef>
@@ -409,7 +422,7 @@
               <a:buChar char="●"/>
               <a:defRPr sz="1100"/>
             </a:lvl4pPr>
-            <a:lvl5pPr indent="-298450" lvl="4" marL="2286000">
+            <a:lvl5pPr marL="2286000" lvl="4" indent="-298450">
               <a:spcBef>
                 <a:spcPts val="0"/>
               </a:spcBef>
@@ -420,7 +433,7 @@
               <a:buChar char="○"/>
               <a:defRPr sz="1100"/>
             </a:lvl5pPr>
-            <a:lvl6pPr indent="-298450" lvl="5" marL="2743200">
+            <a:lvl6pPr marL="2743200" lvl="5" indent="-298450">
               <a:spcBef>
                 <a:spcPts val="0"/>
               </a:spcBef>
@@ -431,7 +444,7 @@
               <a:buChar char="■"/>
               <a:defRPr sz="1100"/>
             </a:lvl6pPr>
-            <a:lvl7pPr indent="-298450" lvl="6" marL="3200400">
+            <a:lvl7pPr marL="3200400" lvl="6" indent="-298450">
               <a:spcBef>
                 <a:spcPts val="0"/>
               </a:spcBef>
@@ -442,7 +455,7 @@
               <a:buChar char="●"/>
               <a:defRPr sz="1100"/>
             </a:lvl7pPr>
-            <a:lvl8pPr indent="-298450" lvl="7" marL="3657600">
+            <a:lvl8pPr marL="3657600" lvl="7" indent="-298450">
               <a:spcBef>
                 <a:spcPts val="0"/>
               </a:spcBef>
@@ -453,7 +466,7 @@
               <a:buChar char="○"/>
               <a:defRPr sz="1100"/>
             </a:lvl8pPr>
-            <a:lvl9pPr indent="-298450" lvl="8" marL="4114800">
+            <a:lvl9pPr marL="4114800" lvl="8" indent="-298450">
               <a:spcBef>
                 <a:spcPts val="0"/>
               </a:spcBef>
@@ -465,14 +478,21 @@
               <a:defRPr sz="1100"/>
             </a:lvl9pPr>
           </a:lstStyle>
-          <a:p/>
+          <a:p>
+            <a:endParaRPr/>
+          </a:p>
         </p:txBody>
       </p:sp>
     </p:spTree>
+    <p:extLst>
+      <p:ext uri="{BB962C8B-B14F-4D97-AF65-F5344CB8AC3E}">
+        <p14:creationId xmlns:p14="http://schemas.microsoft.com/office/powerpoint/2010/main" val="4041960427"/>
+      </p:ext>
+    </p:extLst>
   </p:cSld>
-  <p:clrMap accent1="accent1" accent2="accent2" accent3="accent3" accent4="accent4" accent5="accent5" accent6="accent6" bg1="lt1" bg2="dk2" tx1="dk1" tx2="lt2" folHlink="folHlink" hlink="hlink"/>
+  <p:clrMap bg1="lt1" tx1="dk1" bg2="dk2" tx2="lt2" accent1="accent1" accent2="accent2" accent3="accent3" accent4="accent4" accent5="accent5" accent6="accent6" hlink="hlink" folHlink="folHlink"/>
   <p:notesStyle>
-    <a:defPPr lvl="0" marR="0" rtl="0" algn="l">
+    <a:defPPr marR="0" lvl="0" algn="l" rtl="0">
       <a:lnSpc>
         <a:spcPct val="100000"/>
       </a:lnSpc>
@@ -483,7 +503,7 @@
         <a:spcPts val="0"/>
       </a:spcAft>
     </a:defPPr>
-    <a:lvl1pPr lvl="0" marR="0" rtl="0" algn="l">
+    <a:lvl1pPr marR="0" lvl="0" algn="l" rtl="0">
       <a:lnSpc>
         <a:spcPct val="100000"/>
       </a:lnSpc>
@@ -497,7 +517,7 @@
         <a:srgbClr val="000000"/>
       </a:buClr>
       <a:buFont typeface="Arial"/>
-      <a:defRPr b="0" i="0" sz="1400" u="none" cap="none" strike="noStrike">
+      <a:defRPr sz="1400" b="0" i="0" u="none" strike="noStrike" cap="none">
         <a:solidFill>
           <a:srgbClr val="000000"/>
         </a:solidFill>
@@ -507,7 +527,7 @@
         <a:sym typeface="Arial"/>
       </a:defRPr>
     </a:lvl1pPr>
-    <a:lvl2pPr lvl="1" marR="0" rtl="0" algn="l">
+    <a:lvl2pPr marR="0" lvl="1" algn="l" rtl="0">
       <a:lnSpc>
         <a:spcPct val="100000"/>
       </a:lnSpc>
@@ -521,7 +541,7 @@
         <a:srgbClr val="000000"/>
       </a:buClr>
       <a:buFont typeface="Arial"/>
-      <a:defRPr b="0" i="0" sz="1400" u="none" cap="none" strike="noStrike">
+      <a:defRPr sz="1400" b="0" i="0" u="none" strike="noStrike" cap="none">
         <a:solidFill>
           <a:srgbClr val="000000"/>
         </a:solidFill>
@@ -531,7 +551,7 @@
         <a:sym typeface="Arial"/>
       </a:defRPr>
     </a:lvl2pPr>
-    <a:lvl3pPr lvl="2" marR="0" rtl="0" algn="l">
+    <a:lvl3pPr marR="0" lvl="2" algn="l" rtl="0">
       <a:lnSpc>
         <a:spcPct val="100000"/>
       </a:lnSpc>
@@ -545,7 +565,7 @@
         <a:srgbClr val="000000"/>
       </a:buClr>
       <a:buFont typeface="Arial"/>
-      <a:defRPr b="0" i="0" sz="1400" u="none" cap="none" strike="noStrike">
+      <a:defRPr sz="1400" b="0" i="0" u="none" strike="noStrike" cap="none">
         <a:solidFill>
           <a:srgbClr val="000000"/>
         </a:solidFill>
@@ -555,7 +575,7 @@
         <a:sym typeface="Arial"/>
       </a:defRPr>
     </a:lvl3pPr>
-    <a:lvl4pPr lvl="3" marR="0" rtl="0" algn="l">
+    <a:lvl4pPr marR="0" lvl="3" algn="l" rtl="0">
       <a:lnSpc>
         <a:spcPct val="100000"/>
       </a:lnSpc>
@@ -569,7 +589,7 @@
         <a:srgbClr val="000000"/>
       </a:buClr>
       <a:buFont typeface="Arial"/>
-      <a:defRPr b="0" i="0" sz="1400" u="none" cap="none" strike="noStrike">
+      <a:defRPr sz="1400" b="0" i="0" u="none" strike="noStrike" cap="none">
         <a:solidFill>
           <a:srgbClr val="000000"/>
         </a:solidFill>
@@ -579,7 +599,7 @@
         <a:sym typeface="Arial"/>
       </a:defRPr>
     </a:lvl4pPr>
-    <a:lvl5pPr lvl="4" marR="0" rtl="0" algn="l">
+    <a:lvl5pPr marR="0" lvl="4" algn="l" rtl="0">
       <a:lnSpc>
         <a:spcPct val="100000"/>
       </a:lnSpc>
@@ -593,7 +613,7 @@
         <a:srgbClr val="000000"/>
       </a:buClr>
       <a:buFont typeface="Arial"/>
-      <a:defRPr b="0" i="0" sz="1400" u="none" cap="none" strike="noStrike">
+      <a:defRPr sz="1400" b="0" i="0" u="none" strike="noStrike" cap="none">
         <a:solidFill>
           <a:srgbClr val="000000"/>
         </a:solidFill>
@@ -603,7 +623,7 @@
         <a:sym typeface="Arial"/>
       </a:defRPr>
     </a:lvl5pPr>
-    <a:lvl6pPr lvl="5" marR="0" rtl="0" algn="l">
+    <a:lvl6pPr marR="0" lvl="5" algn="l" rtl="0">
       <a:lnSpc>
         <a:spcPct val="100000"/>
       </a:lnSpc>
@@ -617,7 +637,7 @@
         <a:srgbClr val="000000"/>
       </a:buClr>
       <a:buFont typeface="Arial"/>
-      <a:defRPr b="0" i="0" sz="1400" u="none" cap="none" strike="noStrike">
+      <a:defRPr sz="1400" b="0" i="0" u="none" strike="noStrike" cap="none">
         <a:solidFill>
           <a:srgbClr val="000000"/>
         </a:solidFill>
@@ -627,7 +647,7 @@
         <a:sym typeface="Arial"/>
       </a:defRPr>
     </a:lvl6pPr>
-    <a:lvl7pPr lvl="6" marR="0" rtl="0" algn="l">
+    <a:lvl7pPr marR="0" lvl="6" algn="l" rtl="0">
       <a:lnSpc>
         <a:spcPct val="100000"/>
       </a:lnSpc>
@@ -641,7 +661,7 @@
         <a:srgbClr val="000000"/>
       </a:buClr>
       <a:buFont typeface="Arial"/>
-      <a:defRPr b="0" i="0" sz="1400" u="none" cap="none" strike="noStrike">
+      <a:defRPr sz="1400" b="0" i="0" u="none" strike="noStrike" cap="none">
         <a:solidFill>
           <a:srgbClr val="000000"/>
         </a:solidFill>
@@ -651,7 +671,7 @@
         <a:sym typeface="Arial"/>
       </a:defRPr>
     </a:lvl7pPr>
-    <a:lvl8pPr lvl="7" marR="0" rtl="0" algn="l">
+    <a:lvl8pPr marR="0" lvl="7" algn="l" rtl="0">
       <a:lnSpc>
         <a:spcPct val="100000"/>
       </a:lnSpc>
@@ -665,7 +685,7 @@
         <a:srgbClr val="000000"/>
       </a:buClr>
       <a:buFont typeface="Arial"/>
-      <a:defRPr b="0" i="0" sz="1400" u="none" cap="none" strike="noStrike">
+      <a:defRPr sz="1400" b="0" i="0" u="none" strike="noStrike" cap="none">
         <a:solidFill>
           <a:srgbClr val="000000"/>
         </a:solidFill>
@@ -675,7 +695,7 @@
         <a:sym typeface="Arial"/>
       </a:defRPr>
     </a:lvl8pPr>
-    <a:lvl9pPr lvl="8" marR="0" rtl="0" algn="l">
+    <a:lvl9pPr marR="0" lvl="8" algn="l" rtl="0">
       <a:lnSpc>
         <a:spcPct val="100000"/>
       </a:lnSpc>
@@ -689,7 +709,7 @@
         <a:srgbClr val="000000"/>
       </a:buClr>
       <a:buFont typeface="Arial"/>
-      <a:defRPr b="0" i="0" sz="1400" u="none" cap="none" strike="noStrike">
+      <a:defRPr sz="1400" b="0" i="0" u="none" strike="noStrike" cap="none">
         <a:solidFill>
           <a:srgbClr val="000000"/>
         </a:solidFill>
@@ -704,11 +724,11 @@
 </file>
 
 <file path=ppt/notesSlides/notesSlide1.xml><?xml version="1.0" encoding="utf-8"?>
-<p:notes xmlns:a="http://schemas.openxmlformats.org/drawingml/2006/main" xmlns:r="http://schemas.openxmlformats.org/officeDocument/2006/relationships" xmlns:mc="http://schemas.openxmlformats.org/markup-compatibility/2006" xmlns:mv="urn:schemas-microsoft-com:mac:vml" xmlns:p="http://schemas.openxmlformats.org/presentationml/2006/main" xmlns:c="http://schemas.openxmlformats.org/drawingml/2006/chart" xmlns:dgm="http://schemas.openxmlformats.org/drawingml/2006/diagram" xmlns:o="urn:schemas-microsoft-com:office:office" xmlns:v="urn:schemas-microsoft-com:vml" xmlns:pvml="urn:schemas-microsoft-com:office:powerpoint" xmlns:com="http://schemas.openxmlformats.org/drawingml/2006/compatibility" xmlns:p14="http://schemas.microsoft.com/office/powerpoint/2010/main" xmlns:p15="http://schemas.microsoft.com/office/powerpoint/2012/main" xmlns:ahyp="http://schemas.microsoft.com/office/drawing/2018/hyperlinkcolor" showMasterPhAnim="0" showMasterSp="0">
+<p:notes xmlns:a="http://schemas.openxmlformats.org/drawingml/2006/main" xmlns:r="http://schemas.openxmlformats.org/officeDocument/2006/relationships" xmlns:p="http://schemas.openxmlformats.org/presentationml/2006/main" showMasterSp="0" showMasterPhAnim="0">
   <p:cSld>
     <p:spTree>
       <p:nvGrpSpPr>
-        <p:cNvPr id="50" name="Shape 50"/>
+        <p:cNvPr id="1" name="Shape 50"/>
         <p:cNvGrpSpPr/>
         <p:nvPr/>
       </p:nvGrpSpPr>
@@ -723,20 +743,26 @@
       <p:sp>
         <p:nvSpPr>
           <p:cNvPr id="51" name="Google Shape;51;p:notes"/>
-          <p:cNvSpPr/>
+          <p:cNvSpPr>
+            <a:spLocks noGrp="1" noRot="1" noChangeAspect="1"/>
+          </p:cNvSpPr>
           <p:nvPr>
-            <p:ph idx="2" type="sldImg"/>
+            <p:ph type="sldImg" idx="2"/>
           </p:nvPr>
         </p:nvSpPr>
         <p:spPr>
           <a:xfrm>
-            <a:off x="381300" y="685800"/>
-            <a:ext cx="6096075" cy="3429000"/>
+            <a:off x="381000" y="685800"/>
+            <a:ext cx="6096000" cy="3429000"/>
           </a:xfrm>
           <a:custGeom>
-            <a:rect b="b" l="l" r="r" t="t"/>
+            <a:avLst/>
+            <a:gdLst/>
+            <a:ahLst/>
+            <a:cxnLst/>
+            <a:rect l="l" t="t" r="r" b="b"/>
             <a:pathLst>
-              <a:path extrusionOk="0" h="120000" w="120000">
+              <a:path w="120000" h="120000" extrusionOk="0">
                 <a:moveTo>
                   <a:pt x="0" y="0"/>
                 </a:moveTo>
@@ -758,9 +784,11 @@
       <p:sp>
         <p:nvSpPr>
           <p:cNvPr id="52" name="Google Shape;52;p:notes"/>
-          <p:cNvSpPr txBox="1"/>
+          <p:cNvSpPr txBox="1">
+            <a:spLocks noGrp="1"/>
+          </p:cNvSpPr>
           <p:nvPr>
-            <p:ph idx="1" type="body"/>
+            <p:ph type="body" idx="1"/>
           </p:nvPr>
         </p:nvSpPr>
         <p:spPr>
@@ -773,12 +801,12 @@
           </a:prstGeom>
         </p:spPr>
         <p:txBody>
-          <a:bodyPr anchorCtr="0" anchor="t" bIns="91425" lIns="91425" spcFirstLastPara="1" rIns="91425" wrap="square" tIns="91425">
+          <a:bodyPr spcFirstLastPara="1" wrap="square" lIns="91425" tIns="91425" rIns="91425" bIns="91425" anchor="t" anchorCtr="0">
             <a:noAutofit/>
           </a:bodyPr>
           <a:lstStyle/>
           <a:p>
-            <a:pPr indent="0" lvl="0" marL="0" rtl="0" algn="l">
+            <a:pPr marL="0" lvl="0" indent="0" algn="l" rtl="0">
               <a:spcBef>
                 <a:spcPts val="0"/>
               </a:spcBef>
@@ -787,14 +815,16 @@
               </a:spcAft>
               <a:buNone/>
             </a:pPr>
-            <a:r>
-              <a:t/>
-            </a:r>
             <a:endParaRPr/>
           </a:p>
         </p:txBody>
       </p:sp>
     </p:spTree>
+    <p:extLst>
+      <p:ext uri="{BB962C8B-B14F-4D97-AF65-F5344CB8AC3E}">
+        <p14:creationId xmlns:p14="http://schemas.microsoft.com/office/powerpoint/2010/main" val="4022728641"/>
+      </p:ext>
+    </p:extLst>
   </p:cSld>
   <p:clrMapOvr>
     <a:masterClrMapping/>
@@ -803,11 +833,11 @@
 </file>
 
 <file path=ppt/notesSlides/notesSlide2.xml><?xml version="1.0" encoding="utf-8"?>
-<p:notes xmlns:a="http://schemas.openxmlformats.org/drawingml/2006/main" xmlns:r="http://schemas.openxmlformats.org/officeDocument/2006/relationships" xmlns:mc="http://schemas.openxmlformats.org/markup-compatibility/2006" xmlns:mv="urn:schemas-microsoft-com:mac:vml" xmlns:p="http://schemas.openxmlformats.org/presentationml/2006/main" xmlns:c="http://schemas.openxmlformats.org/drawingml/2006/chart" xmlns:dgm="http://schemas.openxmlformats.org/drawingml/2006/diagram" xmlns:o="urn:schemas-microsoft-com:office:office" xmlns:v="urn:schemas-microsoft-com:vml" xmlns:pvml="urn:schemas-microsoft-com:office:powerpoint" xmlns:com="http://schemas.openxmlformats.org/drawingml/2006/compatibility" xmlns:p14="http://schemas.microsoft.com/office/powerpoint/2010/main" xmlns:p15="http://schemas.microsoft.com/office/powerpoint/2012/main" xmlns:ahyp="http://schemas.microsoft.com/office/drawing/2018/hyperlinkcolor" showMasterPhAnim="0" showMasterSp="0">
+<p:notes xmlns:a="http://schemas.openxmlformats.org/drawingml/2006/main" xmlns:r="http://schemas.openxmlformats.org/officeDocument/2006/relationships" xmlns:p="http://schemas.openxmlformats.org/presentationml/2006/main" showMasterSp="0" showMasterPhAnim="0">
   <p:cSld>
     <p:spTree>
       <p:nvGrpSpPr>
-        <p:cNvPr id="57" name="Shape 57"/>
+        <p:cNvPr id="1" name="Shape 57"/>
         <p:cNvGrpSpPr/>
         <p:nvPr/>
       </p:nvGrpSpPr>
@@ -822,20 +852,26 @@
       <p:sp>
         <p:nvSpPr>
           <p:cNvPr id="58" name="Google Shape;58;g280f255a637_0_112:notes"/>
-          <p:cNvSpPr/>
+          <p:cNvSpPr>
+            <a:spLocks noGrp="1" noRot="1" noChangeAspect="1"/>
+          </p:cNvSpPr>
           <p:nvPr>
-            <p:ph idx="2" type="sldImg"/>
+            <p:ph type="sldImg" idx="2"/>
           </p:nvPr>
         </p:nvSpPr>
         <p:spPr>
           <a:xfrm>
-            <a:off x="381300" y="685800"/>
+            <a:off x="381000" y="685800"/>
             <a:ext cx="6096000" cy="3429000"/>
           </a:xfrm>
           <a:custGeom>
-            <a:rect b="b" l="l" r="r" t="t"/>
+            <a:avLst/>
+            <a:gdLst/>
+            <a:ahLst/>
+            <a:cxnLst/>
+            <a:rect l="l" t="t" r="r" b="b"/>
             <a:pathLst>
-              <a:path extrusionOk="0" h="120000" w="120000">
+              <a:path w="120000" h="120000" extrusionOk="0">
                 <a:moveTo>
                   <a:pt x="0" y="0"/>
                 </a:moveTo>
@@ -857,9 +893,11 @@
       <p:sp>
         <p:nvSpPr>
           <p:cNvPr id="59" name="Google Shape;59;g280f255a637_0_112:notes"/>
-          <p:cNvSpPr txBox="1"/>
+          <p:cNvSpPr txBox="1">
+            <a:spLocks noGrp="1"/>
+          </p:cNvSpPr>
           <p:nvPr>
-            <p:ph idx="1" type="body"/>
+            <p:ph type="body" idx="1"/>
           </p:nvPr>
         </p:nvSpPr>
         <p:spPr>
@@ -872,12 +910,12 @@
           </a:prstGeom>
         </p:spPr>
         <p:txBody>
-          <a:bodyPr anchorCtr="0" anchor="t" bIns="91425" lIns="91425" spcFirstLastPara="1" rIns="91425" wrap="square" tIns="91425">
+          <a:bodyPr spcFirstLastPara="1" wrap="square" lIns="91425" tIns="91425" rIns="91425" bIns="91425" anchor="t" anchorCtr="0">
             <a:noAutofit/>
           </a:bodyPr>
           <a:lstStyle/>
           <a:p>
-            <a:pPr indent="0" lvl="0" marL="0" rtl="0" algn="l">
+            <a:pPr marL="0" lvl="0" indent="0" algn="l" rtl="0">
               <a:spcBef>
                 <a:spcPts val="0"/>
               </a:spcBef>
@@ -886,14 +924,16 @@
               </a:spcAft>
               <a:buNone/>
             </a:pPr>
-            <a:r>
-              <a:t/>
-            </a:r>
             <a:endParaRPr/>
           </a:p>
         </p:txBody>
       </p:sp>
     </p:spTree>
+    <p:extLst>
+      <p:ext uri="{BB962C8B-B14F-4D97-AF65-F5344CB8AC3E}">
+        <p14:creationId xmlns:p14="http://schemas.microsoft.com/office/powerpoint/2010/main" val="2683406335"/>
+      </p:ext>
+    </p:extLst>
   </p:cSld>
   <p:clrMapOvr>
     <a:masterClrMapping/>
@@ -902,11 +942,11 @@
 </file>
 
 <file path=ppt/notesSlides/notesSlide3.xml><?xml version="1.0" encoding="utf-8"?>
-<p:notes xmlns:a="http://schemas.openxmlformats.org/drawingml/2006/main" xmlns:r="http://schemas.openxmlformats.org/officeDocument/2006/relationships" xmlns:mc="http://schemas.openxmlformats.org/markup-compatibility/2006" xmlns:mv="urn:schemas-microsoft-com:mac:vml" xmlns:p="http://schemas.openxmlformats.org/presentationml/2006/main" xmlns:c="http://schemas.openxmlformats.org/drawingml/2006/chart" xmlns:dgm="http://schemas.openxmlformats.org/drawingml/2006/diagram" xmlns:o="urn:schemas-microsoft-com:office:office" xmlns:v="urn:schemas-microsoft-com:vml" xmlns:pvml="urn:schemas-microsoft-com:office:powerpoint" xmlns:com="http://schemas.openxmlformats.org/drawingml/2006/compatibility" xmlns:p14="http://schemas.microsoft.com/office/powerpoint/2010/main" xmlns:p15="http://schemas.microsoft.com/office/powerpoint/2012/main" xmlns:ahyp="http://schemas.microsoft.com/office/drawing/2018/hyperlinkcolor" showMasterPhAnim="0" showMasterSp="0">
+<p:notes xmlns:a="http://schemas.openxmlformats.org/drawingml/2006/main" xmlns:r="http://schemas.openxmlformats.org/officeDocument/2006/relationships" xmlns:p="http://schemas.openxmlformats.org/presentationml/2006/main" showMasterSp="0" showMasterPhAnim="0">
   <p:cSld>
     <p:spTree>
       <p:nvGrpSpPr>
-        <p:cNvPr id="65" name="Shape 65"/>
+        <p:cNvPr id="1" name="Shape 65"/>
         <p:cNvGrpSpPr/>
         <p:nvPr/>
       </p:nvGrpSpPr>
@@ -921,20 +961,26 @@
       <p:sp>
         <p:nvSpPr>
           <p:cNvPr id="66" name="Google Shape;66;g280f255a637_0_237:notes"/>
-          <p:cNvSpPr/>
+          <p:cNvSpPr>
+            <a:spLocks noGrp="1" noRot="1" noChangeAspect="1"/>
+          </p:cNvSpPr>
           <p:nvPr>
-            <p:ph idx="2" type="sldImg"/>
+            <p:ph type="sldImg" idx="2"/>
           </p:nvPr>
         </p:nvSpPr>
         <p:spPr>
           <a:xfrm>
-            <a:off x="381300" y="685800"/>
+            <a:off x="381000" y="685800"/>
             <a:ext cx="6096000" cy="3429000"/>
           </a:xfrm>
           <a:custGeom>
-            <a:rect b="b" l="l" r="r" t="t"/>
+            <a:avLst/>
+            <a:gdLst/>
+            <a:ahLst/>
+            <a:cxnLst/>
+            <a:rect l="l" t="t" r="r" b="b"/>
             <a:pathLst>
-              <a:path extrusionOk="0" h="120000" w="120000">
+              <a:path w="120000" h="120000" extrusionOk="0">
                 <a:moveTo>
                   <a:pt x="0" y="0"/>
                 </a:moveTo>
@@ -956,9 +1002,11 @@
       <p:sp>
         <p:nvSpPr>
           <p:cNvPr id="67" name="Google Shape;67;g280f255a637_0_237:notes"/>
-          <p:cNvSpPr txBox="1"/>
+          <p:cNvSpPr txBox="1">
+            <a:spLocks noGrp="1"/>
+          </p:cNvSpPr>
           <p:nvPr>
-            <p:ph idx="1" type="body"/>
+            <p:ph type="body" idx="1"/>
           </p:nvPr>
         </p:nvSpPr>
         <p:spPr>
@@ -971,12 +1019,12 @@
           </a:prstGeom>
         </p:spPr>
         <p:txBody>
-          <a:bodyPr anchorCtr="0" anchor="t" bIns="91425" lIns="91425" spcFirstLastPara="1" rIns="91425" wrap="square" tIns="91425">
+          <a:bodyPr spcFirstLastPara="1" wrap="square" lIns="91425" tIns="91425" rIns="91425" bIns="91425" anchor="t" anchorCtr="0">
             <a:noAutofit/>
           </a:bodyPr>
           <a:lstStyle/>
           <a:p>
-            <a:pPr indent="0" lvl="0" marL="0" rtl="0" algn="l">
+            <a:pPr marL="0" lvl="0" indent="0" algn="l" rtl="0">
               <a:spcBef>
                 <a:spcPts val="0"/>
               </a:spcBef>
@@ -985,14 +1033,16 @@
               </a:spcAft>
               <a:buNone/>
             </a:pPr>
-            <a:r>
-              <a:t/>
-            </a:r>
             <a:endParaRPr/>
           </a:p>
         </p:txBody>
       </p:sp>
     </p:spTree>
+    <p:extLst>
+      <p:ext uri="{BB962C8B-B14F-4D97-AF65-F5344CB8AC3E}">
+        <p14:creationId xmlns:p14="http://schemas.microsoft.com/office/powerpoint/2010/main" val="3837986046"/>
+      </p:ext>
+    </p:extLst>
   </p:cSld>
   <p:clrMapOvr>
     <a:masterClrMapping/>
@@ -1001,11 +1051,11 @@
 </file>
 
 <file path=ppt/notesSlides/notesSlide4.xml><?xml version="1.0" encoding="utf-8"?>
-<p:notes xmlns:a="http://schemas.openxmlformats.org/drawingml/2006/main" xmlns:r="http://schemas.openxmlformats.org/officeDocument/2006/relationships" xmlns:mc="http://schemas.openxmlformats.org/markup-compatibility/2006" xmlns:mv="urn:schemas-microsoft-com:mac:vml" xmlns:p="http://schemas.openxmlformats.org/presentationml/2006/main" xmlns:c="http://schemas.openxmlformats.org/drawingml/2006/chart" xmlns:dgm="http://schemas.openxmlformats.org/drawingml/2006/diagram" xmlns:o="urn:schemas-microsoft-com:office:office" xmlns:v="urn:schemas-microsoft-com:vml" xmlns:pvml="urn:schemas-microsoft-com:office:powerpoint" xmlns:com="http://schemas.openxmlformats.org/drawingml/2006/compatibility" xmlns:p14="http://schemas.microsoft.com/office/powerpoint/2010/main" xmlns:p15="http://schemas.microsoft.com/office/powerpoint/2012/main" xmlns:ahyp="http://schemas.microsoft.com/office/drawing/2018/hyperlinkcolor" showMasterPhAnim="0" showMasterSp="0">
+<p:notes xmlns:a="http://schemas.openxmlformats.org/drawingml/2006/main" xmlns:r="http://schemas.openxmlformats.org/officeDocument/2006/relationships" xmlns:p="http://schemas.openxmlformats.org/presentationml/2006/main" showMasterSp="0" showMasterPhAnim="0">
   <p:cSld>
     <p:spTree>
       <p:nvGrpSpPr>
-        <p:cNvPr id="73" name="Shape 73"/>
+        <p:cNvPr id="1" name="Shape 73"/>
         <p:cNvGrpSpPr/>
         <p:nvPr/>
       </p:nvGrpSpPr>
@@ -1020,20 +1070,26 @@
       <p:sp>
         <p:nvSpPr>
           <p:cNvPr id="74" name="Google Shape;74;g280f255a637_0_244:notes"/>
-          <p:cNvSpPr/>
+          <p:cNvSpPr>
+            <a:spLocks noGrp="1" noRot="1" noChangeAspect="1"/>
+          </p:cNvSpPr>
           <p:nvPr>
-            <p:ph idx="2" type="sldImg"/>
+            <p:ph type="sldImg" idx="2"/>
           </p:nvPr>
         </p:nvSpPr>
         <p:spPr>
           <a:xfrm>
-            <a:off x="381300" y="685800"/>
+            <a:off x="381000" y="685800"/>
             <a:ext cx="6096000" cy="3429000"/>
           </a:xfrm>
           <a:custGeom>
-            <a:rect b="b" l="l" r="r" t="t"/>
+            <a:avLst/>
+            <a:gdLst/>
+            <a:ahLst/>
+            <a:cxnLst/>
+            <a:rect l="l" t="t" r="r" b="b"/>
             <a:pathLst>
-              <a:path extrusionOk="0" h="120000" w="120000">
+              <a:path w="120000" h="120000" extrusionOk="0">
                 <a:moveTo>
                   <a:pt x="0" y="0"/>
                 </a:moveTo>
@@ -1055,9 +1111,11 @@
       <p:sp>
         <p:nvSpPr>
           <p:cNvPr id="75" name="Google Shape;75;g280f255a637_0_244:notes"/>
-          <p:cNvSpPr txBox="1"/>
+          <p:cNvSpPr txBox="1">
+            <a:spLocks noGrp="1"/>
+          </p:cNvSpPr>
           <p:nvPr>
-            <p:ph idx="1" type="body"/>
+            <p:ph type="body" idx="1"/>
           </p:nvPr>
         </p:nvSpPr>
         <p:spPr>
@@ -1070,12 +1128,12 @@
           </a:prstGeom>
         </p:spPr>
         <p:txBody>
-          <a:bodyPr anchorCtr="0" anchor="t" bIns="91425" lIns="91425" spcFirstLastPara="1" rIns="91425" wrap="square" tIns="91425">
+          <a:bodyPr spcFirstLastPara="1" wrap="square" lIns="91425" tIns="91425" rIns="91425" bIns="91425" anchor="t" anchorCtr="0">
             <a:noAutofit/>
           </a:bodyPr>
           <a:lstStyle/>
           <a:p>
-            <a:pPr indent="0" lvl="0" marL="0" rtl="0" algn="l">
+            <a:pPr marL="0" lvl="0" indent="0" algn="l" rtl="0">
               <a:spcBef>
                 <a:spcPts val="0"/>
               </a:spcBef>
@@ -1084,14 +1142,16 @@
               </a:spcAft>
               <a:buNone/>
             </a:pPr>
-            <a:r>
-              <a:t/>
-            </a:r>
             <a:endParaRPr/>
           </a:p>
         </p:txBody>
       </p:sp>
     </p:spTree>
+    <p:extLst>
+      <p:ext uri="{BB962C8B-B14F-4D97-AF65-F5344CB8AC3E}">
+        <p14:creationId xmlns:p14="http://schemas.microsoft.com/office/powerpoint/2010/main" val="660470783"/>
+      </p:ext>
+    </p:extLst>
   </p:cSld>
   <p:clrMapOvr>
     <a:masterClrMapping/>
@@ -1100,11 +1160,11 @@
 </file>
 
 <file path=ppt/notesSlides/notesSlide5.xml><?xml version="1.0" encoding="utf-8"?>
-<p:notes xmlns:a="http://schemas.openxmlformats.org/drawingml/2006/main" xmlns:r="http://schemas.openxmlformats.org/officeDocument/2006/relationships" xmlns:mc="http://schemas.openxmlformats.org/markup-compatibility/2006" xmlns:mv="urn:schemas-microsoft-com:mac:vml" xmlns:p="http://schemas.openxmlformats.org/presentationml/2006/main" xmlns:c="http://schemas.openxmlformats.org/drawingml/2006/chart" xmlns:dgm="http://schemas.openxmlformats.org/drawingml/2006/diagram" xmlns:o="urn:schemas-microsoft-com:office:office" xmlns:v="urn:schemas-microsoft-com:vml" xmlns:pvml="urn:schemas-microsoft-com:office:powerpoint" xmlns:com="http://schemas.openxmlformats.org/drawingml/2006/compatibility" xmlns:p14="http://schemas.microsoft.com/office/powerpoint/2010/main" xmlns:p15="http://schemas.microsoft.com/office/powerpoint/2012/main" xmlns:ahyp="http://schemas.microsoft.com/office/drawing/2018/hyperlinkcolor" showMasterPhAnim="0" showMasterSp="0">
+<p:notes xmlns:a="http://schemas.openxmlformats.org/drawingml/2006/main" xmlns:r="http://schemas.openxmlformats.org/officeDocument/2006/relationships" xmlns:p="http://schemas.openxmlformats.org/presentationml/2006/main" showMasterSp="0" showMasterPhAnim="0">
   <p:cSld>
     <p:spTree>
       <p:nvGrpSpPr>
-        <p:cNvPr id="81" name="Shape 81"/>
+        <p:cNvPr id="1" name="Shape 81"/>
         <p:cNvGrpSpPr/>
         <p:nvPr/>
       </p:nvGrpSpPr>
@@ -1119,20 +1179,26 @@
       <p:sp>
         <p:nvSpPr>
           <p:cNvPr id="82" name="Google Shape;82;g280f255a637_0_251:notes"/>
-          <p:cNvSpPr/>
+          <p:cNvSpPr>
+            <a:spLocks noGrp="1" noRot="1" noChangeAspect="1"/>
+          </p:cNvSpPr>
           <p:nvPr>
-            <p:ph idx="2" type="sldImg"/>
+            <p:ph type="sldImg" idx="2"/>
           </p:nvPr>
         </p:nvSpPr>
         <p:spPr>
           <a:xfrm>
-            <a:off x="381300" y="685800"/>
+            <a:off x="381000" y="685800"/>
             <a:ext cx="6096000" cy="3429000"/>
           </a:xfrm>
           <a:custGeom>
-            <a:rect b="b" l="l" r="r" t="t"/>
+            <a:avLst/>
+            <a:gdLst/>
+            <a:ahLst/>
+            <a:cxnLst/>
+            <a:rect l="l" t="t" r="r" b="b"/>
             <a:pathLst>
-              <a:path extrusionOk="0" h="120000" w="120000">
+              <a:path w="120000" h="120000" extrusionOk="0">
                 <a:moveTo>
                   <a:pt x="0" y="0"/>
                 </a:moveTo>
@@ -1154,9 +1220,11 @@
       <p:sp>
         <p:nvSpPr>
           <p:cNvPr id="83" name="Google Shape;83;g280f255a637_0_251:notes"/>
-          <p:cNvSpPr txBox="1"/>
+          <p:cNvSpPr txBox="1">
+            <a:spLocks noGrp="1"/>
+          </p:cNvSpPr>
           <p:nvPr>
-            <p:ph idx="1" type="body"/>
+            <p:ph type="body" idx="1"/>
           </p:nvPr>
         </p:nvSpPr>
         <p:spPr>
@@ -1169,12 +1237,12 @@
           </a:prstGeom>
         </p:spPr>
         <p:txBody>
-          <a:bodyPr anchorCtr="0" anchor="t" bIns="91425" lIns="91425" spcFirstLastPara="1" rIns="91425" wrap="square" tIns="91425">
+          <a:bodyPr spcFirstLastPara="1" wrap="square" lIns="91425" tIns="91425" rIns="91425" bIns="91425" anchor="t" anchorCtr="0">
             <a:noAutofit/>
           </a:bodyPr>
           <a:lstStyle/>
           <a:p>
-            <a:pPr indent="0" lvl="0" marL="0" rtl="0" algn="l">
+            <a:pPr marL="0" lvl="0" indent="0" algn="l" rtl="0">
               <a:spcBef>
                 <a:spcPts val="0"/>
               </a:spcBef>
@@ -1183,14 +1251,16 @@
               </a:spcAft>
               <a:buNone/>
             </a:pPr>
-            <a:r>
-              <a:t/>
-            </a:r>
             <a:endParaRPr/>
           </a:p>
         </p:txBody>
       </p:sp>
     </p:spTree>
+    <p:extLst>
+      <p:ext uri="{BB962C8B-B14F-4D97-AF65-F5344CB8AC3E}">
+        <p14:creationId xmlns:p14="http://schemas.microsoft.com/office/powerpoint/2010/main" val="667670638"/>
+      </p:ext>
+    </p:extLst>
   </p:cSld>
   <p:clrMapOvr>
     <a:masterClrMapping/>
@@ -1199,11 +1269,11 @@
 </file>
 
 <file path=ppt/notesSlides/notesSlide6.xml><?xml version="1.0" encoding="utf-8"?>
-<p:notes xmlns:a="http://schemas.openxmlformats.org/drawingml/2006/main" xmlns:r="http://schemas.openxmlformats.org/officeDocument/2006/relationships" xmlns:mc="http://schemas.openxmlformats.org/markup-compatibility/2006" xmlns:mv="urn:schemas-microsoft-com:mac:vml" xmlns:p="http://schemas.openxmlformats.org/presentationml/2006/main" xmlns:c="http://schemas.openxmlformats.org/drawingml/2006/chart" xmlns:dgm="http://schemas.openxmlformats.org/drawingml/2006/diagram" xmlns:o="urn:schemas-microsoft-com:office:office" xmlns:v="urn:schemas-microsoft-com:vml" xmlns:pvml="urn:schemas-microsoft-com:office:powerpoint" xmlns:com="http://schemas.openxmlformats.org/drawingml/2006/compatibility" xmlns:p14="http://schemas.microsoft.com/office/powerpoint/2010/main" xmlns:p15="http://schemas.microsoft.com/office/powerpoint/2012/main" xmlns:ahyp="http://schemas.microsoft.com/office/drawing/2018/hyperlinkcolor" showMasterPhAnim="0" showMasterSp="0">
+<p:notes xmlns:a="http://schemas.openxmlformats.org/drawingml/2006/main" xmlns:r="http://schemas.openxmlformats.org/officeDocument/2006/relationships" xmlns:p="http://schemas.openxmlformats.org/presentationml/2006/main" showMasterSp="0" showMasterPhAnim="0">
   <p:cSld>
     <p:spTree>
       <p:nvGrpSpPr>
-        <p:cNvPr id="89" name="Shape 89"/>
+        <p:cNvPr id="1" name="Shape 89"/>
         <p:cNvGrpSpPr/>
         <p:nvPr/>
       </p:nvGrpSpPr>
@@ -1218,20 +1288,26 @@
       <p:sp>
         <p:nvSpPr>
           <p:cNvPr id="90" name="Google Shape;90;g280f255a637_0_259:notes"/>
-          <p:cNvSpPr/>
+          <p:cNvSpPr>
+            <a:spLocks noGrp="1" noRot="1" noChangeAspect="1"/>
+          </p:cNvSpPr>
           <p:nvPr>
-            <p:ph idx="2" type="sldImg"/>
+            <p:ph type="sldImg" idx="2"/>
           </p:nvPr>
         </p:nvSpPr>
         <p:spPr>
           <a:xfrm>
-            <a:off x="381300" y="685800"/>
+            <a:off x="381000" y="685800"/>
             <a:ext cx="6096000" cy="3429000"/>
           </a:xfrm>
           <a:custGeom>
-            <a:rect b="b" l="l" r="r" t="t"/>
+            <a:avLst/>
+            <a:gdLst/>
+            <a:ahLst/>
+            <a:cxnLst/>
+            <a:rect l="l" t="t" r="r" b="b"/>
             <a:pathLst>
-              <a:path extrusionOk="0" h="120000" w="120000">
+              <a:path w="120000" h="120000" extrusionOk="0">
                 <a:moveTo>
                   <a:pt x="0" y="0"/>
                 </a:moveTo>
@@ -1253,9 +1329,11 @@
       <p:sp>
         <p:nvSpPr>
           <p:cNvPr id="91" name="Google Shape;91;g280f255a637_0_259:notes"/>
-          <p:cNvSpPr txBox="1"/>
+          <p:cNvSpPr txBox="1">
+            <a:spLocks noGrp="1"/>
+          </p:cNvSpPr>
           <p:nvPr>
-            <p:ph idx="1" type="body"/>
+            <p:ph type="body" idx="1"/>
           </p:nvPr>
         </p:nvSpPr>
         <p:spPr>
@@ -1268,12 +1346,12 @@
           </a:prstGeom>
         </p:spPr>
         <p:txBody>
-          <a:bodyPr anchorCtr="0" anchor="t" bIns="91425" lIns="91425" spcFirstLastPara="1" rIns="91425" wrap="square" tIns="91425">
+          <a:bodyPr spcFirstLastPara="1" wrap="square" lIns="91425" tIns="91425" rIns="91425" bIns="91425" anchor="t" anchorCtr="0">
             <a:noAutofit/>
           </a:bodyPr>
           <a:lstStyle/>
           <a:p>
-            <a:pPr indent="0" lvl="0" marL="0" rtl="0" algn="l">
+            <a:pPr marL="0" lvl="0" indent="0" algn="l" rtl="0">
               <a:spcBef>
                 <a:spcPts val="0"/>
               </a:spcBef>
@@ -1282,14 +1360,16 @@
               </a:spcAft>
               <a:buNone/>
             </a:pPr>
-            <a:r>
-              <a:t/>
-            </a:r>
             <a:endParaRPr/>
           </a:p>
         </p:txBody>
       </p:sp>
     </p:spTree>
+    <p:extLst>
+      <p:ext uri="{BB962C8B-B14F-4D97-AF65-F5344CB8AC3E}">
+        <p14:creationId xmlns:p14="http://schemas.microsoft.com/office/powerpoint/2010/main" val="1201581265"/>
+      </p:ext>
+    </p:extLst>
   </p:cSld>
   <p:clrMapOvr>
     <a:masterClrMapping/>
@@ -1298,11 +1378,11 @@
 </file>
 
 <file path=ppt/notesSlides/notesSlide7.xml><?xml version="1.0" encoding="utf-8"?>
-<p:notes xmlns:a="http://schemas.openxmlformats.org/drawingml/2006/main" xmlns:r="http://schemas.openxmlformats.org/officeDocument/2006/relationships" xmlns:mc="http://schemas.openxmlformats.org/markup-compatibility/2006" xmlns:mv="urn:schemas-microsoft-com:mac:vml" xmlns:p="http://schemas.openxmlformats.org/presentationml/2006/main" xmlns:c="http://schemas.openxmlformats.org/drawingml/2006/chart" xmlns:dgm="http://schemas.openxmlformats.org/drawingml/2006/diagram" xmlns:o="urn:schemas-microsoft-com:office:office" xmlns:v="urn:schemas-microsoft-com:vml" xmlns:pvml="urn:schemas-microsoft-com:office:powerpoint" xmlns:com="http://schemas.openxmlformats.org/drawingml/2006/compatibility" xmlns:p14="http://schemas.microsoft.com/office/powerpoint/2010/main" xmlns:p15="http://schemas.microsoft.com/office/powerpoint/2012/main" xmlns:ahyp="http://schemas.microsoft.com/office/drawing/2018/hyperlinkcolor" showMasterPhAnim="0" showMasterSp="0">
+<p:notes xmlns:a="http://schemas.openxmlformats.org/drawingml/2006/main" xmlns:r="http://schemas.openxmlformats.org/officeDocument/2006/relationships" xmlns:p="http://schemas.openxmlformats.org/presentationml/2006/main" showMasterSp="0" showMasterPhAnim="0">
   <p:cSld>
     <p:spTree>
       <p:nvGrpSpPr>
-        <p:cNvPr id="97" name="Shape 97"/>
+        <p:cNvPr id="1" name="Shape 97"/>
         <p:cNvGrpSpPr/>
         <p:nvPr/>
       </p:nvGrpSpPr>
@@ -1317,20 +1397,26 @@
       <p:sp>
         <p:nvSpPr>
           <p:cNvPr id="98" name="Google Shape;98;g280f255a637_0_267:notes"/>
-          <p:cNvSpPr/>
+          <p:cNvSpPr>
+            <a:spLocks noGrp="1" noRot="1" noChangeAspect="1"/>
+          </p:cNvSpPr>
           <p:nvPr>
-            <p:ph idx="2" type="sldImg"/>
+            <p:ph type="sldImg" idx="2"/>
           </p:nvPr>
         </p:nvSpPr>
         <p:spPr>
           <a:xfrm>
-            <a:off x="381300" y="685800"/>
+            <a:off x="381000" y="685800"/>
             <a:ext cx="6096000" cy="3429000"/>
           </a:xfrm>
           <a:custGeom>
-            <a:rect b="b" l="l" r="r" t="t"/>
+            <a:avLst/>
+            <a:gdLst/>
+            <a:ahLst/>
+            <a:cxnLst/>
+            <a:rect l="l" t="t" r="r" b="b"/>
             <a:pathLst>
-              <a:path extrusionOk="0" h="120000" w="120000">
+              <a:path w="120000" h="120000" extrusionOk="0">
                 <a:moveTo>
                   <a:pt x="0" y="0"/>
                 </a:moveTo>
@@ -1352,9 +1438,11 @@
       <p:sp>
         <p:nvSpPr>
           <p:cNvPr id="99" name="Google Shape;99;g280f255a637_0_267:notes"/>
-          <p:cNvSpPr txBox="1"/>
+          <p:cNvSpPr txBox="1">
+            <a:spLocks noGrp="1"/>
+          </p:cNvSpPr>
           <p:nvPr>
-            <p:ph idx="1" type="body"/>
+            <p:ph type="body" idx="1"/>
           </p:nvPr>
         </p:nvSpPr>
         <p:spPr>
@@ -1367,12 +1455,12 @@
           </a:prstGeom>
         </p:spPr>
         <p:txBody>
-          <a:bodyPr anchorCtr="0" anchor="t" bIns="91425" lIns="91425" spcFirstLastPara="1" rIns="91425" wrap="square" tIns="91425">
+          <a:bodyPr spcFirstLastPara="1" wrap="square" lIns="91425" tIns="91425" rIns="91425" bIns="91425" anchor="t" anchorCtr="0">
             <a:noAutofit/>
           </a:bodyPr>
           <a:lstStyle/>
           <a:p>
-            <a:pPr indent="0" lvl="0" marL="0" rtl="0" algn="l">
+            <a:pPr marL="0" lvl="0" indent="0" algn="l" rtl="0">
               <a:spcBef>
                 <a:spcPts val="0"/>
               </a:spcBef>
@@ -1381,14 +1469,16 @@
               </a:spcAft>
               <a:buNone/>
             </a:pPr>
-            <a:r>
-              <a:t/>
-            </a:r>
             <a:endParaRPr/>
           </a:p>
         </p:txBody>
       </p:sp>
     </p:spTree>
+    <p:extLst>
+      <p:ext uri="{BB962C8B-B14F-4D97-AF65-F5344CB8AC3E}">
+        <p14:creationId xmlns:p14="http://schemas.microsoft.com/office/powerpoint/2010/main" val="1369186217"/>
+      </p:ext>
+    </p:extLst>
   </p:cSld>
   <p:clrMapOvr>
     <a:masterClrMapping/>
@@ -1397,11 +1487,11 @@
 </file>
 
 <file path=ppt/notesSlides/notesSlide8.xml><?xml version="1.0" encoding="utf-8"?>
-<p:notes xmlns:a="http://schemas.openxmlformats.org/drawingml/2006/main" xmlns:r="http://schemas.openxmlformats.org/officeDocument/2006/relationships" xmlns:mc="http://schemas.openxmlformats.org/markup-compatibility/2006" xmlns:mv="urn:schemas-microsoft-com:mac:vml" xmlns:p="http://schemas.openxmlformats.org/presentationml/2006/main" xmlns:c="http://schemas.openxmlformats.org/drawingml/2006/chart" xmlns:dgm="http://schemas.openxmlformats.org/drawingml/2006/diagram" xmlns:o="urn:schemas-microsoft-com:office:office" xmlns:v="urn:schemas-microsoft-com:vml" xmlns:pvml="urn:schemas-microsoft-com:office:powerpoint" xmlns:com="http://schemas.openxmlformats.org/drawingml/2006/compatibility" xmlns:p14="http://schemas.microsoft.com/office/powerpoint/2010/main" xmlns:p15="http://schemas.microsoft.com/office/powerpoint/2012/main" xmlns:ahyp="http://schemas.microsoft.com/office/drawing/2018/hyperlinkcolor" showMasterPhAnim="0" showMasterSp="0">
+<p:notes xmlns:a="http://schemas.openxmlformats.org/drawingml/2006/main" xmlns:r="http://schemas.openxmlformats.org/officeDocument/2006/relationships" xmlns:p="http://schemas.openxmlformats.org/presentationml/2006/main" showMasterSp="0" showMasterPhAnim="0">
   <p:cSld>
     <p:spTree>
       <p:nvGrpSpPr>
-        <p:cNvPr id="105" name="Shape 105"/>
+        <p:cNvPr id="1" name="Shape 105"/>
         <p:cNvGrpSpPr/>
         <p:nvPr/>
       </p:nvGrpSpPr>
@@ -1416,20 +1506,26 @@
       <p:sp>
         <p:nvSpPr>
           <p:cNvPr id="106" name="Google Shape;106;g280f255a637_0_276:notes"/>
-          <p:cNvSpPr/>
+          <p:cNvSpPr>
+            <a:spLocks noGrp="1" noRot="1" noChangeAspect="1"/>
+          </p:cNvSpPr>
           <p:nvPr>
-            <p:ph idx="2" type="sldImg"/>
+            <p:ph type="sldImg" idx="2"/>
           </p:nvPr>
         </p:nvSpPr>
         <p:spPr>
           <a:xfrm>
-            <a:off x="381300" y="685800"/>
+            <a:off x="381000" y="685800"/>
             <a:ext cx="6096000" cy="3429000"/>
           </a:xfrm>
           <a:custGeom>
-            <a:rect b="b" l="l" r="r" t="t"/>
+            <a:avLst/>
+            <a:gdLst/>
+            <a:ahLst/>
+            <a:cxnLst/>
+            <a:rect l="l" t="t" r="r" b="b"/>
             <a:pathLst>
-              <a:path extrusionOk="0" h="120000" w="120000">
+              <a:path w="120000" h="120000" extrusionOk="0">
                 <a:moveTo>
                   <a:pt x="0" y="0"/>
                 </a:moveTo>
@@ -1451,9 +1547,11 @@
       <p:sp>
         <p:nvSpPr>
           <p:cNvPr id="107" name="Google Shape;107;g280f255a637_0_276:notes"/>
-          <p:cNvSpPr txBox="1"/>
+          <p:cNvSpPr txBox="1">
+            <a:spLocks noGrp="1"/>
+          </p:cNvSpPr>
           <p:nvPr>
-            <p:ph idx="1" type="body"/>
+            <p:ph type="body" idx="1"/>
           </p:nvPr>
         </p:nvSpPr>
         <p:spPr>
@@ -1466,12 +1564,12 @@
           </a:prstGeom>
         </p:spPr>
         <p:txBody>
-          <a:bodyPr anchorCtr="0" anchor="t" bIns="91425" lIns="91425" spcFirstLastPara="1" rIns="91425" wrap="square" tIns="91425">
+          <a:bodyPr spcFirstLastPara="1" wrap="square" lIns="91425" tIns="91425" rIns="91425" bIns="91425" anchor="t" anchorCtr="0">
             <a:noAutofit/>
           </a:bodyPr>
           <a:lstStyle/>
           <a:p>
-            <a:pPr indent="0" lvl="0" marL="0" rtl="0" algn="l">
+            <a:pPr marL="0" lvl="0" indent="0" algn="l" rtl="0">
               <a:spcBef>
                 <a:spcPts val="0"/>
               </a:spcBef>
@@ -1480,14 +1578,16 @@
               </a:spcAft>
               <a:buNone/>
             </a:pPr>
-            <a:r>
-              <a:t/>
-            </a:r>
             <a:endParaRPr/>
           </a:p>
         </p:txBody>
       </p:sp>
     </p:spTree>
+    <p:extLst>
+      <p:ext uri="{BB962C8B-B14F-4D97-AF65-F5344CB8AC3E}">
+        <p14:creationId xmlns:p14="http://schemas.microsoft.com/office/powerpoint/2010/main" val="2236174198"/>
+      </p:ext>
+    </p:extLst>
   </p:cSld>
   <p:clrMapOvr>
     <a:masterClrMapping/>
@@ -1496,11 +1596,11 @@
 </file>
 
 <file path=ppt/notesSlides/notesSlide9.xml><?xml version="1.0" encoding="utf-8"?>
-<p:notes xmlns:a="http://schemas.openxmlformats.org/drawingml/2006/main" xmlns:r="http://schemas.openxmlformats.org/officeDocument/2006/relationships" xmlns:mc="http://schemas.openxmlformats.org/markup-compatibility/2006" xmlns:mv="urn:schemas-microsoft-com:mac:vml" xmlns:p="http://schemas.openxmlformats.org/presentationml/2006/main" xmlns:c="http://schemas.openxmlformats.org/drawingml/2006/chart" xmlns:dgm="http://schemas.openxmlformats.org/drawingml/2006/diagram" xmlns:o="urn:schemas-microsoft-com:office:office" xmlns:v="urn:schemas-microsoft-com:vml" xmlns:pvml="urn:schemas-microsoft-com:office:powerpoint" xmlns:com="http://schemas.openxmlformats.org/drawingml/2006/compatibility" xmlns:p14="http://schemas.microsoft.com/office/powerpoint/2010/main" xmlns:p15="http://schemas.microsoft.com/office/powerpoint/2012/main" xmlns:ahyp="http://schemas.microsoft.com/office/drawing/2018/hyperlinkcolor" showMasterPhAnim="0" showMasterSp="0">
+<p:notes xmlns:a="http://schemas.openxmlformats.org/drawingml/2006/main" xmlns:r="http://schemas.openxmlformats.org/officeDocument/2006/relationships" xmlns:p="http://schemas.openxmlformats.org/presentationml/2006/main" showMasterSp="0" showMasterPhAnim="0">
   <p:cSld>
     <p:spTree>
       <p:nvGrpSpPr>
-        <p:cNvPr id="113" name="Shape 113"/>
+        <p:cNvPr id="1" name="Shape 113"/>
         <p:cNvGrpSpPr/>
         <p:nvPr/>
       </p:nvGrpSpPr>
@@ -1515,20 +1615,26 @@
       <p:sp>
         <p:nvSpPr>
           <p:cNvPr id="114" name="Google Shape;114;g280f255a637_0_286:notes"/>
-          <p:cNvSpPr/>
+          <p:cNvSpPr>
+            <a:spLocks noGrp="1" noRot="1" noChangeAspect="1"/>
+          </p:cNvSpPr>
           <p:nvPr>
-            <p:ph idx="2" type="sldImg"/>
+            <p:ph type="sldImg" idx="2"/>
           </p:nvPr>
         </p:nvSpPr>
         <p:spPr>
           <a:xfrm>
-            <a:off x="381300" y="685800"/>
+            <a:off x="381000" y="685800"/>
             <a:ext cx="6096000" cy="3429000"/>
           </a:xfrm>
           <a:custGeom>
-            <a:rect b="b" l="l" r="r" t="t"/>
+            <a:avLst/>
+            <a:gdLst/>
+            <a:ahLst/>
+            <a:cxnLst/>
+            <a:rect l="l" t="t" r="r" b="b"/>
             <a:pathLst>
-              <a:path extrusionOk="0" h="120000" w="120000">
+              <a:path w="120000" h="120000" extrusionOk="0">
                 <a:moveTo>
                   <a:pt x="0" y="0"/>
                 </a:moveTo>
@@ -1550,9 +1656,11 @@
       <p:sp>
         <p:nvSpPr>
           <p:cNvPr id="115" name="Google Shape;115;g280f255a637_0_286:notes"/>
-          <p:cNvSpPr txBox="1"/>
+          <p:cNvSpPr txBox="1">
+            <a:spLocks noGrp="1"/>
+          </p:cNvSpPr>
           <p:nvPr>
-            <p:ph idx="1" type="body"/>
+            <p:ph type="body" idx="1"/>
           </p:nvPr>
         </p:nvSpPr>
         <p:spPr>
@@ -1565,12 +1673,12 @@
           </a:prstGeom>
         </p:spPr>
         <p:txBody>
-          <a:bodyPr anchorCtr="0" anchor="t" bIns="91425" lIns="91425" spcFirstLastPara="1" rIns="91425" wrap="square" tIns="91425">
+          <a:bodyPr spcFirstLastPara="1" wrap="square" lIns="91425" tIns="91425" rIns="91425" bIns="91425" anchor="t" anchorCtr="0">
             <a:noAutofit/>
           </a:bodyPr>
           <a:lstStyle/>
           <a:p>
-            <a:pPr indent="0" lvl="0" marL="0" rtl="0" algn="l">
+            <a:pPr marL="0" lvl="0" indent="0" algn="l" rtl="0">
               <a:spcBef>
                 <a:spcPts val="0"/>
               </a:spcBef>
@@ -1579,14 +1687,16 @@
               </a:spcAft>
               <a:buNone/>
             </a:pPr>
-            <a:r>
-              <a:t/>
-            </a:r>
             <a:endParaRPr/>
           </a:p>
         </p:txBody>
       </p:sp>
     </p:spTree>
+    <p:extLst>
+      <p:ext uri="{BB962C8B-B14F-4D97-AF65-F5344CB8AC3E}">
+        <p14:creationId xmlns:p14="http://schemas.microsoft.com/office/powerpoint/2010/main" val="1791886984"/>
+      </p:ext>
+    </p:extLst>
   </p:cSld>
   <p:clrMapOvr>
     <a:masterClrMapping/>
@@ -1595,11 +1705,11 @@
 </file>
 
 <file path=ppt/slideLayouts/slideLayout1.xml><?xml version="1.0" encoding="utf-8"?>
-<p:sldLayout xmlns:a="http://schemas.openxmlformats.org/drawingml/2006/main" xmlns:r="http://schemas.openxmlformats.org/officeDocument/2006/relationships" xmlns:mc="http://schemas.openxmlformats.org/markup-compatibility/2006" xmlns:mv="urn:schemas-microsoft-com:mac:vml" xmlns:p="http://schemas.openxmlformats.org/presentationml/2006/main" xmlns:c="http://schemas.openxmlformats.org/drawingml/2006/chart" xmlns:dgm="http://schemas.openxmlformats.org/drawingml/2006/diagram" xmlns:o="urn:schemas-microsoft-com:office:office" xmlns:v="urn:schemas-microsoft-com:vml" xmlns:pvml="urn:schemas-microsoft-com:office:powerpoint" xmlns:com="http://schemas.openxmlformats.org/drawingml/2006/compatibility" xmlns:p14="http://schemas.microsoft.com/office/powerpoint/2010/main" xmlns:p15="http://schemas.microsoft.com/office/powerpoint/2012/main" xmlns:ahyp="http://schemas.microsoft.com/office/drawing/2018/hyperlinkcolor" matchingName="Title slide" type="title">
+<p:sldLayout xmlns:a="http://schemas.openxmlformats.org/drawingml/2006/main" xmlns:r="http://schemas.openxmlformats.org/officeDocument/2006/relationships" xmlns:p="http://schemas.openxmlformats.org/presentationml/2006/main" matchingName="Title slide" type="title">
   <p:cSld name="TITLE">
     <p:spTree>
       <p:nvGrpSpPr>
-        <p:cNvPr id="9" name="Shape 9"/>
+        <p:cNvPr id="1" name="Shape 9"/>
         <p:cNvGrpSpPr/>
         <p:nvPr/>
       </p:nvGrpSpPr>
@@ -1614,7 +1724,9 @@
       <p:sp>
         <p:nvSpPr>
           <p:cNvPr id="10" name="Google Shape;10;p2"/>
-          <p:cNvSpPr txBox="1"/>
+          <p:cNvSpPr txBox="1">
+            <a:spLocks noGrp="1"/>
+          </p:cNvSpPr>
           <p:nvPr>
             <p:ph type="ctrTitle"/>
           </p:nvPr>
@@ -1629,7 +1741,7 @@
           </a:prstGeom>
         </p:spPr>
         <p:txBody>
-          <a:bodyPr anchorCtr="0" anchor="b" bIns="91425" lIns="91425" spcFirstLastPara="1" rIns="91425" wrap="square" tIns="91425">
+          <a:bodyPr spcFirstLastPara="1" wrap="square" lIns="91425" tIns="91425" rIns="91425" bIns="91425" anchor="b" anchorCtr="0">
             <a:normAutofit/>
           </a:bodyPr>
           <a:lstStyle>
@@ -1733,15 +1845,19 @@
               <a:defRPr sz="5200"/>
             </a:lvl9pPr>
           </a:lstStyle>
-          <a:p/>
+          <a:p>
+            <a:endParaRPr/>
+          </a:p>
         </p:txBody>
       </p:sp>
       <p:sp>
         <p:nvSpPr>
           <p:cNvPr id="11" name="Google Shape;11;p2"/>
-          <p:cNvSpPr txBox="1"/>
+          <p:cNvSpPr txBox="1">
+            <a:spLocks noGrp="1"/>
+          </p:cNvSpPr>
           <p:nvPr>
-            <p:ph idx="1" type="subTitle"/>
+            <p:ph type="subTitle" idx="1"/>
           </p:nvPr>
         </p:nvSpPr>
         <p:spPr>
@@ -1754,7 +1870,7 @@
           </a:prstGeom>
         </p:spPr>
         <p:txBody>
-          <a:bodyPr anchorCtr="0" anchor="t" bIns="91425" lIns="91425" spcFirstLastPara="1" rIns="91425" wrap="square" tIns="91425">
+          <a:bodyPr spcFirstLastPara="1" wrap="square" lIns="91425" tIns="91425" rIns="91425" bIns="91425" anchor="t" anchorCtr="0">
             <a:normAutofit/>
           </a:bodyPr>
           <a:lstStyle>
@@ -1885,15 +2001,19 @@
               <a:defRPr sz="2800"/>
             </a:lvl9pPr>
           </a:lstStyle>
-          <a:p/>
+          <a:p>
+            <a:endParaRPr/>
+          </a:p>
         </p:txBody>
       </p:sp>
       <p:sp>
         <p:nvSpPr>
           <p:cNvPr id="12" name="Google Shape;12;p2"/>
-          <p:cNvSpPr txBox="1"/>
+          <p:cNvSpPr txBox="1">
+            <a:spLocks noGrp="1"/>
+          </p:cNvSpPr>
           <p:nvPr>
-            <p:ph idx="12" type="sldNum"/>
+            <p:ph type="sldNum" idx="12"/>
           </p:nvPr>
         </p:nvSpPr>
         <p:spPr>
@@ -1906,7 +2026,7 @@
           </a:prstGeom>
         </p:spPr>
         <p:txBody>
-          <a:bodyPr anchorCtr="0" anchor="ctr" bIns="91425" lIns="91425" spcFirstLastPara="1" rIns="91425" wrap="square" tIns="91425">
+          <a:bodyPr spcFirstLastPara="1" wrap="square" lIns="91425" tIns="91425" rIns="91425" bIns="91425" anchor="ctr" anchorCtr="0">
             <a:normAutofit/>
           </a:bodyPr>
           <a:lstStyle>
@@ -1948,7 +2068,7 @@
             </a:lvl9pPr>
           </a:lstStyle>
           <a:p>
-            <a:pPr indent="0" lvl="0" marL="0" rtl="0" algn="r">
+            <a:pPr marL="0" lvl="0" indent="0" algn="r" rtl="0">
               <a:spcBef>
                 <a:spcPts val="0"/>
               </a:spcBef>
@@ -1959,7 +2079,7 @@
             </a:pPr>
             <a:fld id="{00000000-1234-1234-1234-123412341234}" type="slidenum">
               <a:rPr lang="es"/>
-              <a:t>‹#›</a:t>
+              <a:t>‹Nº›</a:t>
             </a:fld>
             <a:endParaRPr/>
           </a:p>
@@ -1974,11 +2094,11 @@
 </file>
 
 <file path=ppt/slideLayouts/slideLayout10.xml><?xml version="1.0" encoding="utf-8"?>
-<p:sldLayout xmlns:a="http://schemas.openxmlformats.org/drawingml/2006/main" xmlns:r="http://schemas.openxmlformats.org/officeDocument/2006/relationships" xmlns:mc="http://schemas.openxmlformats.org/markup-compatibility/2006" xmlns:mv="urn:schemas-microsoft-com:mac:vml" xmlns:p="http://schemas.openxmlformats.org/presentationml/2006/main" xmlns:c="http://schemas.openxmlformats.org/drawingml/2006/chart" xmlns:dgm="http://schemas.openxmlformats.org/drawingml/2006/diagram" xmlns:o="urn:schemas-microsoft-com:office:office" xmlns:v="urn:schemas-microsoft-com:vml" xmlns:pvml="urn:schemas-microsoft-com:office:powerpoint" xmlns:com="http://schemas.openxmlformats.org/drawingml/2006/compatibility" xmlns:p14="http://schemas.microsoft.com/office/powerpoint/2010/main" xmlns:p15="http://schemas.microsoft.com/office/powerpoint/2012/main" xmlns:ahyp="http://schemas.microsoft.com/office/drawing/2018/hyperlinkcolor" matchingName="Big number">
+<p:sldLayout xmlns:a="http://schemas.openxmlformats.org/drawingml/2006/main" xmlns:r="http://schemas.openxmlformats.org/officeDocument/2006/relationships" xmlns:p="http://schemas.openxmlformats.org/presentationml/2006/main" matchingName="Big number">
   <p:cSld name="BIG_NUMBER">
     <p:spTree>
       <p:nvGrpSpPr>
-        <p:cNvPr id="44" name="Shape 44"/>
+        <p:cNvPr id="1" name="Shape 44"/>
         <p:cNvGrpSpPr/>
         <p:nvPr/>
       </p:nvGrpSpPr>
@@ -1993,9 +2113,11 @@
       <p:sp>
         <p:nvSpPr>
           <p:cNvPr id="45" name="Google Shape;45;p11"/>
-          <p:cNvSpPr txBox="1"/>
+          <p:cNvSpPr txBox="1">
+            <a:spLocks noGrp="1"/>
+          </p:cNvSpPr>
           <p:nvPr>
-            <p:ph hasCustomPrompt="1" type="title"/>
+            <p:ph type="title" hasCustomPrompt="1"/>
           </p:nvPr>
         </p:nvSpPr>
         <p:spPr>
@@ -2008,7 +2130,7 @@
           </a:prstGeom>
         </p:spPr>
         <p:txBody>
-          <a:bodyPr anchorCtr="0" anchor="b" bIns="91425" lIns="91425" spcFirstLastPara="1" rIns="91425" wrap="square" tIns="91425">
+          <a:bodyPr spcFirstLastPara="1" wrap="square" lIns="91425" tIns="91425" rIns="91425" bIns="91425" anchor="b" anchorCtr="0">
             <a:normAutofit/>
           </a:bodyPr>
           <a:lstStyle>
@@ -2122,9 +2244,11 @@
       <p:sp>
         <p:nvSpPr>
           <p:cNvPr id="46" name="Google Shape;46;p11"/>
-          <p:cNvSpPr txBox="1"/>
+          <p:cNvSpPr txBox="1">
+            <a:spLocks noGrp="1"/>
+          </p:cNvSpPr>
           <p:nvPr>
-            <p:ph idx="1" type="body"/>
+            <p:ph type="body" idx="1"/>
           </p:nvPr>
         </p:nvSpPr>
         <p:spPr>
@@ -2137,11 +2261,11 @@
           </a:prstGeom>
         </p:spPr>
         <p:txBody>
-          <a:bodyPr anchorCtr="0" anchor="t" bIns="91425" lIns="91425" spcFirstLastPara="1" rIns="91425" wrap="square" tIns="91425">
+          <a:bodyPr spcFirstLastPara="1" wrap="square" lIns="91425" tIns="91425" rIns="91425" bIns="91425" anchor="t" anchorCtr="0">
             <a:normAutofit/>
           </a:bodyPr>
           <a:lstStyle>
-            <a:lvl1pPr indent="-342900" lvl="0" marL="457200" algn="ctr">
+            <a:lvl1pPr marL="457200" lvl="0" indent="-342900" algn="ctr">
               <a:spcBef>
                 <a:spcPts val="0"/>
               </a:spcBef>
@@ -2152,7 +2276,7 @@
               <a:buChar char="●"/>
               <a:defRPr/>
             </a:lvl1pPr>
-            <a:lvl2pPr indent="-317500" lvl="1" marL="914400" algn="ctr">
+            <a:lvl2pPr marL="914400" lvl="1" indent="-317500" algn="ctr">
               <a:spcBef>
                 <a:spcPts val="0"/>
               </a:spcBef>
@@ -2163,7 +2287,7 @@
               <a:buChar char="○"/>
               <a:defRPr/>
             </a:lvl2pPr>
-            <a:lvl3pPr indent="-317500" lvl="2" marL="1371600" algn="ctr">
+            <a:lvl3pPr marL="1371600" lvl="2" indent="-317500" algn="ctr">
               <a:spcBef>
                 <a:spcPts val="0"/>
               </a:spcBef>
@@ -2174,7 +2298,7 @@
               <a:buChar char="■"/>
               <a:defRPr/>
             </a:lvl3pPr>
-            <a:lvl4pPr indent="-317500" lvl="3" marL="1828800" algn="ctr">
+            <a:lvl4pPr marL="1828800" lvl="3" indent="-317500" algn="ctr">
               <a:spcBef>
                 <a:spcPts val="0"/>
               </a:spcBef>
@@ -2185,7 +2309,7 @@
               <a:buChar char="●"/>
               <a:defRPr/>
             </a:lvl4pPr>
-            <a:lvl5pPr indent="-317500" lvl="4" marL="2286000" algn="ctr">
+            <a:lvl5pPr marL="2286000" lvl="4" indent="-317500" algn="ctr">
               <a:spcBef>
                 <a:spcPts val="0"/>
               </a:spcBef>
@@ -2196,7 +2320,7 @@
               <a:buChar char="○"/>
               <a:defRPr/>
             </a:lvl5pPr>
-            <a:lvl6pPr indent="-317500" lvl="5" marL="2743200" algn="ctr">
+            <a:lvl6pPr marL="2743200" lvl="5" indent="-317500" algn="ctr">
               <a:spcBef>
                 <a:spcPts val="0"/>
               </a:spcBef>
@@ -2207,7 +2331,7 @@
               <a:buChar char="■"/>
               <a:defRPr/>
             </a:lvl6pPr>
-            <a:lvl7pPr indent="-317500" lvl="6" marL="3200400" algn="ctr">
+            <a:lvl7pPr marL="3200400" lvl="6" indent="-317500" algn="ctr">
               <a:spcBef>
                 <a:spcPts val="0"/>
               </a:spcBef>
@@ -2218,7 +2342,7 @@
               <a:buChar char="●"/>
               <a:defRPr/>
             </a:lvl7pPr>
-            <a:lvl8pPr indent="-317500" lvl="7" marL="3657600" algn="ctr">
+            <a:lvl8pPr marL="3657600" lvl="7" indent="-317500" algn="ctr">
               <a:spcBef>
                 <a:spcPts val="0"/>
               </a:spcBef>
@@ -2229,7 +2353,7 @@
               <a:buChar char="○"/>
               <a:defRPr/>
             </a:lvl8pPr>
-            <a:lvl9pPr indent="-317500" lvl="8" marL="4114800" algn="ctr">
+            <a:lvl9pPr marL="4114800" lvl="8" indent="-317500" algn="ctr">
               <a:spcBef>
                 <a:spcPts val="0"/>
               </a:spcBef>
@@ -2241,15 +2365,19 @@
               <a:defRPr/>
             </a:lvl9pPr>
           </a:lstStyle>
-          <a:p/>
+          <a:p>
+            <a:endParaRPr/>
+          </a:p>
         </p:txBody>
       </p:sp>
       <p:sp>
         <p:nvSpPr>
           <p:cNvPr id="47" name="Google Shape;47;p11"/>
-          <p:cNvSpPr txBox="1"/>
+          <p:cNvSpPr txBox="1">
+            <a:spLocks noGrp="1"/>
+          </p:cNvSpPr>
           <p:nvPr>
-            <p:ph idx="12" type="sldNum"/>
+            <p:ph type="sldNum" idx="12"/>
           </p:nvPr>
         </p:nvSpPr>
         <p:spPr>
@@ -2262,7 +2390,7 @@
           </a:prstGeom>
         </p:spPr>
         <p:txBody>
-          <a:bodyPr anchorCtr="0" anchor="ctr" bIns="91425" lIns="91425" spcFirstLastPara="1" rIns="91425" wrap="square" tIns="91425">
+          <a:bodyPr spcFirstLastPara="1" wrap="square" lIns="91425" tIns="91425" rIns="91425" bIns="91425" anchor="ctr" anchorCtr="0">
             <a:normAutofit/>
           </a:bodyPr>
           <a:lstStyle>
@@ -2304,7 +2432,7 @@
             </a:lvl9pPr>
           </a:lstStyle>
           <a:p>
-            <a:pPr indent="0" lvl="0" marL="0" rtl="0" algn="r">
+            <a:pPr marL="0" lvl="0" indent="0" algn="r" rtl="0">
               <a:spcBef>
                 <a:spcPts val="0"/>
               </a:spcBef>
@@ -2315,7 +2443,7 @@
             </a:pPr>
             <a:fld id="{00000000-1234-1234-1234-123412341234}" type="slidenum">
               <a:rPr lang="es"/>
-              <a:t>‹#›</a:t>
+              <a:t>‹Nº›</a:t>
             </a:fld>
             <a:endParaRPr/>
           </a:p>
@@ -2330,11 +2458,11 @@
 </file>
 
 <file path=ppt/slideLayouts/slideLayout11.xml><?xml version="1.0" encoding="utf-8"?>
-<p:sldLayout xmlns:a="http://schemas.openxmlformats.org/drawingml/2006/main" xmlns:r="http://schemas.openxmlformats.org/officeDocument/2006/relationships" xmlns:mc="http://schemas.openxmlformats.org/markup-compatibility/2006" xmlns:mv="urn:schemas-microsoft-com:mac:vml" xmlns:p="http://schemas.openxmlformats.org/presentationml/2006/main" xmlns:c="http://schemas.openxmlformats.org/drawingml/2006/chart" xmlns:dgm="http://schemas.openxmlformats.org/drawingml/2006/diagram" xmlns:o="urn:schemas-microsoft-com:office:office" xmlns:v="urn:schemas-microsoft-com:vml" xmlns:pvml="urn:schemas-microsoft-com:office:powerpoint" xmlns:com="http://schemas.openxmlformats.org/drawingml/2006/compatibility" xmlns:p14="http://schemas.microsoft.com/office/powerpoint/2010/main" xmlns:p15="http://schemas.microsoft.com/office/powerpoint/2012/main" xmlns:ahyp="http://schemas.microsoft.com/office/drawing/2018/hyperlinkcolor" matchingName="Blank" type="blank">
+<p:sldLayout xmlns:a="http://schemas.openxmlformats.org/drawingml/2006/main" xmlns:r="http://schemas.openxmlformats.org/officeDocument/2006/relationships" xmlns:p="http://schemas.openxmlformats.org/presentationml/2006/main" matchingName="Blank" type="blank">
   <p:cSld name="BLANK">
     <p:spTree>
       <p:nvGrpSpPr>
-        <p:cNvPr id="48" name="Shape 48"/>
+        <p:cNvPr id="1" name="Shape 48"/>
         <p:cNvGrpSpPr/>
         <p:nvPr/>
       </p:nvGrpSpPr>
@@ -2349,9 +2477,11 @@
       <p:sp>
         <p:nvSpPr>
           <p:cNvPr id="49" name="Google Shape;49;p12"/>
-          <p:cNvSpPr txBox="1"/>
+          <p:cNvSpPr txBox="1">
+            <a:spLocks noGrp="1"/>
+          </p:cNvSpPr>
           <p:nvPr>
-            <p:ph idx="12" type="sldNum"/>
+            <p:ph type="sldNum" idx="12"/>
           </p:nvPr>
         </p:nvSpPr>
         <p:spPr>
@@ -2364,7 +2494,7 @@
           </a:prstGeom>
         </p:spPr>
         <p:txBody>
-          <a:bodyPr anchorCtr="0" anchor="ctr" bIns="91425" lIns="91425" spcFirstLastPara="1" rIns="91425" wrap="square" tIns="91425">
+          <a:bodyPr spcFirstLastPara="1" wrap="square" lIns="91425" tIns="91425" rIns="91425" bIns="91425" anchor="ctr" anchorCtr="0">
             <a:normAutofit/>
           </a:bodyPr>
           <a:lstStyle>
@@ -2406,7 +2536,7 @@
             </a:lvl9pPr>
           </a:lstStyle>
           <a:p>
-            <a:pPr indent="0" lvl="0" marL="0" rtl="0" algn="r">
+            <a:pPr marL="0" lvl="0" indent="0" algn="r" rtl="0">
               <a:spcBef>
                 <a:spcPts val="0"/>
               </a:spcBef>
@@ -2417,7 +2547,7 @@
             </a:pPr>
             <a:fld id="{00000000-1234-1234-1234-123412341234}" type="slidenum">
               <a:rPr lang="es"/>
-              <a:t>‹#›</a:t>
+              <a:t>‹Nº›</a:t>
             </a:fld>
             <a:endParaRPr/>
           </a:p>
@@ -2432,11 +2562,11 @@
 </file>
 
 <file path=ppt/slideLayouts/slideLayout2.xml><?xml version="1.0" encoding="utf-8"?>
-<p:sldLayout xmlns:a="http://schemas.openxmlformats.org/drawingml/2006/main" xmlns:r="http://schemas.openxmlformats.org/officeDocument/2006/relationships" xmlns:mc="http://schemas.openxmlformats.org/markup-compatibility/2006" xmlns:mv="urn:schemas-microsoft-com:mac:vml" xmlns:p="http://schemas.openxmlformats.org/presentationml/2006/main" xmlns:c="http://schemas.openxmlformats.org/drawingml/2006/chart" xmlns:dgm="http://schemas.openxmlformats.org/drawingml/2006/diagram" xmlns:o="urn:schemas-microsoft-com:office:office" xmlns:v="urn:schemas-microsoft-com:vml" xmlns:pvml="urn:schemas-microsoft-com:office:powerpoint" xmlns:com="http://schemas.openxmlformats.org/drawingml/2006/compatibility" xmlns:p14="http://schemas.microsoft.com/office/powerpoint/2010/main" xmlns:p15="http://schemas.microsoft.com/office/powerpoint/2012/main" xmlns:ahyp="http://schemas.microsoft.com/office/drawing/2018/hyperlinkcolor" matchingName="Section header" type="secHead">
+<p:sldLayout xmlns:a="http://schemas.openxmlformats.org/drawingml/2006/main" xmlns:r="http://schemas.openxmlformats.org/officeDocument/2006/relationships" xmlns:p="http://schemas.openxmlformats.org/presentationml/2006/main" matchingName="Section header" type="secHead">
   <p:cSld name="SECTION_HEADER">
     <p:spTree>
       <p:nvGrpSpPr>
-        <p:cNvPr id="13" name="Shape 13"/>
+        <p:cNvPr id="1" name="Shape 13"/>
         <p:cNvGrpSpPr/>
         <p:nvPr/>
       </p:nvGrpSpPr>
@@ -2451,7 +2581,9 @@
       <p:sp>
         <p:nvSpPr>
           <p:cNvPr id="14" name="Google Shape;14;p3"/>
-          <p:cNvSpPr txBox="1"/>
+          <p:cNvSpPr txBox="1">
+            <a:spLocks noGrp="1"/>
+          </p:cNvSpPr>
           <p:nvPr>
             <p:ph type="title"/>
           </p:nvPr>
@@ -2466,7 +2598,7 @@
           </a:prstGeom>
         </p:spPr>
         <p:txBody>
-          <a:bodyPr anchorCtr="0" anchor="ctr" bIns="91425" lIns="91425" spcFirstLastPara="1" rIns="91425" wrap="square" tIns="91425">
+          <a:bodyPr spcFirstLastPara="1" wrap="square" lIns="91425" tIns="91425" rIns="91425" bIns="91425" anchor="ctr" anchorCtr="0">
             <a:normAutofit/>
           </a:bodyPr>
           <a:lstStyle>
@@ -2570,15 +2702,19 @@
               <a:defRPr sz="3600"/>
             </a:lvl9pPr>
           </a:lstStyle>
-          <a:p/>
+          <a:p>
+            <a:endParaRPr/>
+          </a:p>
         </p:txBody>
       </p:sp>
       <p:sp>
         <p:nvSpPr>
           <p:cNvPr id="15" name="Google Shape;15;p3"/>
-          <p:cNvSpPr txBox="1"/>
+          <p:cNvSpPr txBox="1">
+            <a:spLocks noGrp="1"/>
+          </p:cNvSpPr>
           <p:nvPr>
-            <p:ph idx="12" type="sldNum"/>
+            <p:ph type="sldNum" idx="12"/>
           </p:nvPr>
         </p:nvSpPr>
         <p:spPr>
@@ -2591,7 +2727,7 @@
           </a:prstGeom>
         </p:spPr>
         <p:txBody>
-          <a:bodyPr anchorCtr="0" anchor="ctr" bIns="91425" lIns="91425" spcFirstLastPara="1" rIns="91425" wrap="square" tIns="91425">
+          <a:bodyPr spcFirstLastPara="1" wrap="square" lIns="91425" tIns="91425" rIns="91425" bIns="91425" anchor="ctr" anchorCtr="0">
             <a:normAutofit/>
           </a:bodyPr>
           <a:lstStyle>
@@ -2633,7 +2769,7 @@
             </a:lvl9pPr>
           </a:lstStyle>
           <a:p>
-            <a:pPr indent="0" lvl="0" marL="0" rtl="0" algn="r">
+            <a:pPr marL="0" lvl="0" indent="0" algn="r" rtl="0">
               <a:spcBef>
                 <a:spcPts val="0"/>
               </a:spcBef>
@@ -2644,7 +2780,7 @@
             </a:pPr>
             <a:fld id="{00000000-1234-1234-1234-123412341234}" type="slidenum">
               <a:rPr lang="es"/>
-              <a:t>‹#›</a:t>
+              <a:t>‹Nº›</a:t>
             </a:fld>
             <a:endParaRPr/>
           </a:p>
@@ -2659,11 +2795,11 @@
 </file>
 
 <file path=ppt/slideLayouts/slideLayout3.xml><?xml version="1.0" encoding="utf-8"?>
-<p:sldLayout xmlns:a="http://schemas.openxmlformats.org/drawingml/2006/main" xmlns:r="http://schemas.openxmlformats.org/officeDocument/2006/relationships" xmlns:mc="http://schemas.openxmlformats.org/markup-compatibility/2006" xmlns:mv="urn:schemas-microsoft-com:mac:vml" xmlns:p="http://schemas.openxmlformats.org/presentationml/2006/main" xmlns:c="http://schemas.openxmlformats.org/drawingml/2006/chart" xmlns:dgm="http://schemas.openxmlformats.org/drawingml/2006/diagram" xmlns:o="urn:schemas-microsoft-com:office:office" xmlns:v="urn:schemas-microsoft-com:vml" xmlns:pvml="urn:schemas-microsoft-com:office:powerpoint" xmlns:com="http://schemas.openxmlformats.org/drawingml/2006/compatibility" xmlns:p14="http://schemas.microsoft.com/office/powerpoint/2010/main" xmlns:p15="http://schemas.microsoft.com/office/powerpoint/2012/main" xmlns:ahyp="http://schemas.microsoft.com/office/drawing/2018/hyperlinkcolor" matchingName="Title and body" type="tx">
+<p:sldLayout xmlns:a="http://schemas.openxmlformats.org/drawingml/2006/main" xmlns:r="http://schemas.openxmlformats.org/officeDocument/2006/relationships" xmlns:p="http://schemas.openxmlformats.org/presentationml/2006/main" matchingName="Title and body" type="tx">
   <p:cSld name="TITLE_AND_BODY">
     <p:spTree>
       <p:nvGrpSpPr>
-        <p:cNvPr id="16" name="Shape 16"/>
+        <p:cNvPr id="1" name="Shape 16"/>
         <p:cNvGrpSpPr/>
         <p:nvPr/>
       </p:nvGrpSpPr>
@@ -2678,7 +2814,9 @@
       <p:sp>
         <p:nvSpPr>
           <p:cNvPr id="17" name="Google Shape;17;p4"/>
-          <p:cNvSpPr txBox="1"/>
+          <p:cNvSpPr txBox="1">
+            <a:spLocks noGrp="1"/>
+          </p:cNvSpPr>
           <p:nvPr>
             <p:ph type="title"/>
           </p:nvPr>
@@ -2693,7 +2831,7 @@
           </a:prstGeom>
         </p:spPr>
         <p:txBody>
-          <a:bodyPr anchorCtr="0" anchor="t" bIns="91425" lIns="91425" spcFirstLastPara="1" rIns="91425" wrap="square" tIns="91425">
+          <a:bodyPr spcFirstLastPara="1" wrap="square" lIns="91425" tIns="91425" rIns="91425" bIns="91425" anchor="t" anchorCtr="0">
             <a:normAutofit/>
           </a:bodyPr>
           <a:lstStyle>
@@ -2797,15 +2935,19 @@
               <a:defRPr/>
             </a:lvl9pPr>
           </a:lstStyle>
-          <a:p/>
+          <a:p>
+            <a:endParaRPr/>
+          </a:p>
         </p:txBody>
       </p:sp>
       <p:sp>
         <p:nvSpPr>
           <p:cNvPr id="18" name="Google Shape;18;p4"/>
-          <p:cNvSpPr txBox="1"/>
+          <p:cNvSpPr txBox="1">
+            <a:spLocks noGrp="1"/>
+          </p:cNvSpPr>
           <p:nvPr>
-            <p:ph idx="1" type="body"/>
+            <p:ph type="body" idx="1"/>
           </p:nvPr>
         </p:nvSpPr>
         <p:spPr>
@@ -2818,11 +2960,11 @@
           </a:prstGeom>
         </p:spPr>
         <p:txBody>
-          <a:bodyPr anchorCtr="0" anchor="t" bIns="91425" lIns="91425" spcFirstLastPara="1" rIns="91425" wrap="square" tIns="91425">
+          <a:bodyPr spcFirstLastPara="1" wrap="square" lIns="91425" tIns="91425" rIns="91425" bIns="91425" anchor="t" anchorCtr="0">
             <a:normAutofit/>
           </a:bodyPr>
           <a:lstStyle>
-            <a:lvl1pPr indent="-342900" lvl="0" marL="457200">
+            <a:lvl1pPr marL="457200" lvl="0" indent="-342900">
               <a:spcBef>
                 <a:spcPts val="0"/>
               </a:spcBef>
@@ -2833,7 +2975,7 @@
               <a:buChar char="●"/>
               <a:defRPr/>
             </a:lvl1pPr>
-            <a:lvl2pPr indent="-317500" lvl="1" marL="914400">
+            <a:lvl2pPr marL="914400" lvl="1" indent="-317500">
               <a:spcBef>
                 <a:spcPts val="0"/>
               </a:spcBef>
@@ -2844,7 +2986,7 @@
               <a:buChar char="○"/>
               <a:defRPr/>
             </a:lvl2pPr>
-            <a:lvl3pPr indent="-317500" lvl="2" marL="1371600">
+            <a:lvl3pPr marL="1371600" lvl="2" indent="-317500">
               <a:spcBef>
                 <a:spcPts val="0"/>
               </a:spcBef>
@@ -2855,7 +2997,7 @@
               <a:buChar char="■"/>
               <a:defRPr/>
             </a:lvl3pPr>
-            <a:lvl4pPr indent="-317500" lvl="3" marL="1828800">
+            <a:lvl4pPr marL="1828800" lvl="3" indent="-317500">
               <a:spcBef>
                 <a:spcPts val="0"/>
               </a:spcBef>
@@ -2866,7 +3008,7 @@
               <a:buChar char="●"/>
               <a:defRPr/>
             </a:lvl4pPr>
-            <a:lvl5pPr indent="-317500" lvl="4" marL="2286000">
+            <a:lvl5pPr marL="2286000" lvl="4" indent="-317500">
               <a:spcBef>
                 <a:spcPts val="0"/>
               </a:spcBef>
@@ -2877,7 +3019,7 @@
               <a:buChar char="○"/>
               <a:defRPr/>
             </a:lvl5pPr>
-            <a:lvl6pPr indent="-317500" lvl="5" marL="2743200">
+            <a:lvl6pPr marL="2743200" lvl="5" indent="-317500">
               <a:spcBef>
                 <a:spcPts val="0"/>
               </a:spcBef>
@@ -2888,7 +3030,7 @@
               <a:buChar char="■"/>
               <a:defRPr/>
             </a:lvl6pPr>
-            <a:lvl7pPr indent="-317500" lvl="6" marL="3200400">
+            <a:lvl7pPr marL="3200400" lvl="6" indent="-317500">
               <a:spcBef>
                 <a:spcPts val="0"/>
               </a:spcBef>
@@ -2899,7 +3041,7 @@
               <a:buChar char="●"/>
               <a:defRPr/>
             </a:lvl7pPr>
-            <a:lvl8pPr indent="-317500" lvl="7" marL="3657600">
+            <a:lvl8pPr marL="3657600" lvl="7" indent="-317500">
               <a:spcBef>
                 <a:spcPts val="0"/>
               </a:spcBef>
@@ -2910,7 +3052,7 @@
               <a:buChar char="○"/>
               <a:defRPr/>
             </a:lvl8pPr>
-            <a:lvl9pPr indent="-317500" lvl="8" marL="4114800">
+            <a:lvl9pPr marL="4114800" lvl="8" indent="-317500">
               <a:spcBef>
                 <a:spcPts val="0"/>
               </a:spcBef>
@@ -2922,15 +3064,19 @@
               <a:defRPr/>
             </a:lvl9pPr>
           </a:lstStyle>
-          <a:p/>
+          <a:p>
+            <a:endParaRPr/>
+          </a:p>
         </p:txBody>
       </p:sp>
       <p:sp>
         <p:nvSpPr>
           <p:cNvPr id="19" name="Google Shape;19;p4"/>
-          <p:cNvSpPr txBox="1"/>
+          <p:cNvSpPr txBox="1">
+            <a:spLocks noGrp="1"/>
+          </p:cNvSpPr>
           <p:nvPr>
-            <p:ph idx="12" type="sldNum"/>
+            <p:ph type="sldNum" idx="12"/>
           </p:nvPr>
         </p:nvSpPr>
         <p:spPr>
@@ -2943,7 +3089,7 @@
           </a:prstGeom>
         </p:spPr>
         <p:txBody>
-          <a:bodyPr anchorCtr="0" anchor="ctr" bIns="91425" lIns="91425" spcFirstLastPara="1" rIns="91425" wrap="square" tIns="91425">
+          <a:bodyPr spcFirstLastPara="1" wrap="square" lIns="91425" tIns="91425" rIns="91425" bIns="91425" anchor="ctr" anchorCtr="0">
             <a:normAutofit/>
           </a:bodyPr>
           <a:lstStyle>
@@ -2985,7 +3131,7 @@
             </a:lvl9pPr>
           </a:lstStyle>
           <a:p>
-            <a:pPr indent="0" lvl="0" marL="0" rtl="0" algn="r">
+            <a:pPr marL="0" lvl="0" indent="0" algn="r" rtl="0">
               <a:spcBef>
                 <a:spcPts val="0"/>
               </a:spcBef>
@@ -2996,7 +3142,7 @@
             </a:pPr>
             <a:fld id="{00000000-1234-1234-1234-123412341234}" type="slidenum">
               <a:rPr lang="es"/>
-              <a:t>‹#›</a:t>
+              <a:t>‹Nº›</a:t>
             </a:fld>
             <a:endParaRPr/>
           </a:p>
@@ -3011,11 +3157,11 @@
 </file>
 
 <file path=ppt/slideLayouts/slideLayout4.xml><?xml version="1.0" encoding="utf-8"?>
-<p:sldLayout xmlns:a="http://schemas.openxmlformats.org/drawingml/2006/main" xmlns:r="http://schemas.openxmlformats.org/officeDocument/2006/relationships" xmlns:mc="http://schemas.openxmlformats.org/markup-compatibility/2006" xmlns:mv="urn:schemas-microsoft-com:mac:vml" xmlns:p="http://schemas.openxmlformats.org/presentationml/2006/main" xmlns:c="http://schemas.openxmlformats.org/drawingml/2006/chart" xmlns:dgm="http://schemas.openxmlformats.org/drawingml/2006/diagram" xmlns:o="urn:schemas-microsoft-com:office:office" xmlns:v="urn:schemas-microsoft-com:vml" xmlns:pvml="urn:schemas-microsoft-com:office:powerpoint" xmlns:com="http://schemas.openxmlformats.org/drawingml/2006/compatibility" xmlns:p14="http://schemas.microsoft.com/office/powerpoint/2010/main" xmlns:p15="http://schemas.microsoft.com/office/powerpoint/2012/main" xmlns:ahyp="http://schemas.microsoft.com/office/drawing/2018/hyperlinkcolor" matchingName="Title and two columns" type="twoColTx">
+<p:sldLayout xmlns:a="http://schemas.openxmlformats.org/drawingml/2006/main" xmlns:r="http://schemas.openxmlformats.org/officeDocument/2006/relationships" xmlns:p="http://schemas.openxmlformats.org/presentationml/2006/main" matchingName="Title and two columns" type="twoColTx">
   <p:cSld name="TITLE_AND_TWO_COLUMNS">
     <p:spTree>
       <p:nvGrpSpPr>
-        <p:cNvPr id="20" name="Shape 20"/>
+        <p:cNvPr id="1" name="Shape 20"/>
         <p:cNvGrpSpPr/>
         <p:nvPr/>
       </p:nvGrpSpPr>
@@ -3030,7 +3176,9 @@
       <p:sp>
         <p:nvSpPr>
           <p:cNvPr id="21" name="Google Shape;21;p5"/>
-          <p:cNvSpPr txBox="1"/>
+          <p:cNvSpPr txBox="1">
+            <a:spLocks noGrp="1"/>
+          </p:cNvSpPr>
           <p:nvPr>
             <p:ph type="title"/>
           </p:nvPr>
@@ -3045,7 +3193,7 @@
           </a:prstGeom>
         </p:spPr>
         <p:txBody>
-          <a:bodyPr anchorCtr="0" anchor="t" bIns="91425" lIns="91425" spcFirstLastPara="1" rIns="91425" wrap="square" tIns="91425">
+          <a:bodyPr spcFirstLastPara="1" wrap="square" lIns="91425" tIns="91425" rIns="91425" bIns="91425" anchor="t" anchorCtr="0">
             <a:normAutofit/>
           </a:bodyPr>
           <a:lstStyle>
@@ -3149,15 +3297,19 @@
               <a:defRPr/>
             </a:lvl9pPr>
           </a:lstStyle>
-          <a:p/>
+          <a:p>
+            <a:endParaRPr/>
+          </a:p>
         </p:txBody>
       </p:sp>
       <p:sp>
         <p:nvSpPr>
           <p:cNvPr id="22" name="Google Shape;22;p5"/>
-          <p:cNvSpPr txBox="1"/>
+          <p:cNvSpPr txBox="1">
+            <a:spLocks noGrp="1"/>
+          </p:cNvSpPr>
           <p:nvPr>
-            <p:ph idx="1" type="body"/>
+            <p:ph type="body" idx="1"/>
           </p:nvPr>
         </p:nvSpPr>
         <p:spPr>
@@ -3170,11 +3322,11 @@
           </a:prstGeom>
         </p:spPr>
         <p:txBody>
-          <a:bodyPr anchorCtr="0" anchor="t" bIns="91425" lIns="91425" spcFirstLastPara="1" rIns="91425" wrap="square" tIns="91425">
+          <a:bodyPr spcFirstLastPara="1" wrap="square" lIns="91425" tIns="91425" rIns="91425" bIns="91425" anchor="t" anchorCtr="0">
             <a:normAutofit/>
           </a:bodyPr>
           <a:lstStyle>
-            <a:lvl1pPr indent="-317500" lvl="0" marL="457200">
+            <a:lvl1pPr marL="457200" lvl="0" indent="-317500">
               <a:spcBef>
                 <a:spcPts val="0"/>
               </a:spcBef>
@@ -3185,7 +3337,7 @@
               <a:buChar char="●"/>
               <a:defRPr sz="1400"/>
             </a:lvl1pPr>
-            <a:lvl2pPr indent="-304800" lvl="1" marL="914400">
+            <a:lvl2pPr marL="914400" lvl="1" indent="-304800">
               <a:spcBef>
                 <a:spcPts val="0"/>
               </a:spcBef>
@@ -3196,7 +3348,7 @@
               <a:buChar char="○"/>
               <a:defRPr sz="1200"/>
             </a:lvl2pPr>
-            <a:lvl3pPr indent="-304800" lvl="2" marL="1371600">
+            <a:lvl3pPr marL="1371600" lvl="2" indent="-304800">
               <a:spcBef>
                 <a:spcPts val="0"/>
               </a:spcBef>
@@ -3207,7 +3359,7 @@
               <a:buChar char="■"/>
               <a:defRPr sz="1200"/>
             </a:lvl3pPr>
-            <a:lvl4pPr indent="-304800" lvl="3" marL="1828800">
+            <a:lvl4pPr marL="1828800" lvl="3" indent="-304800">
               <a:spcBef>
                 <a:spcPts val="0"/>
               </a:spcBef>
@@ -3218,7 +3370,7 @@
               <a:buChar char="●"/>
               <a:defRPr sz="1200"/>
             </a:lvl4pPr>
-            <a:lvl5pPr indent="-304800" lvl="4" marL="2286000">
+            <a:lvl5pPr marL="2286000" lvl="4" indent="-304800">
               <a:spcBef>
                 <a:spcPts val="0"/>
               </a:spcBef>
@@ -3229,7 +3381,7 @@
               <a:buChar char="○"/>
               <a:defRPr sz="1200"/>
             </a:lvl5pPr>
-            <a:lvl6pPr indent="-304800" lvl="5" marL="2743200">
+            <a:lvl6pPr marL="2743200" lvl="5" indent="-304800">
               <a:spcBef>
                 <a:spcPts val="0"/>
               </a:spcBef>
@@ -3240,7 +3392,7 @@
               <a:buChar char="■"/>
               <a:defRPr sz="1200"/>
             </a:lvl6pPr>
-            <a:lvl7pPr indent="-304800" lvl="6" marL="3200400">
+            <a:lvl7pPr marL="3200400" lvl="6" indent="-304800">
               <a:spcBef>
                 <a:spcPts val="0"/>
               </a:spcBef>
@@ -3251,7 +3403,7 @@
               <a:buChar char="●"/>
               <a:defRPr sz="1200"/>
             </a:lvl7pPr>
-            <a:lvl8pPr indent="-304800" lvl="7" marL="3657600">
+            <a:lvl8pPr marL="3657600" lvl="7" indent="-304800">
               <a:spcBef>
                 <a:spcPts val="0"/>
               </a:spcBef>
@@ -3262,7 +3414,7 @@
               <a:buChar char="○"/>
               <a:defRPr sz="1200"/>
             </a:lvl8pPr>
-            <a:lvl9pPr indent="-304800" lvl="8" marL="4114800">
+            <a:lvl9pPr marL="4114800" lvl="8" indent="-304800">
               <a:spcBef>
                 <a:spcPts val="0"/>
               </a:spcBef>
@@ -3274,15 +3426,19 @@
               <a:defRPr sz="1200"/>
             </a:lvl9pPr>
           </a:lstStyle>
-          <a:p/>
+          <a:p>
+            <a:endParaRPr/>
+          </a:p>
         </p:txBody>
       </p:sp>
       <p:sp>
         <p:nvSpPr>
           <p:cNvPr id="23" name="Google Shape;23;p5"/>
-          <p:cNvSpPr txBox="1"/>
+          <p:cNvSpPr txBox="1">
+            <a:spLocks noGrp="1"/>
+          </p:cNvSpPr>
           <p:nvPr>
-            <p:ph idx="2" type="body"/>
+            <p:ph type="body" idx="2"/>
           </p:nvPr>
         </p:nvSpPr>
         <p:spPr>
@@ -3295,11 +3451,11 @@
           </a:prstGeom>
         </p:spPr>
         <p:txBody>
-          <a:bodyPr anchorCtr="0" anchor="t" bIns="91425" lIns="91425" spcFirstLastPara="1" rIns="91425" wrap="square" tIns="91425">
+          <a:bodyPr spcFirstLastPara="1" wrap="square" lIns="91425" tIns="91425" rIns="91425" bIns="91425" anchor="t" anchorCtr="0">
             <a:normAutofit/>
           </a:bodyPr>
           <a:lstStyle>
-            <a:lvl1pPr indent="-317500" lvl="0" marL="457200">
+            <a:lvl1pPr marL="457200" lvl="0" indent="-317500">
               <a:spcBef>
                 <a:spcPts val="0"/>
               </a:spcBef>
@@ -3310,7 +3466,7 @@
               <a:buChar char="●"/>
               <a:defRPr sz="1400"/>
             </a:lvl1pPr>
-            <a:lvl2pPr indent="-304800" lvl="1" marL="914400">
+            <a:lvl2pPr marL="914400" lvl="1" indent="-304800">
               <a:spcBef>
                 <a:spcPts val="0"/>
               </a:spcBef>
@@ -3321,7 +3477,7 @@
               <a:buChar char="○"/>
               <a:defRPr sz="1200"/>
             </a:lvl2pPr>
-            <a:lvl3pPr indent="-304800" lvl="2" marL="1371600">
+            <a:lvl3pPr marL="1371600" lvl="2" indent="-304800">
               <a:spcBef>
                 <a:spcPts val="0"/>
               </a:spcBef>
@@ -3332,7 +3488,7 @@
               <a:buChar char="■"/>
               <a:defRPr sz="1200"/>
             </a:lvl3pPr>
-            <a:lvl4pPr indent="-304800" lvl="3" marL="1828800">
+            <a:lvl4pPr marL="1828800" lvl="3" indent="-304800">
               <a:spcBef>
                 <a:spcPts val="0"/>
               </a:spcBef>
@@ -3343,7 +3499,7 @@
               <a:buChar char="●"/>
               <a:defRPr sz="1200"/>
             </a:lvl4pPr>
-            <a:lvl5pPr indent="-304800" lvl="4" marL="2286000">
+            <a:lvl5pPr marL="2286000" lvl="4" indent="-304800">
               <a:spcBef>
                 <a:spcPts val="0"/>
               </a:spcBef>
@@ -3354,7 +3510,7 @@
               <a:buChar char="○"/>
               <a:defRPr sz="1200"/>
             </a:lvl5pPr>
-            <a:lvl6pPr indent="-304800" lvl="5" marL="2743200">
+            <a:lvl6pPr marL="2743200" lvl="5" indent="-304800">
               <a:spcBef>
                 <a:spcPts val="0"/>
               </a:spcBef>
@@ -3365,7 +3521,7 @@
               <a:buChar char="■"/>
               <a:defRPr sz="1200"/>
             </a:lvl6pPr>
-            <a:lvl7pPr indent="-304800" lvl="6" marL="3200400">
+            <a:lvl7pPr marL="3200400" lvl="6" indent="-304800">
               <a:spcBef>
                 <a:spcPts val="0"/>
               </a:spcBef>
@@ -3376,7 +3532,7 @@
               <a:buChar char="●"/>
               <a:defRPr sz="1200"/>
             </a:lvl7pPr>
-            <a:lvl8pPr indent="-304800" lvl="7" marL="3657600">
+            <a:lvl8pPr marL="3657600" lvl="7" indent="-304800">
               <a:spcBef>
                 <a:spcPts val="0"/>
               </a:spcBef>
@@ -3387,7 +3543,7 @@
               <a:buChar char="○"/>
               <a:defRPr sz="1200"/>
             </a:lvl8pPr>
-            <a:lvl9pPr indent="-304800" lvl="8" marL="4114800">
+            <a:lvl9pPr marL="4114800" lvl="8" indent="-304800">
               <a:spcBef>
                 <a:spcPts val="0"/>
               </a:spcBef>
@@ -3399,15 +3555,19 @@
               <a:defRPr sz="1200"/>
             </a:lvl9pPr>
           </a:lstStyle>
-          <a:p/>
+          <a:p>
+            <a:endParaRPr/>
+          </a:p>
         </p:txBody>
       </p:sp>
       <p:sp>
         <p:nvSpPr>
           <p:cNvPr id="24" name="Google Shape;24;p5"/>
-          <p:cNvSpPr txBox="1"/>
+          <p:cNvSpPr txBox="1">
+            <a:spLocks noGrp="1"/>
+          </p:cNvSpPr>
           <p:nvPr>
-            <p:ph idx="12" type="sldNum"/>
+            <p:ph type="sldNum" idx="12"/>
           </p:nvPr>
         </p:nvSpPr>
         <p:spPr>
@@ -3420,7 +3580,7 @@
           </a:prstGeom>
         </p:spPr>
         <p:txBody>
-          <a:bodyPr anchorCtr="0" anchor="ctr" bIns="91425" lIns="91425" spcFirstLastPara="1" rIns="91425" wrap="square" tIns="91425">
+          <a:bodyPr spcFirstLastPara="1" wrap="square" lIns="91425" tIns="91425" rIns="91425" bIns="91425" anchor="ctr" anchorCtr="0">
             <a:normAutofit/>
           </a:bodyPr>
           <a:lstStyle>
@@ -3462,7 +3622,7 @@
             </a:lvl9pPr>
           </a:lstStyle>
           <a:p>
-            <a:pPr indent="0" lvl="0" marL="0" rtl="0" algn="r">
+            <a:pPr marL="0" lvl="0" indent="0" algn="r" rtl="0">
               <a:spcBef>
                 <a:spcPts val="0"/>
               </a:spcBef>
@@ -3473,7 +3633,7 @@
             </a:pPr>
             <a:fld id="{00000000-1234-1234-1234-123412341234}" type="slidenum">
               <a:rPr lang="es"/>
-              <a:t>‹#›</a:t>
+              <a:t>‹Nº›</a:t>
             </a:fld>
             <a:endParaRPr/>
           </a:p>
@@ -3488,11 +3648,11 @@
 </file>
 
 <file path=ppt/slideLayouts/slideLayout5.xml><?xml version="1.0" encoding="utf-8"?>
-<p:sldLayout xmlns:a="http://schemas.openxmlformats.org/drawingml/2006/main" xmlns:r="http://schemas.openxmlformats.org/officeDocument/2006/relationships" xmlns:mc="http://schemas.openxmlformats.org/markup-compatibility/2006" xmlns:mv="urn:schemas-microsoft-com:mac:vml" xmlns:p="http://schemas.openxmlformats.org/presentationml/2006/main" xmlns:c="http://schemas.openxmlformats.org/drawingml/2006/chart" xmlns:dgm="http://schemas.openxmlformats.org/drawingml/2006/diagram" xmlns:o="urn:schemas-microsoft-com:office:office" xmlns:v="urn:schemas-microsoft-com:vml" xmlns:pvml="urn:schemas-microsoft-com:office:powerpoint" xmlns:com="http://schemas.openxmlformats.org/drawingml/2006/compatibility" xmlns:p14="http://schemas.microsoft.com/office/powerpoint/2010/main" xmlns:p15="http://schemas.microsoft.com/office/powerpoint/2012/main" xmlns:ahyp="http://schemas.microsoft.com/office/drawing/2018/hyperlinkcolor" matchingName="Title only" type="titleOnly">
+<p:sldLayout xmlns:a="http://schemas.openxmlformats.org/drawingml/2006/main" xmlns:r="http://schemas.openxmlformats.org/officeDocument/2006/relationships" xmlns:p="http://schemas.openxmlformats.org/presentationml/2006/main" matchingName="Title only" type="titleOnly">
   <p:cSld name="TITLE_ONLY">
     <p:spTree>
       <p:nvGrpSpPr>
-        <p:cNvPr id="25" name="Shape 25"/>
+        <p:cNvPr id="1" name="Shape 25"/>
         <p:cNvGrpSpPr/>
         <p:nvPr/>
       </p:nvGrpSpPr>
@@ -3507,7 +3667,9 @@
       <p:sp>
         <p:nvSpPr>
           <p:cNvPr id="26" name="Google Shape;26;p6"/>
-          <p:cNvSpPr txBox="1"/>
+          <p:cNvSpPr txBox="1">
+            <a:spLocks noGrp="1"/>
+          </p:cNvSpPr>
           <p:nvPr>
             <p:ph type="title"/>
           </p:nvPr>
@@ -3522,7 +3684,7 @@
           </a:prstGeom>
         </p:spPr>
         <p:txBody>
-          <a:bodyPr anchorCtr="0" anchor="t" bIns="91425" lIns="91425" spcFirstLastPara="1" rIns="91425" wrap="square" tIns="91425">
+          <a:bodyPr spcFirstLastPara="1" wrap="square" lIns="91425" tIns="91425" rIns="91425" bIns="91425" anchor="t" anchorCtr="0">
             <a:normAutofit/>
           </a:bodyPr>
           <a:lstStyle>
@@ -3626,15 +3788,19 @@
               <a:defRPr/>
             </a:lvl9pPr>
           </a:lstStyle>
-          <a:p/>
+          <a:p>
+            <a:endParaRPr/>
+          </a:p>
         </p:txBody>
       </p:sp>
       <p:sp>
         <p:nvSpPr>
           <p:cNvPr id="27" name="Google Shape;27;p6"/>
-          <p:cNvSpPr txBox="1"/>
+          <p:cNvSpPr txBox="1">
+            <a:spLocks noGrp="1"/>
+          </p:cNvSpPr>
           <p:nvPr>
-            <p:ph idx="12" type="sldNum"/>
+            <p:ph type="sldNum" idx="12"/>
           </p:nvPr>
         </p:nvSpPr>
         <p:spPr>
@@ -3647,7 +3813,7 @@
           </a:prstGeom>
         </p:spPr>
         <p:txBody>
-          <a:bodyPr anchorCtr="0" anchor="ctr" bIns="91425" lIns="91425" spcFirstLastPara="1" rIns="91425" wrap="square" tIns="91425">
+          <a:bodyPr spcFirstLastPara="1" wrap="square" lIns="91425" tIns="91425" rIns="91425" bIns="91425" anchor="ctr" anchorCtr="0">
             <a:normAutofit/>
           </a:bodyPr>
           <a:lstStyle>
@@ -3689,7 +3855,7 @@
             </a:lvl9pPr>
           </a:lstStyle>
           <a:p>
-            <a:pPr indent="0" lvl="0" marL="0" rtl="0" algn="r">
+            <a:pPr marL="0" lvl="0" indent="0" algn="r" rtl="0">
               <a:spcBef>
                 <a:spcPts val="0"/>
               </a:spcBef>
@@ -3700,7 +3866,7 @@
             </a:pPr>
             <a:fld id="{00000000-1234-1234-1234-123412341234}" type="slidenum">
               <a:rPr lang="es"/>
-              <a:t>‹#›</a:t>
+              <a:t>‹Nº›</a:t>
             </a:fld>
             <a:endParaRPr/>
           </a:p>
@@ -3715,11 +3881,11 @@
 </file>
 
 <file path=ppt/slideLayouts/slideLayout6.xml><?xml version="1.0" encoding="utf-8"?>
-<p:sldLayout xmlns:a="http://schemas.openxmlformats.org/drawingml/2006/main" xmlns:r="http://schemas.openxmlformats.org/officeDocument/2006/relationships" xmlns:mc="http://schemas.openxmlformats.org/markup-compatibility/2006" xmlns:mv="urn:schemas-microsoft-com:mac:vml" xmlns:p="http://schemas.openxmlformats.org/presentationml/2006/main" xmlns:c="http://schemas.openxmlformats.org/drawingml/2006/chart" xmlns:dgm="http://schemas.openxmlformats.org/drawingml/2006/diagram" xmlns:o="urn:schemas-microsoft-com:office:office" xmlns:v="urn:schemas-microsoft-com:vml" xmlns:pvml="urn:schemas-microsoft-com:office:powerpoint" xmlns:com="http://schemas.openxmlformats.org/drawingml/2006/compatibility" xmlns:p14="http://schemas.microsoft.com/office/powerpoint/2010/main" xmlns:p15="http://schemas.microsoft.com/office/powerpoint/2012/main" xmlns:ahyp="http://schemas.microsoft.com/office/drawing/2018/hyperlinkcolor" matchingName="One column text">
+<p:sldLayout xmlns:a="http://schemas.openxmlformats.org/drawingml/2006/main" xmlns:r="http://schemas.openxmlformats.org/officeDocument/2006/relationships" xmlns:p="http://schemas.openxmlformats.org/presentationml/2006/main" matchingName="One column text">
   <p:cSld name="ONE_COLUMN_TEXT">
     <p:spTree>
       <p:nvGrpSpPr>
-        <p:cNvPr id="28" name="Shape 28"/>
+        <p:cNvPr id="1" name="Shape 28"/>
         <p:cNvGrpSpPr/>
         <p:nvPr/>
       </p:nvGrpSpPr>
@@ -3734,7 +3900,9 @@
       <p:sp>
         <p:nvSpPr>
           <p:cNvPr id="29" name="Google Shape;29;p7"/>
-          <p:cNvSpPr txBox="1"/>
+          <p:cNvSpPr txBox="1">
+            <a:spLocks noGrp="1"/>
+          </p:cNvSpPr>
           <p:nvPr>
             <p:ph type="title"/>
           </p:nvPr>
@@ -3749,7 +3917,7 @@
           </a:prstGeom>
         </p:spPr>
         <p:txBody>
-          <a:bodyPr anchorCtr="0" anchor="b" bIns="91425" lIns="91425" spcFirstLastPara="1" rIns="91425" wrap="square" tIns="91425">
+          <a:bodyPr spcFirstLastPara="1" wrap="square" lIns="91425" tIns="91425" rIns="91425" bIns="91425" anchor="b" anchorCtr="0">
             <a:normAutofit/>
           </a:bodyPr>
           <a:lstStyle>
@@ -3853,15 +4021,19 @@
               <a:defRPr sz="2400"/>
             </a:lvl9pPr>
           </a:lstStyle>
-          <a:p/>
+          <a:p>
+            <a:endParaRPr/>
+          </a:p>
         </p:txBody>
       </p:sp>
       <p:sp>
         <p:nvSpPr>
           <p:cNvPr id="30" name="Google Shape;30;p7"/>
-          <p:cNvSpPr txBox="1"/>
+          <p:cNvSpPr txBox="1">
+            <a:spLocks noGrp="1"/>
+          </p:cNvSpPr>
           <p:nvPr>
-            <p:ph idx="1" type="body"/>
+            <p:ph type="body" idx="1"/>
           </p:nvPr>
         </p:nvSpPr>
         <p:spPr>
@@ -3874,11 +4046,11 @@
           </a:prstGeom>
         </p:spPr>
         <p:txBody>
-          <a:bodyPr anchorCtr="0" anchor="t" bIns="91425" lIns="91425" spcFirstLastPara="1" rIns="91425" wrap="square" tIns="91425">
+          <a:bodyPr spcFirstLastPara="1" wrap="square" lIns="91425" tIns="91425" rIns="91425" bIns="91425" anchor="t" anchorCtr="0">
             <a:normAutofit/>
           </a:bodyPr>
           <a:lstStyle>
-            <a:lvl1pPr indent="-304800" lvl="0" marL="457200">
+            <a:lvl1pPr marL="457200" lvl="0" indent="-304800">
               <a:spcBef>
                 <a:spcPts val="0"/>
               </a:spcBef>
@@ -3889,7 +4061,7 @@
               <a:buChar char="●"/>
               <a:defRPr sz="1200"/>
             </a:lvl1pPr>
-            <a:lvl2pPr indent="-304800" lvl="1" marL="914400">
+            <a:lvl2pPr marL="914400" lvl="1" indent="-304800">
               <a:spcBef>
                 <a:spcPts val="0"/>
               </a:spcBef>
@@ -3900,7 +4072,7 @@
               <a:buChar char="○"/>
               <a:defRPr sz="1200"/>
             </a:lvl2pPr>
-            <a:lvl3pPr indent="-304800" lvl="2" marL="1371600">
+            <a:lvl3pPr marL="1371600" lvl="2" indent="-304800">
               <a:spcBef>
                 <a:spcPts val="0"/>
               </a:spcBef>
@@ -3911,7 +4083,7 @@
               <a:buChar char="■"/>
               <a:defRPr sz="1200"/>
             </a:lvl3pPr>
-            <a:lvl4pPr indent="-304800" lvl="3" marL="1828800">
+            <a:lvl4pPr marL="1828800" lvl="3" indent="-304800">
               <a:spcBef>
                 <a:spcPts val="0"/>
               </a:spcBef>
@@ -3922,7 +4094,7 @@
               <a:buChar char="●"/>
               <a:defRPr sz="1200"/>
             </a:lvl4pPr>
-            <a:lvl5pPr indent="-304800" lvl="4" marL="2286000">
+            <a:lvl5pPr marL="2286000" lvl="4" indent="-304800">
               <a:spcBef>
                 <a:spcPts val="0"/>
               </a:spcBef>
@@ -3933,7 +4105,7 @@
               <a:buChar char="○"/>
               <a:defRPr sz="1200"/>
             </a:lvl5pPr>
-            <a:lvl6pPr indent="-304800" lvl="5" marL="2743200">
+            <a:lvl6pPr marL="2743200" lvl="5" indent="-304800">
               <a:spcBef>
                 <a:spcPts val="0"/>
               </a:spcBef>
@@ -3944,7 +4116,7 @@
               <a:buChar char="■"/>
               <a:defRPr sz="1200"/>
             </a:lvl6pPr>
-            <a:lvl7pPr indent="-304800" lvl="6" marL="3200400">
+            <a:lvl7pPr marL="3200400" lvl="6" indent="-304800">
               <a:spcBef>
                 <a:spcPts val="0"/>
               </a:spcBef>
@@ -3955,7 +4127,7 @@
               <a:buChar char="●"/>
               <a:defRPr sz="1200"/>
             </a:lvl7pPr>
-            <a:lvl8pPr indent="-304800" lvl="7" marL="3657600">
+            <a:lvl8pPr marL="3657600" lvl="7" indent="-304800">
               <a:spcBef>
                 <a:spcPts val="0"/>
               </a:spcBef>
@@ -3966,7 +4138,7 @@
               <a:buChar char="○"/>
               <a:defRPr sz="1200"/>
             </a:lvl8pPr>
-            <a:lvl9pPr indent="-304800" lvl="8" marL="4114800">
+            <a:lvl9pPr marL="4114800" lvl="8" indent="-304800">
               <a:spcBef>
                 <a:spcPts val="0"/>
               </a:spcBef>
@@ -3978,15 +4150,19 @@
               <a:defRPr sz="1200"/>
             </a:lvl9pPr>
           </a:lstStyle>
-          <a:p/>
+          <a:p>
+            <a:endParaRPr/>
+          </a:p>
         </p:txBody>
       </p:sp>
       <p:sp>
         <p:nvSpPr>
           <p:cNvPr id="31" name="Google Shape;31;p7"/>
-          <p:cNvSpPr txBox="1"/>
+          <p:cNvSpPr txBox="1">
+            <a:spLocks noGrp="1"/>
+          </p:cNvSpPr>
           <p:nvPr>
-            <p:ph idx="12" type="sldNum"/>
+            <p:ph type="sldNum" idx="12"/>
           </p:nvPr>
         </p:nvSpPr>
         <p:spPr>
@@ -3999,7 +4175,7 @@
           </a:prstGeom>
         </p:spPr>
         <p:txBody>
-          <a:bodyPr anchorCtr="0" anchor="ctr" bIns="91425" lIns="91425" spcFirstLastPara="1" rIns="91425" wrap="square" tIns="91425">
+          <a:bodyPr spcFirstLastPara="1" wrap="square" lIns="91425" tIns="91425" rIns="91425" bIns="91425" anchor="ctr" anchorCtr="0">
             <a:normAutofit/>
           </a:bodyPr>
           <a:lstStyle>
@@ -4041,7 +4217,7 @@
             </a:lvl9pPr>
           </a:lstStyle>
           <a:p>
-            <a:pPr indent="0" lvl="0" marL="0" rtl="0" algn="r">
+            <a:pPr marL="0" lvl="0" indent="0" algn="r" rtl="0">
               <a:spcBef>
                 <a:spcPts val="0"/>
               </a:spcBef>
@@ -4052,7 +4228,7 @@
             </a:pPr>
             <a:fld id="{00000000-1234-1234-1234-123412341234}" type="slidenum">
               <a:rPr lang="es"/>
-              <a:t>‹#›</a:t>
+              <a:t>‹Nº›</a:t>
             </a:fld>
             <a:endParaRPr/>
           </a:p>
@@ -4067,11 +4243,11 @@
 </file>
 
 <file path=ppt/slideLayouts/slideLayout7.xml><?xml version="1.0" encoding="utf-8"?>
-<p:sldLayout xmlns:a="http://schemas.openxmlformats.org/drawingml/2006/main" xmlns:r="http://schemas.openxmlformats.org/officeDocument/2006/relationships" xmlns:mc="http://schemas.openxmlformats.org/markup-compatibility/2006" xmlns:mv="urn:schemas-microsoft-com:mac:vml" xmlns:p="http://schemas.openxmlformats.org/presentationml/2006/main" xmlns:c="http://schemas.openxmlformats.org/drawingml/2006/chart" xmlns:dgm="http://schemas.openxmlformats.org/drawingml/2006/diagram" xmlns:o="urn:schemas-microsoft-com:office:office" xmlns:v="urn:schemas-microsoft-com:vml" xmlns:pvml="urn:schemas-microsoft-com:office:powerpoint" xmlns:com="http://schemas.openxmlformats.org/drawingml/2006/compatibility" xmlns:p14="http://schemas.microsoft.com/office/powerpoint/2010/main" xmlns:p15="http://schemas.microsoft.com/office/powerpoint/2012/main" xmlns:ahyp="http://schemas.microsoft.com/office/drawing/2018/hyperlinkcolor" matchingName="Main point">
+<p:sldLayout xmlns:a="http://schemas.openxmlformats.org/drawingml/2006/main" xmlns:r="http://schemas.openxmlformats.org/officeDocument/2006/relationships" xmlns:p="http://schemas.openxmlformats.org/presentationml/2006/main" matchingName="Main point">
   <p:cSld name="MAIN_POINT">
     <p:spTree>
       <p:nvGrpSpPr>
-        <p:cNvPr id="32" name="Shape 32"/>
+        <p:cNvPr id="1" name="Shape 32"/>
         <p:cNvGrpSpPr/>
         <p:nvPr/>
       </p:nvGrpSpPr>
@@ -4086,7 +4262,9 @@
       <p:sp>
         <p:nvSpPr>
           <p:cNvPr id="33" name="Google Shape;33;p8"/>
-          <p:cNvSpPr txBox="1"/>
+          <p:cNvSpPr txBox="1">
+            <a:spLocks noGrp="1"/>
+          </p:cNvSpPr>
           <p:nvPr>
             <p:ph type="title"/>
           </p:nvPr>
@@ -4101,7 +4279,7 @@
           </a:prstGeom>
         </p:spPr>
         <p:txBody>
-          <a:bodyPr anchorCtr="0" anchor="ctr" bIns="91425" lIns="91425" spcFirstLastPara="1" rIns="91425" wrap="square" tIns="91425">
+          <a:bodyPr spcFirstLastPara="1" wrap="square" lIns="91425" tIns="91425" rIns="91425" bIns="91425" anchor="ctr" anchorCtr="0">
             <a:normAutofit/>
           </a:bodyPr>
           <a:lstStyle>
@@ -4205,15 +4383,19 @@
               <a:defRPr sz="4800"/>
             </a:lvl9pPr>
           </a:lstStyle>
-          <a:p/>
+          <a:p>
+            <a:endParaRPr/>
+          </a:p>
         </p:txBody>
       </p:sp>
       <p:sp>
         <p:nvSpPr>
           <p:cNvPr id="34" name="Google Shape;34;p8"/>
-          <p:cNvSpPr txBox="1"/>
+          <p:cNvSpPr txBox="1">
+            <a:spLocks noGrp="1"/>
+          </p:cNvSpPr>
           <p:nvPr>
-            <p:ph idx="12" type="sldNum"/>
+            <p:ph type="sldNum" idx="12"/>
           </p:nvPr>
         </p:nvSpPr>
         <p:spPr>
@@ -4226,7 +4408,7 @@
           </a:prstGeom>
         </p:spPr>
         <p:txBody>
-          <a:bodyPr anchorCtr="0" anchor="ctr" bIns="91425" lIns="91425" spcFirstLastPara="1" rIns="91425" wrap="square" tIns="91425">
+          <a:bodyPr spcFirstLastPara="1" wrap="square" lIns="91425" tIns="91425" rIns="91425" bIns="91425" anchor="ctr" anchorCtr="0">
             <a:normAutofit/>
           </a:bodyPr>
           <a:lstStyle>
@@ -4268,7 +4450,7 @@
             </a:lvl9pPr>
           </a:lstStyle>
           <a:p>
-            <a:pPr indent="0" lvl="0" marL="0" rtl="0" algn="r">
+            <a:pPr marL="0" lvl="0" indent="0" algn="r" rtl="0">
               <a:spcBef>
                 <a:spcPts val="0"/>
               </a:spcBef>
@@ -4279,7 +4461,7 @@
             </a:pPr>
             <a:fld id="{00000000-1234-1234-1234-123412341234}" type="slidenum">
               <a:rPr lang="es"/>
-              <a:t>‹#›</a:t>
+              <a:t>‹Nº›</a:t>
             </a:fld>
             <a:endParaRPr/>
           </a:p>
@@ -4294,11 +4476,11 @@
 </file>
 
 <file path=ppt/slideLayouts/slideLayout8.xml><?xml version="1.0" encoding="utf-8"?>
-<p:sldLayout xmlns:a="http://schemas.openxmlformats.org/drawingml/2006/main" xmlns:r="http://schemas.openxmlformats.org/officeDocument/2006/relationships" xmlns:mc="http://schemas.openxmlformats.org/markup-compatibility/2006" xmlns:mv="urn:schemas-microsoft-com:mac:vml" xmlns:p="http://schemas.openxmlformats.org/presentationml/2006/main" xmlns:c="http://schemas.openxmlformats.org/drawingml/2006/chart" xmlns:dgm="http://schemas.openxmlformats.org/drawingml/2006/diagram" xmlns:o="urn:schemas-microsoft-com:office:office" xmlns:v="urn:schemas-microsoft-com:vml" xmlns:pvml="urn:schemas-microsoft-com:office:powerpoint" xmlns:com="http://schemas.openxmlformats.org/drawingml/2006/compatibility" xmlns:p14="http://schemas.microsoft.com/office/powerpoint/2010/main" xmlns:p15="http://schemas.microsoft.com/office/powerpoint/2012/main" xmlns:ahyp="http://schemas.microsoft.com/office/drawing/2018/hyperlinkcolor" matchingName="Section title and description">
+<p:sldLayout xmlns:a="http://schemas.openxmlformats.org/drawingml/2006/main" xmlns:r="http://schemas.openxmlformats.org/officeDocument/2006/relationships" xmlns:p="http://schemas.openxmlformats.org/presentationml/2006/main" matchingName="Section title and description">
   <p:cSld name="SECTION_TITLE_AND_DESCRIPTION">
     <p:spTree>
       <p:nvGrpSpPr>
-        <p:cNvPr id="35" name="Shape 35"/>
+        <p:cNvPr id="1" name="Shape 35"/>
         <p:cNvGrpSpPr/>
         <p:nvPr/>
       </p:nvGrpSpPr>
@@ -4332,12 +4514,12 @@
           </a:ln>
         </p:spPr>
         <p:txBody>
-          <a:bodyPr anchorCtr="0" anchor="ctr" bIns="91425" lIns="91425" spcFirstLastPara="1" rIns="91425" wrap="square" tIns="91425">
+          <a:bodyPr spcFirstLastPara="1" wrap="square" lIns="91425" tIns="91425" rIns="91425" bIns="91425" anchor="ctr" anchorCtr="0">
             <a:noAutofit/>
           </a:bodyPr>
           <a:lstStyle/>
           <a:p>
-            <a:pPr indent="0" lvl="0" marL="0" rtl="0" algn="l">
+            <a:pPr marL="0" lvl="0" indent="0" algn="l" rtl="0">
               <a:spcBef>
                 <a:spcPts val="0"/>
               </a:spcBef>
@@ -4346,9 +4528,6 @@
               </a:spcAft>
               <a:buNone/>
             </a:pPr>
-            <a:r>
-              <a:t/>
-            </a:r>
             <a:endParaRPr/>
           </a:p>
         </p:txBody>
@@ -4356,7 +4535,9 @@
       <p:sp>
         <p:nvSpPr>
           <p:cNvPr id="37" name="Google Shape;37;p9"/>
-          <p:cNvSpPr txBox="1"/>
+          <p:cNvSpPr txBox="1">
+            <a:spLocks noGrp="1"/>
+          </p:cNvSpPr>
           <p:nvPr>
             <p:ph type="title"/>
           </p:nvPr>
@@ -4371,7 +4552,7 @@
           </a:prstGeom>
         </p:spPr>
         <p:txBody>
-          <a:bodyPr anchorCtr="0" anchor="b" bIns="91425" lIns="91425" spcFirstLastPara="1" rIns="91425" wrap="square" tIns="91425">
+          <a:bodyPr spcFirstLastPara="1" wrap="square" lIns="91425" tIns="91425" rIns="91425" bIns="91425" anchor="b" anchorCtr="0">
             <a:normAutofit/>
           </a:bodyPr>
           <a:lstStyle>
@@ -4475,15 +4656,19 @@
               <a:defRPr sz="4200"/>
             </a:lvl9pPr>
           </a:lstStyle>
-          <a:p/>
+          <a:p>
+            <a:endParaRPr/>
+          </a:p>
         </p:txBody>
       </p:sp>
       <p:sp>
         <p:nvSpPr>
           <p:cNvPr id="38" name="Google Shape;38;p9"/>
-          <p:cNvSpPr txBox="1"/>
+          <p:cNvSpPr txBox="1">
+            <a:spLocks noGrp="1"/>
+          </p:cNvSpPr>
           <p:nvPr>
-            <p:ph idx="1" type="subTitle"/>
+            <p:ph type="subTitle" idx="1"/>
           </p:nvPr>
         </p:nvSpPr>
         <p:spPr>
@@ -4496,7 +4681,7 @@
           </a:prstGeom>
         </p:spPr>
         <p:txBody>
-          <a:bodyPr anchorCtr="0" anchor="t" bIns="91425" lIns="91425" spcFirstLastPara="1" rIns="91425" wrap="square" tIns="91425">
+          <a:bodyPr spcFirstLastPara="1" wrap="square" lIns="91425" tIns="91425" rIns="91425" bIns="91425" anchor="t" anchorCtr="0">
             <a:normAutofit/>
           </a:bodyPr>
           <a:lstStyle>
@@ -4627,15 +4812,19 @@
               <a:defRPr sz="2100"/>
             </a:lvl9pPr>
           </a:lstStyle>
-          <a:p/>
+          <a:p>
+            <a:endParaRPr/>
+          </a:p>
         </p:txBody>
       </p:sp>
       <p:sp>
         <p:nvSpPr>
           <p:cNvPr id="39" name="Google Shape;39;p9"/>
-          <p:cNvSpPr txBox="1"/>
+          <p:cNvSpPr txBox="1">
+            <a:spLocks noGrp="1"/>
+          </p:cNvSpPr>
           <p:nvPr>
-            <p:ph idx="2" type="body"/>
+            <p:ph type="body" idx="2"/>
           </p:nvPr>
         </p:nvSpPr>
         <p:spPr>
@@ -4648,11 +4837,11 @@
           </a:prstGeom>
         </p:spPr>
         <p:txBody>
-          <a:bodyPr anchorCtr="0" anchor="ctr" bIns="91425" lIns="91425" spcFirstLastPara="1" rIns="91425" wrap="square" tIns="91425">
+          <a:bodyPr spcFirstLastPara="1" wrap="square" lIns="91425" tIns="91425" rIns="91425" bIns="91425" anchor="ctr" anchorCtr="0">
             <a:normAutofit/>
           </a:bodyPr>
           <a:lstStyle>
-            <a:lvl1pPr indent="-342900" lvl="0" marL="457200">
+            <a:lvl1pPr marL="457200" lvl="0" indent="-342900">
               <a:spcBef>
                 <a:spcPts val="0"/>
               </a:spcBef>
@@ -4663,7 +4852,7 @@
               <a:buChar char="●"/>
               <a:defRPr/>
             </a:lvl1pPr>
-            <a:lvl2pPr indent="-317500" lvl="1" marL="914400">
+            <a:lvl2pPr marL="914400" lvl="1" indent="-317500">
               <a:spcBef>
                 <a:spcPts val="0"/>
               </a:spcBef>
@@ -4674,7 +4863,7 @@
               <a:buChar char="○"/>
               <a:defRPr/>
             </a:lvl2pPr>
-            <a:lvl3pPr indent="-317500" lvl="2" marL="1371600">
+            <a:lvl3pPr marL="1371600" lvl="2" indent="-317500">
               <a:spcBef>
                 <a:spcPts val="0"/>
               </a:spcBef>
@@ -4685,7 +4874,7 @@
               <a:buChar char="■"/>
               <a:defRPr/>
             </a:lvl3pPr>
-            <a:lvl4pPr indent="-317500" lvl="3" marL="1828800">
+            <a:lvl4pPr marL="1828800" lvl="3" indent="-317500">
               <a:spcBef>
                 <a:spcPts val="0"/>
               </a:spcBef>
@@ -4696,7 +4885,7 @@
               <a:buChar char="●"/>
               <a:defRPr/>
             </a:lvl4pPr>
-            <a:lvl5pPr indent="-317500" lvl="4" marL="2286000">
+            <a:lvl5pPr marL="2286000" lvl="4" indent="-317500">
               <a:spcBef>
                 <a:spcPts val="0"/>
               </a:spcBef>
@@ -4707,7 +4896,7 @@
               <a:buChar char="○"/>
               <a:defRPr/>
             </a:lvl5pPr>
-            <a:lvl6pPr indent="-317500" lvl="5" marL="2743200">
+            <a:lvl6pPr marL="2743200" lvl="5" indent="-317500">
               <a:spcBef>
                 <a:spcPts val="0"/>
               </a:spcBef>
@@ -4718,7 +4907,7 @@
               <a:buChar char="■"/>
               <a:defRPr/>
             </a:lvl6pPr>
-            <a:lvl7pPr indent="-317500" lvl="6" marL="3200400">
+            <a:lvl7pPr marL="3200400" lvl="6" indent="-317500">
               <a:spcBef>
                 <a:spcPts val="0"/>
               </a:spcBef>
@@ -4729,7 +4918,7 @@
               <a:buChar char="●"/>
               <a:defRPr/>
             </a:lvl7pPr>
-            <a:lvl8pPr indent="-317500" lvl="7" marL="3657600">
+            <a:lvl8pPr marL="3657600" lvl="7" indent="-317500">
               <a:spcBef>
                 <a:spcPts val="0"/>
               </a:spcBef>
@@ -4740,7 +4929,7 @@
               <a:buChar char="○"/>
               <a:defRPr/>
             </a:lvl8pPr>
-            <a:lvl9pPr indent="-317500" lvl="8" marL="4114800">
+            <a:lvl9pPr marL="4114800" lvl="8" indent="-317500">
               <a:spcBef>
                 <a:spcPts val="0"/>
               </a:spcBef>
@@ -4752,15 +4941,19 @@
               <a:defRPr/>
             </a:lvl9pPr>
           </a:lstStyle>
-          <a:p/>
+          <a:p>
+            <a:endParaRPr/>
+          </a:p>
         </p:txBody>
       </p:sp>
       <p:sp>
         <p:nvSpPr>
           <p:cNvPr id="40" name="Google Shape;40;p9"/>
-          <p:cNvSpPr txBox="1"/>
+          <p:cNvSpPr txBox="1">
+            <a:spLocks noGrp="1"/>
+          </p:cNvSpPr>
           <p:nvPr>
-            <p:ph idx="12" type="sldNum"/>
+            <p:ph type="sldNum" idx="12"/>
           </p:nvPr>
         </p:nvSpPr>
         <p:spPr>
@@ -4773,7 +4966,7 @@
           </a:prstGeom>
         </p:spPr>
         <p:txBody>
-          <a:bodyPr anchorCtr="0" anchor="ctr" bIns="91425" lIns="91425" spcFirstLastPara="1" rIns="91425" wrap="square" tIns="91425">
+          <a:bodyPr spcFirstLastPara="1" wrap="square" lIns="91425" tIns="91425" rIns="91425" bIns="91425" anchor="ctr" anchorCtr="0">
             <a:normAutofit/>
           </a:bodyPr>
           <a:lstStyle>
@@ -4815,7 +5008,7 @@
             </a:lvl9pPr>
           </a:lstStyle>
           <a:p>
-            <a:pPr indent="0" lvl="0" marL="0" rtl="0" algn="r">
+            <a:pPr marL="0" lvl="0" indent="0" algn="r" rtl="0">
               <a:spcBef>
                 <a:spcPts val="0"/>
               </a:spcBef>
@@ -4826,7 +5019,7 @@
             </a:pPr>
             <a:fld id="{00000000-1234-1234-1234-123412341234}" type="slidenum">
               <a:rPr lang="es"/>
-              <a:t>‹#›</a:t>
+              <a:t>‹Nº›</a:t>
             </a:fld>
             <a:endParaRPr/>
           </a:p>
@@ -4841,11 +5034,11 @@
 </file>
 
 <file path=ppt/slideLayouts/slideLayout9.xml><?xml version="1.0" encoding="utf-8"?>
-<p:sldLayout xmlns:a="http://schemas.openxmlformats.org/drawingml/2006/main" xmlns:r="http://schemas.openxmlformats.org/officeDocument/2006/relationships" xmlns:mc="http://schemas.openxmlformats.org/markup-compatibility/2006" xmlns:mv="urn:schemas-microsoft-com:mac:vml" xmlns:p="http://schemas.openxmlformats.org/presentationml/2006/main" xmlns:c="http://schemas.openxmlformats.org/drawingml/2006/chart" xmlns:dgm="http://schemas.openxmlformats.org/drawingml/2006/diagram" xmlns:o="urn:schemas-microsoft-com:office:office" xmlns:v="urn:schemas-microsoft-com:vml" xmlns:pvml="urn:schemas-microsoft-com:office:powerpoint" xmlns:com="http://schemas.openxmlformats.org/drawingml/2006/compatibility" xmlns:p14="http://schemas.microsoft.com/office/powerpoint/2010/main" xmlns:p15="http://schemas.microsoft.com/office/powerpoint/2012/main" xmlns:ahyp="http://schemas.microsoft.com/office/drawing/2018/hyperlinkcolor" matchingName="Caption">
+<p:sldLayout xmlns:a="http://schemas.openxmlformats.org/drawingml/2006/main" xmlns:r="http://schemas.openxmlformats.org/officeDocument/2006/relationships" xmlns:p="http://schemas.openxmlformats.org/presentationml/2006/main" matchingName="Caption">
   <p:cSld name="CAPTION_ONLY">
     <p:spTree>
       <p:nvGrpSpPr>
-        <p:cNvPr id="41" name="Shape 41"/>
+        <p:cNvPr id="1" name="Shape 41"/>
         <p:cNvGrpSpPr/>
         <p:nvPr/>
       </p:nvGrpSpPr>
@@ -4860,9 +5053,11 @@
       <p:sp>
         <p:nvSpPr>
           <p:cNvPr id="42" name="Google Shape;42;p10"/>
-          <p:cNvSpPr txBox="1"/>
+          <p:cNvSpPr txBox="1">
+            <a:spLocks noGrp="1"/>
+          </p:cNvSpPr>
           <p:nvPr>
-            <p:ph idx="1" type="body"/>
+            <p:ph type="body" idx="1"/>
           </p:nvPr>
         </p:nvSpPr>
         <p:spPr>
@@ -4875,11 +5070,11 @@
           </a:prstGeom>
         </p:spPr>
         <p:txBody>
-          <a:bodyPr anchorCtr="0" anchor="ctr" bIns="91425" lIns="91425" spcFirstLastPara="1" rIns="91425" wrap="square" tIns="91425">
+          <a:bodyPr spcFirstLastPara="1" wrap="square" lIns="91425" tIns="91425" rIns="91425" bIns="91425" anchor="ctr" anchorCtr="0">
             <a:normAutofit/>
           </a:bodyPr>
           <a:lstStyle>
-            <a:lvl1pPr indent="-228600" lvl="0" marL="457200">
+            <a:lvl1pPr marL="457200" lvl="0" indent="-228600">
               <a:lnSpc>
                 <a:spcPct val="100000"/>
               </a:lnSpc>
@@ -4894,15 +5089,19 @@
               <a:defRPr/>
             </a:lvl1pPr>
           </a:lstStyle>
-          <a:p/>
+          <a:p>
+            <a:endParaRPr/>
+          </a:p>
         </p:txBody>
       </p:sp>
       <p:sp>
         <p:nvSpPr>
           <p:cNvPr id="43" name="Google Shape;43;p10"/>
-          <p:cNvSpPr txBox="1"/>
+          <p:cNvSpPr txBox="1">
+            <a:spLocks noGrp="1"/>
+          </p:cNvSpPr>
           <p:nvPr>
-            <p:ph idx="12" type="sldNum"/>
+            <p:ph type="sldNum" idx="12"/>
           </p:nvPr>
         </p:nvSpPr>
         <p:spPr>
@@ -4915,7 +5114,7 @@
           </a:prstGeom>
         </p:spPr>
         <p:txBody>
-          <a:bodyPr anchorCtr="0" anchor="ctr" bIns="91425" lIns="91425" spcFirstLastPara="1" rIns="91425" wrap="square" tIns="91425">
+          <a:bodyPr spcFirstLastPara="1" wrap="square" lIns="91425" tIns="91425" rIns="91425" bIns="91425" anchor="ctr" anchorCtr="0">
             <a:normAutofit/>
           </a:bodyPr>
           <a:lstStyle>
@@ -4957,7 +5156,7 @@
             </a:lvl9pPr>
           </a:lstStyle>
           <a:p>
-            <a:pPr indent="0" lvl="0" marL="0" rtl="0" algn="r">
+            <a:pPr marL="0" lvl="0" indent="0" algn="r" rtl="0">
               <a:spcBef>
                 <a:spcPts val="0"/>
               </a:spcBef>
@@ -4968,7 +5167,7 @@
             </a:pPr>
             <a:fld id="{00000000-1234-1234-1234-123412341234}" type="slidenum">
               <a:rPr lang="es"/>
-              <a:t>‹#›</a:t>
+              <a:t>‹Nº›</a:t>
             </a:fld>
             <a:endParaRPr/>
           </a:p>
@@ -4983,18 +5182,19 @@
 </file>
 
 <file path=ppt/slideMasters/slideMaster1.xml><?xml version="1.0" encoding="utf-8"?>
-<p:sldMaster xmlns:a="http://schemas.openxmlformats.org/drawingml/2006/main" xmlns:r="http://schemas.openxmlformats.org/officeDocument/2006/relationships" xmlns:mc="http://schemas.openxmlformats.org/markup-compatibility/2006" xmlns:mv="urn:schemas-microsoft-com:mac:vml" xmlns:p="http://schemas.openxmlformats.org/presentationml/2006/main" xmlns:c="http://schemas.openxmlformats.org/drawingml/2006/chart" xmlns:dgm="http://schemas.openxmlformats.org/drawingml/2006/diagram" xmlns:o="urn:schemas-microsoft-com:office:office" xmlns:v="urn:schemas-microsoft-com:vml" xmlns:pvml="urn:schemas-microsoft-com:office:powerpoint" xmlns:com="http://schemas.openxmlformats.org/drawingml/2006/compatibility" xmlns:p14="http://schemas.microsoft.com/office/powerpoint/2010/main" xmlns:p15="http://schemas.microsoft.com/office/powerpoint/2012/main" xmlns:ahyp="http://schemas.microsoft.com/office/drawing/2018/hyperlinkcolor">
+<p:sldMaster xmlns:a="http://schemas.openxmlformats.org/drawingml/2006/main" xmlns:r="http://schemas.openxmlformats.org/officeDocument/2006/relationships" xmlns:p="http://schemas.openxmlformats.org/presentationml/2006/main">
   <p:cSld name="simple-light-2">
     <p:bg>
       <p:bgPr>
         <a:solidFill>
           <a:schemeClr val="lt1"/>
         </a:solidFill>
+        <a:effectLst/>
       </p:bgPr>
     </p:bg>
     <p:spTree>
       <p:nvGrpSpPr>
-        <p:cNvPr id="5" name="Shape 5"/>
+        <p:cNvPr id="1" name="Shape 5"/>
         <p:cNvGrpSpPr/>
         <p:nvPr/>
       </p:nvGrpSpPr>
@@ -5009,7 +5209,9 @@
       <p:sp>
         <p:nvSpPr>
           <p:cNvPr id="6" name="Google Shape;6;p1"/>
-          <p:cNvSpPr txBox="1"/>
+          <p:cNvSpPr txBox="1">
+            <a:spLocks noGrp="1"/>
+          </p:cNvSpPr>
           <p:nvPr>
             <p:ph type="title"/>
           </p:nvPr>
@@ -5028,7 +5230,7 @@
           </a:ln>
         </p:spPr>
         <p:txBody>
-          <a:bodyPr anchorCtr="0" anchor="t" bIns="91425" lIns="91425" spcFirstLastPara="1" rIns="91425" wrap="square" tIns="91425">
+          <a:bodyPr spcFirstLastPara="1" wrap="square" lIns="91425" tIns="91425" rIns="91425" bIns="91425" anchor="t" anchorCtr="0">
             <a:normAutofit/>
           </a:bodyPr>
           <a:lstStyle>
@@ -5195,15 +5397,19 @@
               </a:defRPr>
             </a:lvl9pPr>
           </a:lstStyle>
-          <a:p/>
+          <a:p>
+            <a:endParaRPr/>
+          </a:p>
         </p:txBody>
       </p:sp>
       <p:sp>
         <p:nvSpPr>
           <p:cNvPr id="7" name="Google Shape;7;p1"/>
-          <p:cNvSpPr txBox="1"/>
+          <p:cNvSpPr txBox="1">
+            <a:spLocks noGrp="1"/>
+          </p:cNvSpPr>
           <p:nvPr>
-            <p:ph idx="1" type="body"/>
+            <p:ph type="body" idx="1"/>
           </p:nvPr>
         </p:nvSpPr>
         <p:spPr>
@@ -5220,11 +5426,11 @@
           </a:ln>
         </p:spPr>
         <p:txBody>
-          <a:bodyPr anchorCtr="0" anchor="t" bIns="91425" lIns="91425" spcFirstLastPara="1" rIns="91425" wrap="square" tIns="91425">
+          <a:bodyPr spcFirstLastPara="1" wrap="square" lIns="91425" tIns="91425" rIns="91425" bIns="91425" anchor="t" anchorCtr="0">
             <a:normAutofit/>
           </a:bodyPr>
           <a:lstStyle>
-            <a:lvl1pPr indent="-342900" lvl="0" marL="457200">
+            <a:lvl1pPr marL="457200" lvl="0" indent="-342900">
               <a:lnSpc>
                 <a:spcPct val="115000"/>
               </a:lnSpc>
@@ -5245,7 +5451,7 @@
                 </a:solidFill>
               </a:defRPr>
             </a:lvl1pPr>
-            <a:lvl2pPr indent="-317500" lvl="1" marL="914400">
+            <a:lvl2pPr marL="914400" lvl="1" indent="-317500">
               <a:lnSpc>
                 <a:spcPct val="115000"/>
               </a:lnSpc>
@@ -5266,7 +5472,7 @@
                 </a:solidFill>
               </a:defRPr>
             </a:lvl2pPr>
-            <a:lvl3pPr indent="-317500" lvl="2" marL="1371600">
+            <a:lvl3pPr marL="1371600" lvl="2" indent="-317500">
               <a:lnSpc>
                 <a:spcPct val="115000"/>
               </a:lnSpc>
@@ -5287,7 +5493,7 @@
                 </a:solidFill>
               </a:defRPr>
             </a:lvl3pPr>
-            <a:lvl4pPr indent="-317500" lvl="3" marL="1828800">
+            <a:lvl4pPr marL="1828800" lvl="3" indent="-317500">
               <a:lnSpc>
                 <a:spcPct val="115000"/>
               </a:lnSpc>
@@ -5308,7 +5514,7 @@
                 </a:solidFill>
               </a:defRPr>
             </a:lvl4pPr>
-            <a:lvl5pPr indent="-317500" lvl="4" marL="2286000">
+            <a:lvl5pPr marL="2286000" lvl="4" indent="-317500">
               <a:lnSpc>
                 <a:spcPct val="115000"/>
               </a:lnSpc>
@@ -5329,7 +5535,7 @@
                 </a:solidFill>
               </a:defRPr>
             </a:lvl5pPr>
-            <a:lvl6pPr indent="-317500" lvl="5" marL="2743200">
+            <a:lvl6pPr marL="2743200" lvl="5" indent="-317500">
               <a:lnSpc>
                 <a:spcPct val="115000"/>
               </a:lnSpc>
@@ -5350,7 +5556,7 @@
                 </a:solidFill>
               </a:defRPr>
             </a:lvl6pPr>
-            <a:lvl7pPr indent="-317500" lvl="6" marL="3200400">
+            <a:lvl7pPr marL="3200400" lvl="6" indent="-317500">
               <a:lnSpc>
                 <a:spcPct val="115000"/>
               </a:lnSpc>
@@ -5371,7 +5577,7 @@
                 </a:solidFill>
               </a:defRPr>
             </a:lvl7pPr>
-            <a:lvl8pPr indent="-317500" lvl="7" marL="3657600">
+            <a:lvl8pPr marL="3657600" lvl="7" indent="-317500">
               <a:lnSpc>
                 <a:spcPct val="115000"/>
               </a:lnSpc>
@@ -5392,7 +5598,7 @@
                 </a:solidFill>
               </a:defRPr>
             </a:lvl8pPr>
-            <a:lvl9pPr indent="-317500" lvl="8" marL="4114800">
+            <a:lvl9pPr marL="4114800" lvl="8" indent="-317500">
               <a:lnSpc>
                 <a:spcPct val="115000"/>
               </a:lnSpc>
@@ -5414,15 +5620,19 @@
               </a:defRPr>
             </a:lvl9pPr>
           </a:lstStyle>
-          <a:p/>
+          <a:p>
+            <a:endParaRPr/>
+          </a:p>
         </p:txBody>
       </p:sp>
       <p:sp>
         <p:nvSpPr>
           <p:cNvPr id="8" name="Google Shape;8;p1"/>
-          <p:cNvSpPr txBox="1"/>
+          <p:cNvSpPr txBox="1">
+            <a:spLocks noGrp="1"/>
+          </p:cNvSpPr>
           <p:nvPr>
-            <p:ph idx="12" type="sldNum"/>
+            <p:ph type="sldNum" idx="12"/>
           </p:nvPr>
         </p:nvSpPr>
         <p:spPr>
@@ -5439,7 +5649,7 @@
           </a:ln>
         </p:spPr>
         <p:txBody>
-          <a:bodyPr anchorCtr="0" anchor="ctr" bIns="91425" lIns="91425" spcFirstLastPara="1" rIns="91425" wrap="square" tIns="91425">
+          <a:bodyPr spcFirstLastPara="1" wrap="square" lIns="91425" tIns="91425" rIns="91425" bIns="91425" anchor="ctr" anchorCtr="0">
             <a:normAutofit/>
           </a:bodyPr>
           <a:lstStyle>
@@ -5517,7 +5727,7 @@
             </a:lvl9pPr>
           </a:lstStyle>
           <a:p>
-            <a:pPr indent="0" lvl="0" marL="0" rtl="0" algn="r">
+            <a:pPr marL="0" lvl="0" indent="0" algn="r" rtl="0">
               <a:spcBef>
                 <a:spcPts val="0"/>
               </a:spcBef>
@@ -5528,7 +5738,7 @@
             </a:pPr>
             <a:fld id="{00000000-1234-1234-1234-123412341234}" type="slidenum">
               <a:rPr lang="es"/>
-              <a:t>‹#›</a:t>
+              <a:t>‹Nº›</a:t>
             </a:fld>
             <a:endParaRPr/>
           </a:p>
@@ -5536,7 +5746,7 @@
       </p:sp>
     </p:spTree>
   </p:cSld>
-  <p:clrMap accent1="accent1" accent2="accent2" accent3="accent3" accent4="accent4" accent5="accent5" accent6="accent6" bg1="lt1" bg2="dk2" tx1="dk1" tx2="lt2" folHlink="folHlink" hlink="hlink"/>
+  <p:clrMap bg1="lt1" tx1="dk1" bg2="dk2" tx2="lt2" accent1="accent1" accent2="accent2" accent3="accent3" accent4="accent4" accent5="accent5" accent6="accent6" hlink="hlink" folHlink="folHlink"/>
   <p:sldLayoutIdLst>
     <p:sldLayoutId id="2147483648" r:id="rId1"/>
     <p:sldLayoutId id="2147483649" r:id="rId2"/>
@@ -5550,10 +5760,10 @@
     <p:sldLayoutId id="2147483657" r:id="rId10"/>
     <p:sldLayoutId id="2147483658" r:id="rId11"/>
   </p:sldLayoutIdLst>
-  <p:hf dt="0" ftr="0" hdr="0" sldNum="0"/>
+  <p:hf sldNum="0" hdr="0" ftr="0" dt="0"/>
   <p:txStyles>
     <p:titleStyle>
-      <a:defPPr lvl="0" marR="0" rtl="0" algn="l">
+      <a:defPPr marR="0" lvl="0" algn="l" rtl="0">
         <a:lnSpc>
           <a:spcPct val="100000"/>
         </a:lnSpc>
@@ -5564,7 +5774,7 @@
           <a:spcPts val="0"/>
         </a:spcAft>
       </a:defPPr>
-      <a:lvl1pPr lvl="0" marR="0" rtl="0" algn="l">
+      <a:lvl1pPr marR="0" lvl="0" algn="l" rtl="0">
         <a:lnSpc>
           <a:spcPct val="100000"/>
         </a:lnSpc>
@@ -5578,7 +5788,7 @@
           <a:srgbClr val="000000"/>
         </a:buClr>
         <a:buFont typeface="Arial"/>
-        <a:defRPr b="0" i="0" sz="1400" u="none" cap="none" strike="noStrike">
+        <a:defRPr sz="1400" b="0" i="0" u="none" strike="noStrike" cap="none">
           <a:solidFill>
             <a:srgbClr val="000000"/>
           </a:solidFill>
@@ -5588,7 +5798,7 @@
           <a:sym typeface="Arial"/>
         </a:defRPr>
       </a:lvl1pPr>
-      <a:lvl2pPr lvl="1" marR="0" rtl="0" algn="l">
+      <a:lvl2pPr marR="0" lvl="1" algn="l" rtl="0">
         <a:lnSpc>
           <a:spcPct val="100000"/>
         </a:lnSpc>
@@ -5602,7 +5812,7 @@
           <a:srgbClr val="000000"/>
         </a:buClr>
         <a:buFont typeface="Arial"/>
-        <a:defRPr b="0" i="0" sz="1400" u="none" cap="none" strike="noStrike">
+        <a:defRPr sz="1400" b="0" i="0" u="none" strike="noStrike" cap="none">
           <a:solidFill>
             <a:srgbClr val="000000"/>
           </a:solidFill>
@@ -5612,7 +5822,7 @@
           <a:sym typeface="Arial"/>
         </a:defRPr>
       </a:lvl2pPr>
-      <a:lvl3pPr lvl="2" marR="0" rtl="0" algn="l">
+      <a:lvl3pPr marR="0" lvl="2" algn="l" rtl="0">
         <a:lnSpc>
           <a:spcPct val="100000"/>
         </a:lnSpc>
@@ -5626,7 +5836,7 @@
           <a:srgbClr val="000000"/>
         </a:buClr>
         <a:buFont typeface="Arial"/>
-        <a:defRPr b="0" i="0" sz="1400" u="none" cap="none" strike="noStrike">
+        <a:defRPr sz="1400" b="0" i="0" u="none" strike="noStrike" cap="none">
           <a:solidFill>
             <a:srgbClr val="000000"/>
           </a:solidFill>
@@ -5636,7 +5846,7 @@
           <a:sym typeface="Arial"/>
         </a:defRPr>
       </a:lvl3pPr>
-      <a:lvl4pPr lvl="3" marR="0" rtl="0" algn="l">
+      <a:lvl4pPr marR="0" lvl="3" algn="l" rtl="0">
         <a:lnSpc>
           <a:spcPct val="100000"/>
         </a:lnSpc>
@@ -5650,7 +5860,7 @@
           <a:srgbClr val="000000"/>
         </a:buClr>
         <a:buFont typeface="Arial"/>
-        <a:defRPr b="0" i="0" sz="1400" u="none" cap="none" strike="noStrike">
+        <a:defRPr sz="1400" b="0" i="0" u="none" strike="noStrike" cap="none">
           <a:solidFill>
             <a:srgbClr val="000000"/>
           </a:solidFill>
@@ -5660,7 +5870,7 @@
           <a:sym typeface="Arial"/>
         </a:defRPr>
       </a:lvl4pPr>
-      <a:lvl5pPr lvl="4" marR="0" rtl="0" algn="l">
+      <a:lvl5pPr marR="0" lvl="4" algn="l" rtl="0">
         <a:lnSpc>
           <a:spcPct val="100000"/>
         </a:lnSpc>
@@ -5674,7 +5884,7 @@
           <a:srgbClr val="000000"/>
         </a:buClr>
         <a:buFont typeface="Arial"/>
-        <a:defRPr b="0" i="0" sz="1400" u="none" cap="none" strike="noStrike">
+        <a:defRPr sz="1400" b="0" i="0" u="none" strike="noStrike" cap="none">
           <a:solidFill>
             <a:srgbClr val="000000"/>
           </a:solidFill>
@@ -5684,7 +5894,7 @@
           <a:sym typeface="Arial"/>
         </a:defRPr>
       </a:lvl5pPr>
-      <a:lvl6pPr lvl="5" marR="0" rtl="0" algn="l">
+      <a:lvl6pPr marR="0" lvl="5" algn="l" rtl="0">
         <a:lnSpc>
           <a:spcPct val="100000"/>
         </a:lnSpc>
@@ -5698,7 +5908,7 @@
           <a:srgbClr val="000000"/>
         </a:buClr>
         <a:buFont typeface="Arial"/>
-        <a:defRPr b="0" i="0" sz="1400" u="none" cap="none" strike="noStrike">
+        <a:defRPr sz="1400" b="0" i="0" u="none" strike="noStrike" cap="none">
           <a:solidFill>
             <a:srgbClr val="000000"/>
           </a:solidFill>
@@ -5708,7 +5918,7 @@
           <a:sym typeface="Arial"/>
         </a:defRPr>
       </a:lvl6pPr>
-      <a:lvl7pPr lvl="6" marR="0" rtl="0" algn="l">
+      <a:lvl7pPr marR="0" lvl="6" algn="l" rtl="0">
         <a:lnSpc>
           <a:spcPct val="100000"/>
         </a:lnSpc>
@@ -5722,7 +5932,7 @@
           <a:srgbClr val="000000"/>
         </a:buClr>
         <a:buFont typeface="Arial"/>
-        <a:defRPr b="0" i="0" sz="1400" u="none" cap="none" strike="noStrike">
+        <a:defRPr sz="1400" b="0" i="0" u="none" strike="noStrike" cap="none">
           <a:solidFill>
             <a:srgbClr val="000000"/>
           </a:solidFill>
@@ -5732,7 +5942,7 @@
           <a:sym typeface="Arial"/>
         </a:defRPr>
       </a:lvl7pPr>
-      <a:lvl8pPr lvl="7" marR="0" rtl="0" algn="l">
+      <a:lvl8pPr marR="0" lvl="7" algn="l" rtl="0">
         <a:lnSpc>
           <a:spcPct val="100000"/>
         </a:lnSpc>
@@ -5746,7 +5956,7 @@
           <a:srgbClr val="000000"/>
         </a:buClr>
         <a:buFont typeface="Arial"/>
-        <a:defRPr b="0" i="0" sz="1400" u="none" cap="none" strike="noStrike">
+        <a:defRPr sz="1400" b="0" i="0" u="none" strike="noStrike" cap="none">
           <a:solidFill>
             <a:srgbClr val="000000"/>
           </a:solidFill>
@@ -5756,7 +5966,7 @@
           <a:sym typeface="Arial"/>
         </a:defRPr>
       </a:lvl8pPr>
-      <a:lvl9pPr lvl="8" marR="0" rtl="0" algn="l">
+      <a:lvl9pPr marR="0" lvl="8" algn="l" rtl="0">
         <a:lnSpc>
           <a:spcPct val="100000"/>
         </a:lnSpc>
@@ -5770,7 +5980,7 @@
           <a:srgbClr val="000000"/>
         </a:buClr>
         <a:buFont typeface="Arial"/>
-        <a:defRPr b="0" i="0" sz="1400" u="none" cap="none" strike="noStrike">
+        <a:defRPr sz="1400" b="0" i="0" u="none" strike="noStrike" cap="none">
           <a:solidFill>
             <a:srgbClr val="000000"/>
           </a:solidFill>
@@ -5782,7 +5992,7 @@
       </a:lvl9pPr>
     </p:titleStyle>
     <p:bodyStyle>
-      <a:defPPr lvl="0" marR="0" rtl="0" algn="l">
+      <a:defPPr marR="0" lvl="0" algn="l" rtl="0">
         <a:lnSpc>
           <a:spcPct val="100000"/>
         </a:lnSpc>
@@ -5793,7 +6003,7 @@
           <a:spcPts val="0"/>
         </a:spcAft>
       </a:defPPr>
-      <a:lvl1pPr lvl="0" marR="0" rtl="0" algn="l">
+      <a:lvl1pPr marR="0" lvl="0" algn="l" rtl="0">
         <a:lnSpc>
           <a:spcPct val="100000"/>
         </a:lnSpc>
@@ -5807,7 +6017,7 @@
           <a:srgbClr val="000000"/>
         </a:buClr>
         <a:buFont typeface="Arial"/>
-        <a:defRPr b="0" i="0" sz="1400" u="none" cap="none" strike="noStrike">
+        <a:defRPr sz="1400" b="0" i="0" u="none" strike="noStrike" cap="none">
           <a:solidFill>
             <a:srgbClr val="000000"/>
           </a:solidFill>
@@ -5817,7 +6027,7 @@
           <a:sym typeface="Arial"/>
         </a:defRPr>
       </a:lvl1pPr>
-      <a:lvl2pPr lvl="1" marR="0" rtl="0" algn="l">
+      <a:lvl2pPr marR="0" lvl="1" algn="l" rtl="0">
         <a:lnSpc>
           <a:spcPct val="100000"/>
         </a:lnSpc>
@@ -5831,7 +6041,7 @@
           <a:srgbClr val="000000"/>
         </a:buClr>
         <a:buFont typeface="Arial"/>
-        <a:defRPr b="0" i="0" sz="1400" u="none" cap="none" strike="noStrike">
+        <a:defRPr sz="1400" b="0" i="0" u="none" strike="noStrike" cap="none">
           <a:solidFill>
             <a:srgbClr val="000000"/>
           </a:solidFill>
@@ -5841,7 +6051,7 @@
           <a:sym typeface="Arial"/>
         </a:defRPr>
       </a:lvl2pPr>
-      <a:lvl3pPr lvl="2" marR="0" rtl="0" algn="l">
+      <a:lvl3pPr marR="0" lvl="2" algn="l" rtl="0">
         <a:lnSpc>
           <a:spcPct val="100000"/>
         </a:lnSpc>
@@ -5855,7 +6065,7 @@
           <a:srgbClr val="000000"/>
         </a:buClr>
         <a:buFont typeface="Arial"/>
-        <a:defRPr b="0" i="0" sz="1400" u="none" cap="none" strike="noStrike">
+        <a:defRPr sz="1400" b="0" i="0" u="none" strike="noStrike" cap="none">
           <a:solidFill>
             <a:srgbClr val="000000"/>
           </a:solidFill>
@@ -5865,7 +6075,7 @@
           <a:sym typeface="Arial"/>
         </a:defRPr>
       </a:lvl3pPr>
-      <a:lvl4pPr lvl="3" marR="0" rtl="0" algn="l">
+      <a:lvl4pPr marR="0" lvl="3" algn="l" rtl="0">
         <a:lnSpc>
           <a:spcPct val="100000"/>
         </a:lnSpc>
@@ -5879,7 +6089,7 @@
           <a:srgbClr val="000000"/>
         </a:buClr>
         <a:buFont typeface="Arial"/>
-        <a:defRPr b="0" i="0" sz="1400" u="none" cap="none" strike="noStrike">
+        <a:defRPr sz="1400" b="0" i="0" u="none" strike="noStrike" cap="none">
           <a:solidFill>
             <a:srgbClr val="000000"/>
           </a:solidFill>
@@ -5889,7 +6099,7 @@
           <a:sym typeface="Arial"/>
         </a:defRPr>
       </a:lvl4pPr>
-      <a:lvl5pPr lvl="4" marR="0" rtl="0" algn="l">
+      <a:lvl5pPr marR="0" lvl="4" algn="l" rtl="0">
         <a:lnSpc>
           <a:spcPct val="100000"/>
         </a:lnSpc>
@@ -5903,7 +6113,7 @@
           <a:srgbClr val="000000"/>
         </a:buClr>
         <a:buFont typeface="Arial"/>
-        <a:defRPr b="0" i="0" sz="1400" u="none" cap="none" strike="noStrike">
+        <a:defRPr sz="1400" b="0" i="0" u="none" strike="noStrike" cap="none">
           <a:solidFill>
             <a:srgbClr val="000000"/>
           </a:solidFill>
@@ -5913,7 +6123,7 @@
           <a:sym typeface="Arial"/>
         </a:defRPr>
       </a:lvl5pPr>
-      <a:lvl6pPr lvl="5" marR="0" rtl="0" algn="l">
+      <a:lvl6pPr marR="0" lvl="5" algn="l" rtl="0">
         <a:lnSpc>
           <a:spcPct val="100000"/>
         </a:lnSpc>
@@ -5927,7 +6137,7 @@
           <a:srgbClr val="000000"/>
         </a:buClr>
         <a:buFont typeface="Arial"/>
-        <a:defRPr b="0" i="0" sz="1400" u="none" cap="none" strike="noStrike">
+        <a:defRPr sz="1400" b="0" i="0" u="none" strike="noStrike" cap="none">
           <a:solidFill>
             <a:srgbClr val="000000"/>
           </a:solidFill>
@@ -5937,7 +6147,7 @@
           <a:sym typeface="Arial"/>
         </a:defRPr>
       </a:lvl6pPr>
-      <a:lvl7pPr lvl="6" marR="0" rtl="0" algn="l">
+      <a:lvl7pPr marR="0" lvl="6" algn="l" rtl="0">
         <a:lnSpc>
           <a:spcPct val="100000"/>
         </a:lnSpc>
@@ -5951,7 +6161,7 @@
           <a:srgbClr val="000000"/>
         </a:buClr>
         <a:buFont typeface="Arial"/>
-        <a:defRPr b="0" i="0" sz="1400" u="none" cap="none" strike="noStrike">
+        <a:defRPr sz="1400" b="0" i="0" u="none" strike="noStrike" cap="none">
           <a:solidFill>
             <a:srgbClr val="000000"/>
           </a:solidFill>
@@ -5961,7 +6171,7 @@
           <a:sym typeface="Arial"/>
         </a:defRPr>
       </a:lvl7pPr>
-      <a:lvl8pPr lvl="7" marR="0" rtl="0" algn="l">
+      <a:lvl8pPr marR="0" lvl="7" algn="l" rtl="0">
         <a:lnSpc>
           <a:spcPct val="100000"/>
         </a:lnSpc>
@@ -5975,7 +6185,7 @@
           <a:srgbClr val="000000"/>
         </a:buClr>
         <a:buFont typeface="Arial"/>
-        <a:defRPr b="0" i="0" sz="1400" u="none" cap="none" strike="noStrike">
+        <a:defRPr sz="1400" b="0" i="0" u="none" strike="noStrike" cap="none">
           <a:solidFill>
             <a:srgbClr val="000000"/>
           </a:solidFill>
@@ -5985,7 +6195,7 @@
           <a:sym typeface="Arial"/>
         </a:defRPr>
       </a:lvl8pPr>
-      <a:lvl9pPr lvl="8" marR="0" rtl="0" algn="l">
+      <a:lvl9pPr marR="0" lvl="8" algn="l" rtl="0">
         <a:lnSpc>
           <a:spcPct val="100000"/>
         </a:lnSpc>
@@ -5999,7 +6209,7 @@
           <a:srgbClr val="000000"/>
         </a:buClr>
         <a:buFont typeface="Arial"/>
-        <a:defRPr b="0" i="0" sz="1400" u="none" cap="none" strike="noStrike">
+        <a:defRPr sz="1400" b="0" i="0" u="none" strike="noStrike" cap="none">
           <a:solidFill>
             <a:srgbClr val="000000"/>
           </a:solidFill>
@@ -6011,7 +6221,7 @@
       </a:lvl9pPr>
     </p:bodyStyle>
     <p:otherStyle>
-      <a:defPPr lvl="0" marR="0" rtl="0" algn="l">
+      <a:defPPr marR="0" lvl="0" algn="l" rtl="0">
         <a:lnSpc>
           <a:spcPct val="100000"/>
         </a:lnSpc>
@@ -6022,7 +6232,7 @@
           <a:spcPts val="0"/>
         </a:spcAft>
       </a:defPPr>
-      <a:lvl1pPr lvl="0" marR="0" rtl="0" algn="l">
+      <a:lvl1pPr marR="0" lvl="0" algn="l" rtl="0">
         <a:lnSpc>
           <a:spcPct val="100000"/>
         </a:lnSpc>
@@ -6036,7 +6246,7 @@
           <a:srgbClr val="000000"/>
         </a:buClr>
         <a:buFont typeface="Arial"/>
-        <a:defRPr b="0" i="0" sz="1400" u="none" cap="none" strike="noStrike">
+        <a:defRPr sz="1400" b="0" i="0" u="none" strike="noStrike" cap="none">
           <a:solidFill>
             <a:srgbClr val="000000"/>
           </a:solidFill>
@@ -6046,7 +6256,7 @@
           <a:sym typeface="Arial"/>
         </a:defRPr>
       </a:lvl1pPr>
-      <a:lvl2pPr lvl="1" marR="0" rtl="0" algn="l">
+      <a:lvl2pPr marR="0" lvl="1" algn="l" rtl="0">
         <a:lnSpc>
           <a:spcPct val="100000"/>
         </a:lnSpc>
@@ -6060,7 +6270,7 @@
           <a:srgbClr val="000000"/>
         </a:buClr>
         <a:buFont typeface="Arial"/>
-        <a:defRPr b="0" i="0" sz="1400" u="none" cap="none" strike="noStrike">
+        <a:defRPr sz="1400" b="0" i="0" u="none" strike="noStrike" cap="none">
           <a:solidFill>
             <a:srgbClr val="000000"/>
           </a:solidFill>
@@ -6070,7 +6280,7 @@
           <a:sym typeface="Arial"/>
         </a:defRPr>
       </a:lvl2pPr>
-      <a:lvl3pPr lvl="2" marR="0" rtl="0" algn="l">
+      <a:lvl3pPr marR="0" lvl="2" algn="l" rtl="0">
         <a:lnSpc>
           <a:spcPct val="100000"/>
         </a:lnSpc>
@@ -6084,7 +6294,7 @@
           <a:srgbClr val="000000"/>
         </a:buClr>
         <a:buFont typeface="Arial"/>
-        <a:defRPr b="0" i="0" sz="1400" u="none" cap="none" strike="noStrike">
+        <a:defRPr sz="1400" b="0" i="0" u="none" strike="noStrike" cap="none">
           <a:solidFill>
             <a:srgbClr val="000000"/>
           </a:solidFill>
@@ -6094,7 +6304,7 @@
           <a:sym typeface="Arial"/>
         </a:defRPr>
       </a:lvl3pPr>
-      <a:lvl4pPr lvl="3" marR="0" rtl="0" algn="l">
+      <a:lvl4pPr marR="0" lvl="3" algn="l" rtl="0">
         <a:lnSpc>
           <a:spcPct val="100000"/>
         </a:lnSpc>
@@ -6108,7 +6318,7 @@
           <a:srgbClr val="000000"/>
         </a:buClr>
         <a:buFont typeface="Arial"/>
-        <a:defRPr b="0" i="0" sz="1400" u="none" cap="none" strike="noStrike">
+        <a:defRPr sz="1400" b="0" i="0" u="none" strike="noStrike" cap="none">
           <a:solidFill>
             <a:srgbClr val="000000"/>
           </a:solidFill>
@@ -6118,7 +6328,7 @@
           <a:sym typeface="Arial"/>
         </a:defRPr>
       </a:lvl4pPr>
-      <a:lvl5pPr lvl="4" marR="0" rtl="0" algn="l">
+      <a:lvl5pPr marR="0" lvl="4" algn="l" rtl="0">
         <a:lnSpc>
           <a:spcPct val="100000"/>
         </a:lnSpc>
@@ -6132,7 +6342,7 @@
           <a:srgbClr val="000000"/>
         </a:buClr>
         <a:buFont typeface="Arial"/>
-        <a:defRPr b="0" i="0" sz="1400" u="none" cap="none" strike="noStrike">
+        <a:defRPr sz="1400" b="0" i="0" u="none" strike="noStrike" cap="none">
           <a:solidFill>
             <a:srgbClr val="000000"/>
           </a:solidFill>
@@ -6142,7 +6352,7 @@
           <a:sym typeface="Arial"/>
         </a:defRPr>
       </a:lvl5pPr>
-      <a:lvl6pPr lvl="5" marR="0" rtl="0" algn="l">
+      <a:lvl6pPr marR="0" lvl="5" algn="l" rtl="0">
         <a:lnSpc>
           <a:spcPct val="100000"/>
         </a:lnSpc>
@@ -6156,7 +6366,7 @@
           <a:srgbClr val="000000"/>
         </a:buClr>
         <a:buFont typeface="Arial"/>
-        <a:defRPr b="0" i="0" sz="1400" u="none" cap="none" strike="noStrike">
+        <a:defRPr sz="1400" b="0" i="0" u="none" strike="noStrike" cap="none">
           <a:solidFill>
             <a:srgbClr val="000000"/>
           </a:solidFill>
@@ -6166,7 +6376,7 @@
           <a:sym typeface="Arial"/>
         </a:defRPr>
       </a:lvl6pPr>
-      <a:lvl7pPr lvl="6" marR="0" rtl="0" algn="l">
+      <a:lvl7pPr marR="0" lvl="6" algn="l" rtl="0">
         <a:lnSpc>
           <a:spcPct val="100000"/>
         </a:lnSpc>
@@ -6180,7 +6390,7 @@
           <a:srgbClr val="000000"/>
         </a:buClr>
         <a:buFont typeface="Arial"/>
-        <a:defRPr b="0" i="0" sz="1400" u="none" cap="none" strike="noStrike">
+        <a:defRPr sz="1400" b="0" i="0" u="none" strike="noStrike" cap="none">
           <a:solidFill>
             <a:srgbClr val="000000"/>
           </a:solidFill>
@@ -6190,7 +6400,7 @@
           <a:sym typeface="Arial"/>
         </a:defRPr>
       </a:lvl7pPr>
-      <a:lvl8pPr lvl="7" marR="0" rtl="0" algn="l">
+      <a:lvl8pPr marR="0" lvl="7" algn="l" rtl="0">
         <a:lnSpc>
           <a:spcPct val="100000"/>
         </a:lnSpc>
@@ -6204,7 +6414,7 @@
           <a:srgbClr val="000000"/>
         </a:buClr>
         <a:buFont typeface="Arial"/>
-        <a:defRPr b="0" i="0" sz="1400" u="none" cap="none" strike="noStrike">
+        <a:defRPr sz="1400" b="0" i="0" u="none" strike="noStrike" cap="none">
           <a:solidFill>
             <a:srgbClr val="000000"/>
           </a:solidFill>
@@ -6214,7 +6424,7 @@
           <a:sym typeface="Arial"/>
         </a:defRPr>
       </a:lvl8pPr>
-      <a:lvl9pPr lvl="8" marR="0" rtl="0" algn="l">
+      <a:lvl9pPr marR="0" lvl="8" algn="l" rtl="0">
         <a:lnSpc>
           <a:spcPct val="100000"/>
         </a:lnSpc>
@@ -6228,7 +6438,7 @@
           <a:srgbClr val="000000"/>
         </a:buClr>
         <a:buFont typeface="Arial"/>
-        <a:defRPr b="0" i="0" sz="1400" u="none" cap="none" strike="noStrike">
+        <a:defRPr sz="1400" b="0" i="0" u="none" strike="noStrike" cap="none">
           <a:solidFill>
             <a:srgbClr val="000000"/>
           </a:solidFill>
@@ -6244,18 +6454,19 @@
 </file>
 
 <file path=ppt/slides/slide1.xml><?xml version="1.0" encoding="utf-8"?>
-<p:sld xmlns:a="http://schemas.openxmlformats.org/drawingml/2006/main" xmlns:r="http://schemas.openxmlformats.org/officeDocument/2006/relationships" xmlns:mc="http://schemas.openxmlformats.org/markup-compatibility/2006" xmlns:mv="urn:schemas-microsoft-com:mac:vml" xmlns:p="http://schemas.openxmlformats.org/presentationml/2006/main" xmlns:c="http://schemas.openxmlformats.org/drawingml/2006/chart" xmlns:dgm="http://schemas.openxmlformats.org/drawingml/2006/diagram" xmlns:o="urn:schemas-microsoft-com:office:office" xmlns:v="urn:schemas-microsoft-com:vml" xmlns:pvml="urn:schemas-microsoft-com:office:powerpoint" xmlns:com="http://schemas.openxmlformats.org/drawingml/2006/compatibility" xmlns:p14="http://schemas.microsoft.com/office/powerpoint/2010/main" xmlns:p15="http://schemas.microsoft.com/office/powerpoint/2012/main" xmlns:ahyp="http://schemas.microsoft.com/office/drawing/2018/hyperlinkcolor">
+<p:sld xmlns:a="http://schemas.openxmlformats.org/drawingml/2006/main" xmlns:r="http://schemas.openxmlformats.org/officeDocument/2006/relationships" xmlns:p="http://schemas.openxmlformats.org/presentationml/2006/main">
   <p:cSld>
     <p:bg>
       <p:bgPr>
         <a:solidFill>
           <a:srgbClr val="000000"/>
         </a:solidFill>
+        <a:effectLst/>
       </p:bgPr>
     </p:bg>
     <p:spTree>
       <p:nvGrpSpPr>
-        <p:cNvPr id="53" name="Shape 53"/>
+        <p:cNvPr id="1" name="Shape 53"/>
         <p:cNvGrpSpPr/>
         <p:nvPr/>
       </p:nvGrpSpPr>
@@ -6267,129 +6478,35 @@
           <a:chExt cx="0" cy="0"/>
         </a:xfrm>
       </p:grpSpPr>
-      <p:sp>
-        <p:nvSpPr>
-          <p:cNvPr id="54" name="Google Shape;54;p13"/>
-          <p:cNvSpPr txBox="1"/>
-          <p:nvPr>
-            <p:ph type="ctrTitle"/>
-          </p:nvPr>
-        </p:nvSpPr>
+      <p:pic>
+        <p:nvPicPr>
+          <p:cNvPr id="2" name="Imagen 1"/>
+          <p:cNvPicPr>
+            <a:picLocks noChangeAspect="1"/>
+          </p:cNvPicPr>
+          <p:nvPr/>
+        </p:nvPicPr>
+        <p:blipFill rotWithShape="1">
+          <a:blip r:embed="rId3">
+            <a:extLst>
+              <a:ext uri="{28A0092B-C50C-407E-A947-70E740481C1C}">
+                <a14:useLocalDpi xmlns:a14="http://schemas.microsoft.com/office/drawing/2010/main" val="0"/>
+              </a:ext>
+            </a:extLst>
+          </a:blip>
+          <a:srcRect t="7795" r="866" b="2099"/>
+          <a:stretch/>
+        </p:blipFill>
         <p:spPr>
           <a:xfrm>
-            <a:off x="311708" y="744575"/>
-            <a:ext cx="8520600" cy="2052600"/>
+            <a:off x="1412240" y="-10160"/>
+            <a:ext cx="5811520" cy="5161280"/>
           </a:xfrm>
           <a:prstGeom prst="rect">
             <a:avLst/>
           </a:prstGeom>
         </p:spPr>
-        <p:txBody>
-          <a:bodyPr anchorCtr="0" anchor="b" bIns="91425" lIns="91425" spcFirstLastPara="1" rIns="91425" wrap="square" tIns="91425">
-            <a:normAutofit fontScale="90000"/>
-          </a:bodyPr>
-          <a:lstStyle/>
-          <a:p>
-            <a:pPr indent="0" lvl="0" marL="0" rtl="0" algn="ctr">
-              <a:spcBef>
-                <a:spcPts val="0"/>
-              </a:spcBef>
-              <a:spcAft>
-                <a:spcPts val="0"/>
-              </a:spcAft>
-              <a:buNone/>
-            </a:pPr>
-            <a:r>
-              <a:rPr lang="es"/>
-              <a:t>¿Cuál es el artista y la canción más escuchados en                  ?</a:t>
-            </a:r>
-            <a:endParaRPr/>
-          </a:p>
-        </p:txBody>
-      </p:sp>
-      <p:pic>
-        <p:nvPicPr>
-          <p:cNvPr id="55" name="Google Shape;55;p13"/>
-          <p:cNvPicPr preferRelativeResize="0"/>
-          <p:nvPr/>
-        </p:nvPicPr>
-        <p:blipFill rotWithShape="1">
-          <a:blip r:embed="rId3">
-            <a:alphaModFix amt="98000"/>
-          </a:blip>
-          <a:srcRect b="16355" l="0" r="0" t="18586"/>
-          <a:stretch/>
-        </p:blipFill>
-        <p:spPr>
-          <a:xfrm>
-            <a:off x="5400825" y="2043200"/>
-            <a:ext cx="2452751" cy="824000"/>
-          </a:xfrm>
-          <a:prstGeom prst="rect">
-            <a:avLst/>
-          </a:prstGeom>
-          <a:noFill/>
-          <a:ln>
-            <a:noFill/>
-          </a:ln>
-        </p:spPr>
       </p:pic>
-      <p:sp>
-        <p:nvSpPr>
-          <p:cNvPr id="56" name="Google Shape;56;p13"/>
-          <p:cNvSpPr txBox="1"/>
-          <p:nvPr>
-            <p:ph idx="1" type="subTitle"/>
-          </p:nvPr>
-        </p:nvSpPr>
-        <p:spPr>
-          <a:xfrm>
-            <a:off x="4430950" y="3659375"/>
-            <a:ext cx="3783900" cy="1225800"/>
-          </a:xfrm>
-          <a:prstGeom prst="rect">
-            <a:avLst/>
-          </a:prstGeom>
-        </p:spPr>
-        <p:txBody>
-          <a:bodyPr anchorCtr="0" anchor="t" bIns="91425" lIns="91425" spcFirstLastPara="1" rIns="91425" wrap="square" tIns="91425">
-            <a:normAutofit fontScale="92500" lnSpcReduction="20000"/>
-          </a:bodyPr>
-          <a:lstStyle/>
-          <a:p>
-            <a:pPr indent="0" lvl="0" marL="0" rtl="0" algn="ctr">
-              <a:spcBef>
-                <a:spcPts val="0"/>
-              </a:spcBef>
-              <a:spcAft>
-                <a:spcPts val="0"/>
-              </a:spcAft>
-              <a:buNone/>
-            </a:pPr>
-            <a:r>
-              <a:rPr lang="es"/>
-              <a:t>Sánchez Luayza Ayelén</a:t>
-            </a:r>
-            <a:endParaRPr/>
-          </a:p>
-          <a:p>
-            <a:pPr indent="0" lvl="0" marL="0" rtl="0" algn="ctr">
-              <a:spcBef>
-                <a:spcPts val="0"/>
-              </a:spcBef>
-              <a:spcAft>
-                <a:spcPts val="0"/>
-              </a:spcAft>
-              <a:buNone/>
-            </a:pPr>
-            <a:r>
-              <a:rPr lang="es"/>
-              <a:t>Coderhouse. Data Science</a:t>
-            </a:r>
-            <a:endParaRPr/>
-          </a:p>
-        </p:txBody>
-      </p:sp>
     </p:spTree>
   </p:cSld>
   <p:clrMapOvr>
@@ -6399,18 +6516,19 @@
 </file>
 
 <file path=ppt/slides/slide2.xml><?xml version="1.0" encoding="utf-8"?>
-<p:sld xmlns:a="http://schemas.openxmlformats.org/drawingml/2006/main" xmlns:r="http://schemas.openxmlformats.org/officeDocument/2006/relationships" xmlns:mc="http://schemas.openxmlformats.org/markup-compatibility/2006" xmlns:mv="urn:schemas-microsoft-com:mac:vml" xmlns:p="http://schemas.openxmlformats.org/presentationml/2006/main" xmlns:c="http://schemas.openxmlformats.org/drawingml/2006/chart" xmlns:dgm="http://schemas.openxmlformats.org/drawingml/2006/diagram" xmlns:o="urn:schemas-microsoft-com:office:office" xmlns:v="urn:schemas-microsoft-com:vml" xmlns:pvml="urn:schemas-microsoft-com:office:powerpoint" xmlns:com="http://schemas.openxmlformats.org/drawingml/2006/compatibility" xmlns:p14="http://schemas.microsoft.com/office/powerpoint/2010/main" xmlns:p15="http://schemas.microsoft.com/office/powerpoint/2012/main" xmlns:ahyp="http://schemas.microsoft.com/office/drawing/2018/hyperlinkcolor">
+<p:sld xmlns:a="http://schemas.openxmlformats.org/drawingml/2006/main" xmlns:r="http://schemas.openxmlformats.org/officeDocument/2006/relationships" xmlns:p="http://schemas.openxmlformats.org/presentationml/2006/main">
   <p:cSld>
     <p:bg>
       <p:bgPr>
         <a:solidFill>
           <a:srgbClr val="000000"/>
         </a:solidFill>
+        <a:effectLst/>
       </p:bgPr>
     </p:bg>
     <p:spTree>
       <p:nvGrpSpPr>
-        <p:cNvPr id="60" name="Shape 60"/>
+        <p:cNvPr id="1" name="Shape 60"/>
         <p:cNvGrpSpPr/>
         <p:nvPr/>
       </p:nvGrpSpPr>
@@ -6425,7 +6543,9 @@
       <p:sp>
         <p:nvSpPr>
           <p:cNvPr id="61" name="Google Shape;61;p14"/>
-          <p:cNvSpPr txBox="1"/>
+          <p:cNvSpPr txBox="1">
+            <a:spLocks noGrp="1"/>
+          </p:cNvSpPr>
           <p:nvPr>
             <p:ph type="title"/>
           </p:nvPr>
@@ -6440,12 +6560,12 @@
           </a:prstGeom>
         </p:spPr>
         <p:txBody>
-          <a:bodyPr anchorCtr="0" anchor="ctr" bIns="91425" lIns="91425" spcFirstLastPara="1" rIns="91425" wrap="square" tIns="91425">
+          <a:bodyPr spcFirstLastPara="1" wrap="square" lIns="91425" tIns="91425" rIns="91425" bIns="91425" anchor="ctr" anchorCtr="0">
             <a:noAutofit/>
           </a:bodyPr>
           <a:lstStyle/>
           <a:p>
-            <a:pPr indent="0" lvl="0" marL="0" rtl="0" algn="l">
+            <a:pPr marL="0" lvl="0" indent="0" algn="l" rtl="0">
               <a:lnSpc>
                 <a:spcPct val="115000"/>
               </a:lnSpc>
@@ -6484,7 +6604,7 @@
       <p:pic>
         <p:nvPicPr>
           <p:cNvPr id="62" name="Google Shape;62;p14">
-            <a:hlinkClick action="ppaction://hlinksldjump" r:id="rId3"/>
+            <a:hlinkClick r:id="rId3" action="ppaction://hlinksldjump"/>
           </p:cNvPr>
           <p:cNvPicPr preferRelativeResize="0"/>
           <p:nvPr/>
@@ -6493,7 +6613,7 @@
           <a:blip r:embed="rId4">
             <a:alphaModFix amt="98000"/>
           </a:blip>
-          <a:srcRect b="16355" l="0" r="64838" t="18586"/>
+          <a:srcRect t="18586" r="64838" b="16355"/>
           <a:stretch/>
         </p:blipFill>
         <p:spPr>
@@ -6530,12 +6650,12 @@
           </a:ln>
         </p:spPr>
         <p:txBody>
-          <a:bodyPr anchorCtr="0" anchor="t" bIns="91425" lIns="91425" spcFirstLastPara="1" rIns="91425" wrap="square" tIns="91425">
+          <a:bodyPr spcFirstLastPara="1" wrap="square" lIns="91425" tIns="91425" rIns="91425" bIns="91425" anchor="t" anchorCtr="0">
             <a:spAutoFit/>
           </a:bodyPr>
           <a:lstStyle/>
           <a:p>
-            <a:pPr indent="0" lvl="0" marL="0" rtl="0" algn="l">
+            <a:pPr marL="0" lvl="0" indent="0" algn="l" rtl="0">
               <a:lnSpc>
                 <a:spcPct val="115000"/>
               </a:lnSpc>
@@ -6553,7 +6673,7 @@
               <a:buNone/>
             </a:pPr>
             <a:r>
-              <a:rPr b="1" lang="es" sz="1820">
+              <a:rPr lang="es" sz="1820" b="1">
                 <a:solidFill>
                   <a:srgbClr val="00FF00"/>
                 </a:solidFill>
@@ -6571,7 +6691,7 @@
           <p:nvPr/>
         </p:nvCxnSpPr>
         <p:spPr>
-          <a:xfrm flipH="1" rot="10800000">
+          <a:xfrm rot="10800000" flipH="1">
             <a:off x="35550" y="1268075"/>
             <a:ext cx="9072600" cy="26100"/>
           </a:xfrm>
@@ -6579,17 +6699,55 @@
             <a:avLst/>
           </a:prstGeom>
           <a:noFill/>
-          <a:ln cap="flat" cmpd="sng" w="9525">
+          <a:ln w="9525" cap="flat" cmpd="sng">
             <a:solidFill>
               <a:srgbClr val="00FF00"/>
             </a:solidFill>
             <a:prstDash val="solid"/>
             <a:round/>
-            <a:headEnd len="med" w="med" type="none"/>
-            <a:tailEnd len="med" w="med" type="none"/>
+            <a:headEnd type="none" w="med" len="med"/>
+            <a:tailEnd type="none" w="med" len="med"/>
           </a:ln>
         </p:spPr>
       </p:cxnSp>
+      <p:sp>
+        <p:nvSpPr>
+          <p:cNvPr id="2" name="CuadroTexto 1"/>
+          <p:cNvSpPr txBox="1"/>
+          <p:nvPr/>
+        </p:nvSpPr>
+        <p:spPr>
+          <a:xfrm>
+            <a:off x="8258955" y="600850"/>
+            <a:ext cx="695670" cy="276999"/>
+          </a:xfrm>
+          <a:prstGeom prst="rect">
+            <a:avLst/>
+          </a:prstGeom>
+          <a:noFill/>
+        </p:spPr>
+        <p:txBody>
+          <a:bodyPr wrap="square" rtlCol="0">
+            <a:spAutoFit/>
+          </a:bodyPr>
+          <a:lstStyle/>
+          <a:p>
+            <a:r>
+              <a:rPr lang="es-ES" sz="1200" b="1" dirty="0" smtClean="0">
+                <a:solidFill>
+                  <a:srgbClr val="00B050"/>
+                </a:solidFill>
+              </a:rPr>
+              <a:t>Inicio</a:t>
+            </a:r>
+            <a:endParaRPr lang="es-AR" sz="1200" b="1" dirty="0">
+              <a:solidFill>
+                <a:srgbClr val="00B050"/>
+              </a:solidFill>
+            </a:endParaRPr>
+          </a:p>
+        </p:txBody>
+      </p:sp>
     </p:spTree>
   </p:cSld>
   <p:clrMapOvr>
@@ -6599,18 +6757,19 @@
 </file>
 
 <file path=ppt/slides/slide3.xml><?xml version="1.0" encoding="utf-8"?>
-<p:sld xmlns:a="http://schemas.openxmlformats.org/drawingml/2006/main" xmlns:r="http://schemas.openxmlformats.org/officeDocument/2006/relationships" xmlns:mc="http://schemas.openxmlformats.org/markup-compatibility/2006" xmlns:mv="urn:schemas-microsoft-com:mac:vml" xmlns:p="http://schemas.openxmlformats.org/presentationml/2006/main" xmlns:c="http://schemas.openxmlformats.org/drawingml/2006/chart" xmlns:dgm="http://schemas.openxmlformats.org/drawingml/2006/diagram" xmlns:o="urn:schemas-microsoft-com:office:office" xmlns:v="urn:schemas-microsoft-com:vml" xmlns:pvml="urn:schemas-microsoft-com:office:powerpoint" xmlns:com="http://schemas.openxmlformats.org/drawingml/2006/compatibility" xmlns:p14="http://schemas.microsoft.com/office/powerpoint/2010/main" xmlns:p15="http://schemas.microsoft.com/office/powerpoint/2012/main" xmlns:ahyp="http://schemas.microsoft.com/office/drawing/2018/hyperlinkcolor">
+<p:sld xmlns:a="http://schemas.openxmlformats.org/drawingml/2006/main" xmlns:r="http://schemas.openxmlformats.org/officeDocument/2006/relationships" xmlns:p="http://schemas.openxmlformats.org/presentationml/2006/main">
   <p:cSld>
     <p:bg>
       <p:bgPr>
         <a:solidFill>
           <a:srgbClr val="000000"/>
         </a:solidFill>
+        <a:effectLst/>
       </p:bgPr>
     </p:bg>
     <p:spTree>
       <p:nvGrpSpPr>
-        <p:cNvPr id="68" name="Shape 68"/>
+        <p:cNvPr id="1" name="Shape 68"/>
         <p:cNvGrpSpPr/>
         <p:nvPr/>
       </p:nvGrpSpPr>
@@ -6625,7 +6784,9 @@
       <p:sp>
         <p:nvSpPr>
           <p:cNvPr id="69" name="Google Shape;69;p15"/>
-          <p:cNvSpPr txBox="1"/>
+          <p:cNvSpPr txBox="1">
+            <a:spLocks noGrp="1"/>
+          </p:cNvSpPr>
           <p:nvPr>
             <p:ph type="title"/>
           </p:nvPr>
@@ -6643,12 +6804,12 @@
           </a:solidFill>
         </p:spPr>
         <p:txBody>
-          <a:bodyPr anchorCtr="0" anchor="ctr" bIns="91425" lIns="91425" spcFirstLastPara="1" rIns="91425" wrap="square" tIns="91425">
+          <a:bodyPr spcFirstLastPara="1" wrap="square" lIns="91425" tIns="91425" rIns="91425" bIns="91425" anchor="ctr" anchorCtr="0">
             <a:noAutofit/>
           </a:bodyPr>
           <a:lstStyle/>
           <a:p>
-            <a:pPr indent="0" lvl="0" marL="0" rtl="0" algn="l">
+            <a:pPr marL="0" lvl="0" indent="0" algn="l" rtl="0">
               <a:lnSpc>
                 <a:spcPct val="115000"/>
               </a:lnSpc>
@@ -6698,7 +6859,7 @@
       <p:pic>
         <p:nvPicPr>
           <p:cNvPr id="70" name="Google Shape;70;p15">
-            <a:hlinkClick action="ppaction://hlinksldjump" r:id="rId3"/>
+            <a:hlinkClick r:id="rId3" action="ppaction://hlinksldjump"/>
           </p:cNvPr>
           <p:cNvPicPr preferRelativeResize="0"/>
           <p:nvPr/>
@@ -6707,7 +6868,7 @@
           <a:blip r:embed="rId4">
             <a:alphaModFix amt="98000"/>
           </a:blip>
-          <a:srcRect b="16355" l="0" r="64838" t="18586"/>
+          <a:srcRect t="18586" r="64838" b="16355"/>
           <a:stretch/>
         </p:blipFill>
         <p:spPr>
@@ -6744,12 +6905,12 @@
           </a:ln>
         </p:spPr>
         <p:txBody>
-          <a:bodyPr anchorCtr="0" anchor="t" bIns="91425" lIns="91425" spcFirstLastPara="1" rIns="91425" wrap="square" tIns="91425">
+          <a:bodyPr spcFirstLastPara="1" wrap="square" lIns="91425" tIns="91425" rIns="91425" bIns="91425" anchor="t" anchorCtr="0">
             <a:spAutoFit/>
           </a:bodyPr>
           <a:lstStyle/>
           <a:p>
-            <a:pPr indent="0" lvl="0" marL="0" rtl="0" algn="ctr">
+            <a:pPr marL="0" lvl="0" indent="0" algn="ctr" rtl="0">
               <a:lnSpc>
                 <a:spcPct val="115000"/>
               </a:lnSpc>
@@ -6767,7 +6928,7 @@
               <a:buNone/>
             </a:pPr>
             <a:r>
-              <a:rPr b="1" lang="es" sz="1750">
+              <a:rPr lang="es" sz="1750" b="1">
                 <a:solidFill>
                   <a:srgbClr val="00FF00"/>
                 </a:solidFill>
@@ -6796,7 +6957,7 @@
           <p:nvPr/>
         </p:nvCxnSpPr>
         <p:spPr>
-          <a:xfrm flipH="1" rot="10800000">
+          <a:xfrm rot="10800000" flipH="1">
             <a:off x="35550" y="1268075"/>
             <a:ext cx="9072600" cy="26100"/>
           </a:xfrm>
@@ -6804,17 +6965,55 @@
             <a:avLst/>
           </a:prstGeom>
           <a:noFill/>
-          <a:ln cap="flat" cmpd="sng" w="9525">
+          <a:ln w="9525" cap="flat" cmpd="sng">
             <a:solidFill>
               <a:srgbClr val="00FF00"/>
             </a:solidFill>
             <a:prstDash val="solid"/>
             <a:round/>
-            <a:headEnd len="med" w="med" type="none"/>
-            <a:tailEnd len="med" w="med" type="none"/>
+            <a:headEnd type="none" w="med" len="med"/>
+            <a:tailEnd type="none" w="med" len="med"/>
           </a:ln>
         </p:spPr>
       </p:cxnSp>
+      <p:sp>
+        <p:nvSpPr>
+          <p:cNvPr id="6" name="CuadroTexto 5"/>
+          <p:cNvSpPr txBox="1"/>
+          <p:nvPr/>
+        </p:nvSpPr>
+        <p:spPr>
+          <a:xfrm>
+            <a:off x="8258955" y="600850"/>
+            <a:ext cx="695670" cy="276999"/>
+          </a:xfrm>
+          <a:prstGeom prst="rect">
+            <a:avLst/>
+          </a:prstGeom>
+          <a:noFill/>
+        </p:spPr>
+        <p:txBody>
+          <a:bodyPr wrap="square" rtlCol="0">
+            <a:spAutoFit/>
+          </a:bodyPr>
+          <a:lstStyle/>
+          <a:p>
+            <a:r>
+              <a:rPr lang="es-ES" sz="1200" b="1" dirty="0" smtClean="0">
+                <a:solidFill>
+                  <a:srgbClr val="00B050"/>
+                </a:solidFill>
+              </a:rPr>
+              <a:t>Inicio</a:t>
+            </a:r>
+            <a:endParaRPr lang="es-AR" sz="1200" b="1" dirty="0">
+              <a:solidFill>
+                <a:srgbClr val="00B050"/>
+              </a:solidFill>
+            </a:endParaRPr>
+          </a:p>
+        </p:txBody>
+      </p:sp>
     </p:spTree>
   </p:cSld>
   <p:clrMapOvr>
@@ -6824,18 +7023,19 @@
 </file>
 
 <file path=ppt/slides/slide4.xml><?xml version="1.0" encoding="utf-8"?>
-<p:sld xmlns:a="http://schemas.openxmlformats.org/drawingml/2006/main" xmlns:r="http://schemas.openxmlformats.org/officeDocument/2006/relationships" xmlns:mc="http://schemas.openxmlformats.org/markup-compatibility/2006" xmlns:mv="urn:schemas-microsoft-com:mac:vml" xmlns:p="http://schemas.openxmlformats.org/presentationml/2006/main" xmlns:c="http://schemas.openxmlformats.org/drawingml/2006/chart" xmlns:dgm="http://schemas.openxmlformats.org/drawingml/2006/diagram" xmlns:o="urn:schemas-microsoft-com:office:office" xmlns:v="urn:schemas-microsoft-com:vml" xmlns:pvml="urn:schemas-microsoft-com:office:powerpoint" xmlns:com="http://schemas.openxmlformats.org/drawingml/2006/compatibility" xmlns:p14="http://schemas.microsoft.com/office/powerpoint/2010/main" xmlns:p15="http://schemas.microsoft.com/office/powerpoint/2012/main" xmlns:ahyp="http://schemas.microsoft.com/office/drawing/2018/hyperlinkcolor">
+<p:sld xmlns:a="http://schemas.openxmlformats.org/drawingml/2006/main" xmlns:r="http://schemas.openxmlformats.org/officeDocument/2006/relationships" xmlns:p="http://schemas.openxmlformats.org/presentationml/2006/main">
   <p:cSld>
     <p:bg>
       <p:bgPr>
         <a:solidFill>
           <a:srgbClr val="000000"/>
         </a:solidFill>
+        <a:effectLst/>
       </p:bgPr>
     </p:bg>
     <p:spTree>
       <p:nvGrpSpPr>
-        <p:cNvPr id="76" name="Shape 76"/>
+        <p:cNvPr id="1" name="Shape 76"/>
         <p:cNvGrpSpPr/>
         <p:nvPr/>
       </p:nvGrpSpPr>
@@ -6850,7 +7050,9 @@
       <p:sp>
         <p:nvSpPr>
           <p:cNvPr id="77" name="Google Shape;77;p16"/>
-          <p:cNvSpPr txBox="1"/>
+          <p:cNvSpPr txBox="1">
+            <a:spLocks noGrp="1"/>
+          </p:cNvSpPr>
           <p:nvPr>
             <p:ph type="title"/>
           </p:nvPr>
@@ -6868,12 +7070,12 @@
           </a:solidFill>
         </p:spPr>
         <p:txBody>
-          <a:bodyPr anchorCtr="0" anchor="ctr" bIns="91425" lIns="91425" spcFirstLastPara="1" rIns="91425" wrap="square" tIns="91425">
+          <a:bodyPr spcFirstLastPara="1" wrap="square" lIns="91425" tIns="91425" rIns="91425" bIns="91425" anchor="ctr" anchorCtr="0">
             <a:noAutofit/>
           </a:bodyPr>
           <a:lstStyle/>
           <a:p>
-            <a:pPr indent="0" lvl="0" marL="0" rtl="0" algn="l">
+            <a:pPr marL="0" lvl="0" indent="0" algn="l" rtl="0">
               <a:lnSpc>
                 <a:spcPct val="115000"/>
               </a:lnSpc>
@@ -6919,7 +7121,7 @@
       <p:pic>
         <p:nvPicPr>
           <p:cNvPr id="78" name="Google Shape;78;p16">
-            <a:hlinkClick action="ppaction://hlinksldjump" r:id="rId3"/>
+            <a:hlinkClick r:id="rId3" action="ppaction://hlinksldjump"/>
           </p:cNvPr>
           <p:cNvPicPr preferRelativeResize="0"/>
           <p:nvPr/>
@@ -6928,7 +7130,7 @@
           <a:blip r:embed="rId4">
             <a:alphaModFix amt="98000"/>
           </a:blip>
-          <a:srcRect b="16355" l="0" r="64838" t="18586"/>
+          <a:srcRect t="18586" r="64838" b="16355"/>
           <a:stretch/>
         </p:blipFill>
         <p:spPr>
@@ -6965,12 +7167,12 @@
           </a:ln>
         </p:spPr>
         <p:txBody>
-          <a:bodyPr anchorCtr="0" anchor="t" bIns="91425" lIns="91425" spcFirstLastPara="1" rIns="91425" wrap="square" tIns="91425">
+          <a:bodyPr spcFirstLastPara="1" wrap="square" lIns="91425" tIns="91425" rIns="91425" bIns="91425" anchor="t" anchorCtr="0">
             <a:spAutoFit/>
           </a:bodyPr>
           <a:lstStyle/>
           <a:p>
-            <a:pPr indent="0" lvl="0" marL="0" rtl="0" algn="ctr">
+            <a:pPr marL="0" lvl="0" indent="0" algn="ctr" rtl="0">
               <a:lnSpc>
                 <a:spcPct val="115000"/>
               </a:lnSpc>
@@ -6983,7 +7185,7 @@
               <a:buNone/>
             </a:pPr>
             <a:r>
-              <a:rPr b="1" lang="es" sz="1750">
+              <a:rPr lang="es" sz="1750" b="1">
                 <a:solidFill>
                   <a:srgbClr val="00FF00"/>
                 </a:solidFill>
@@ -7012,7 +7214,7 @@
           <p:nvPr/>
         </p:nvCxnSpPr>
         <p:spPr>
-          <a:xfrm flipH="1" rot="10800000">
+          <a:xfrm rot="10800000" flipH="1">
             <a:off x="35550" y="1268075"/>
             <a:ext cx="9072600" cy="26100"/>
           </a:xfrm>
@@ -7020,17 +7222,55 @@
             <a:avLst/>
           </a:prstGeom>
           <a:noFill/>
-          <a:ln cap="flat" cmpd="sng" w="9525">
+          <a:ln w="9525" cap="flat" cmpd="sng">
             <a:solidFill>
               <a:srgbClr val="00FF00"/>
             </a:solidFill>
             <a:prstDash val="solid"/>
             <a:round/>
-            <a:headEnd len="med" w="med" type="none"/>
-            <a:tailEnd len="med" w="med" type="none"/>
+            <a:headEnd type="none" w="med" len="med"/>
+            <a:tailEnd type="none" w="med" len="med"/>
           </a:ln>
         </p:spPr>
       </p:cxnSp>
+      <p:sp>
+        <p:nvSpPr>
+          <p:cNvPr id="6" name="CuadroTexto 5"/>
+          <p:cNvSpPr txBox="1"/>
+          <p:nvPr/>
+        </p:nvSpPr>
+        <p:spPr>
+          <a:xfrm>
+            <a:off x="8258955" y="600850"/>
+            <a:ext cx="695670" cy="276999"/>
+          </a:xfrm>
+          <a:prstGeom prst="rect">
+            <a:avLst/>
+          </a:prstGeom>
+          <a:noFill/>
+        </p:spPr>
+        <p:txBody>
+          <a:bodyPr wrap="square" rtlCol="0">
+            <a:spAutoFit/>
+          </a:bodyPr>
+          <a:lstStyle/>
+          <a:p>
+            <a:r>
+              <a:rPr lang="es-ES" sz="1200" b="1" dirty="0" smtClean="0">
+                <a:solidFill>
+                  <a:srgbClr val="00B050"/>
+                </a:solidFill>
+              </a:rPr>
+              <a:t>Inicio</a:t>
+            </a:r>
+            <a:endParaRPr lang="es-AR" sz="1200" b="1" dirty="0">
+              <a:solidFill>
+                <a:srgbClr val="00B050"/>
+              </a:solidFill>
+            </a:endParaRPr>
+          </a:p>
+        </p:txBody>
+      </p:sp>
     </p:spTree>
   </p:cSld>
   <p:clrMapOvr>
@@ -7040,18 +7280,19 @@
 </file>
 
 <file path=ppt/slides/slide5.xml><?xml version="1.0" encoding="utf-8"?>
-<p:sld xmlns:a="http://schemas.openxmlformats.org/drawingml/2006/main" xmlns:r="http://schemas.openxmlformats.org/officeDocument/2006/relationships" xmlns:mc="http://schemas.openxmlformats.org/markup-compatibility/2006" xmlns:mv="urn:schemas-microsoft-com:mac:vml" xmlns:p="http://schemas.openxmlformats.org/presentationml/2006/main" xmlns:c="http://schemas.openxmlformats.org/drawingml/2006/chart" xmlns:dgm="http://schemas.openxmlformats.org/drawingml/2006/diagram" xmlns:o="urn:schemas-microsoft-com:office:office" xmlns:v="urn:schemas-microsoft-com:vml" xmlns:pvml="urn:schemas-microsoft-com:office:powerpoint" xmlns:com="http://schemas.openxmlformats.org/drawingml/2006/compatibility" xmlns:p14="http://schemas.microsoft.com/office/powerpoint/2010/main" xmlns:p15="http://schemas.microsoft.com/office/powerpoint/2012/main" xmlns:ahyp="http://schemas.microsoft.com/office/drawing/2018/hyperlinkcolor">
+<p:sld xmlns:a="http://schemas.openxmlformats.org/drawingml/2006/main" xmlns:r="http://schemas.openxmlformats.org/officeDocument/2006/relationships" xmlns:p="http://schemas.openxmlformats.org/presentationml/2006/main">
   <p:cSld>
     <p:bg>
       <p:bgPr>
         <a:solidFill>
           <a:srgbClr val="000000"/>
         </a:solidFill>
+        <a:effectLst/>
       </p:bgPr>
     </p:bg>
     <p:spTree>
       <p:nvGrpSpPr>
-        <p:cNvPr id="84" name="Shape 84"/>
+        <p:cNvPr id="1" name="Shape 84"/>
         <p:cNvGrpSpPr/>
         <p:nvPr/>
       </p:nvGrpSpPr>
@@ -7066,7 +7307,9 @@
       <p:sp>
         <p:nvSpPr>
           <p:cNvPr id="85" name="Google Shape;85;p17"/>
-          <p:cNvSpPr txBox="1"/>
+          <p:cNvSpPr txBox="1">
+            <a:spLocks noGrp="1"/>
+          </p:cNvSpPr>
           <p:nvPr>
             <p:ph type="title"/>
           </p:nvPr>
@@ -7084,12 +7327,12 @@
           </a:solidFill>
         </p:spPr>
         <p:txBody>
-          <a:bodyPr anchorCtr="0" anchor="ctr" bIns="91425" lIns="91425" spcFirstLastPara="1" rIns="91425" wrap="square" tIns="91425">
+          <a:bodyPr spcFirstLastPara="1" wrap="square" lIns="91425" tIns="91425" rIns="91425" bIns="91425" anchor="ctr" anchorCtr="0">
             <a:noAutofit/>
           </a:bodyPr>
           <a:lstStyle/>
           <a:p>
-            <a:pPr indent="0" lvl="0" marL="0" rtl="0" algn="l">
+            <a:pPr marL="0" lvl="0" indent="0" algn="l" rtl="0">
               <a:lnSpc>
                 <a:spcPct val="115000"/>
               </a:lnSpc>
@@ -7135,7 +7378,7 @@
       <p:pic>
         <p:nvPicPr>
           <p:cNvPr id="86" name="Google Shape;86;p17">
-            <a:hlinkClick action="ppaction://hlinksldjump" r:id="rId3"/>
+            <a:hlinkClick r:id="rId3" action="ppaction://hlinksldjump"/>
           </p:cNvPr>
           <p:cNvPicPr preferRelativeResize="0"/>
           <p:nvPr/>
@@ -7144,7 +7387,7 @@
           <a:blip r:embed="rId4">
             <a:alphaModFix amt="98000"/>
           </a:blip>
-          <a:srcRect b="16355" l="0" r="64838" t="18586"/>
+          <a:srcRect t="18586" r="64838" b="16355"/>
           <a:stretch/>
         </p:blipFill>
         <p:spPr>
@@ -7181,12 +7424,12 @@
           </a:ln>
         </p:spPr>
         <p:txBody>
-          <a:bodyPr anchorCtr="0" anchor="t" bIns="91425" lIns="91425" spcFirstLastPara="1" rIns="91425" wrap="square" tIns="91425">
+          <a:bodyPr spcFirstLastPara="1" wrap="square" lIns="91425" tIns="91425" rIns="91425" bIns="91425" anchor="t" anchorCtr="0">
             <a:spAutoFit/>
           </a:bodyPr>
           <a:lstStyle/>
           <a:p>
-            <a:pPr indent="0" lvl="0" marL="0" rtl="0" algn="ctr">
+            <a:pPr marL="0" lvl="0" indent="0" algn="ctr" rtl="0">
               <a:lnSpc>
                 <a:spcPct val="115000"/>
               </a:lnSpc>
@@ -7199,7 +7442,7 @@
               <a:buNone/>
             </a:pPr>
             <a:r>
-              <a:rPr b="1" lang="es" sz="1750">
+              <a:rPr lang="es" sz="1750" b="1">
                 <a:solidFill>
                   <a:srgbClr val="00FF00"/>
                 </a:solidFill>
@@ -7211,22 +7454,7 @@
                 <a:cs typeface="Roboto"/>
                 <a:sym typeface="Roboto"/>
               </a:rPr>
-              <a:t>Contexto</a:t>
-            </a:r>
-            <a:r>
-              <a:rPr b="1" lang="es" sz="1750">
-                <a:solidFill>
-                  <a:srgbClr val="00FF00"/>
-                </a:solidFill>
-                <a:highlight>
-                  <a:srgbClr val="383838"/>
-                </a:highlight>
-                <a:latin typeface="Roboto"/>
-                <a:ea typeface="Roboto"/>
-                <a:cs typeface="Roboto"/>
-                <a:sym typeface="Roboto"/>
-              </a:rPr>
-              <a:t> comercial:</a:t>
+              <a:t>Contexto comercial:</a:t>
             </a:r>
             <a:endParaRPr sz="1500">
               <a:solidFill>
@@ -7243,7 +7471,7 @@
           <p:nvPr/>
         </p:nvCxnSpPr>
         <p:spPr>
-          <a:xfrm flipH="1" rot="10800000">
+          <a:xfrm rot="10800000" flipH="1">
             <a:off x="35550" y="1268075"/>
             <a:ext cx="9072600" cy="26100"/>
           </a:xfrm>
@@ -7251,17 +7479,55 @@
             <a:avLst/>
           </a:prstGeom>
           <a:noFill/>
-          <a:ln cap="flat" cmpd="sng" w="9525">
+          <a:ln w="9525" cap="flat" cmpd="sng">
             <a:solidFill>
               <a:srgbClr val="00FF00"/>
             </a:solidFill>
             <a:prstDash val="solid"/>
             <a:round/>
-            <a:headEnd len="med" w="med" type="none"/>
-            <a:tailEnd len="med" w="med" type="none"/>
+            <a:headEnd type="none" w="med" len="med"/>
+            <a:tailEnd type="none" w="med" len="med"/>
           </a:ln>
         </p:spPr>
       </p:cxnSp>
+      <p:sp>
+        <p:nvSpPr>
+          <p:cNvPr id="6" name="CuadroTexto 5"/>
+          <p:cNvSpPr txBox="1"/>
+          <p:nvPr/>
+        </p:nvSpPr>
+        <p:spPr>
+          <a:xfrm>
+            <a:off x="8258955" y="600850"/>
+            <a:ext cx="695670" cy="276999"/>
+          </a:xfrm>
+          <a:prstGeom prst="rect">
+            <a:avLst/>
+          </a:prstGeom>
+          <a:noFill/>
+        </p:spPr>
+        <p:txBody>
+          <a:bodyPr wrap="square" rtlCol="0">
+            <a:spAutoFit/>
+          </a:bodyPr>
+          <a:lstStyle/>
+          <a:p>
+            <a:r>
+              <a:rPr lang="es-ES" sz="1200" b="1" dirty="0" smtClean="0">
+                <a:solidFill>
+                  <a:srgbClr val="00B050"/>
+                </a:solidFill>
+              </a:rPr>
+              <a:t>Inicio</a:t>
+            </a:r>
+            <a:endParaRPr lang="es-AR" sz="1200" b="1" dirty="0">
+              <a:solidFill>
+                <a:srgbClr val="00B050"/>
+              </a:solidFill>
+            </a:endParaRPr>
+          </a:p>
+        </p:txBody>
+      </p:sp>
     </p:spTree>
   </p:cSld>
   <p:clrMapOvr>
@@ -7271,18 +7537,19 @@
 </file>
 
 <file path=ppt/slides/slide6.xml><?xml version="1.0" encoding="utf-8"?>
-<p:sld xmlns:a="http://schemas.openxmlformats.org/drawingml/2006/main" xmlns:r="http://schemas.openxmlformats.org/officeDocument/2006/relationships" xmlns:mc="http://schemas.openxmlformats.org/markup-compatibility/2006" xmlns:mv="urn:schemas-microsoft-com:mac:vml" xmlns:p="http://schemas.openxmlformats.org/presentationml/2006/main" xmlns:c="http://schemas.openxmlformats.org/drawingml/2006/chart" xmlns:dgm="http://schemas.openxmlformats.org/drawingml/2006/diagram" xmlns:o="urn:schemas-microsoft-com:office:office" xmlns:v="urn:schemas-microsoft-com:vml" xmlns:pvml="urn:schemas-microsoft-com:office:powerpoint" xmlns:com="http://schemas.openxmlformats.org/drawingml/2006/compatibility" xmlns:p14="http://schemas.microsoft.com/office/powerpoint/2010/main" xmlns:p15="http://schemas.microsoft.com/office/powerpoint/2012/main" xmlns:ahyp="http://schemas.microsoft.com/office/drawing/2018/hyperlinkcolor">
+<p:sld xmlns:a="http://schemas.openxmlformats.org/drawingml/2006/main" xmlns:r="http://schemas.openxmlformats.org/officeDocument/2006/relationships" xmlns:p="http://schemas.openxmlformats.org/presentationml/2006/main">
   <p:cSld>
     <p:bg>
       <p:bgPr>
         <a:solidFill>
           <a:srgbClr val="000000"/>
         </a:solidFill>
+        <a:effectLst/>
       </p:bgPr>
     </p:bg>
     <p:spTree>
       <p:nvGrpSpPr>
-        <p:cNvPr id="92" name="Shape 92"/>
+        <p:cNvPr id="1" name="Shape 92"/>
         <p:cNvGrpSpPr/>
         <p:nvPr/>
       </p:nvGrpSpPr>
@@ -7297,7 +7564,9 @@
       <p:sp>
         <p:nvSpPr>
           <p:cNvPr id="93" name="Google Shape;93;p18"/>
-          <p:cNvSpPr txBox="1"/>
+          <p:cNvSpPr txBox="1">
+            <a:spLocks noGrp="1"/>
+          </p:cNvSpPr>
           <p:nvPr>
             <p:ph type="title"/>
           </p:nvPr>
@@ -7315,12 +7584,12 @@
           </a:solidFill>
         </p:spPr>
         <p:txBody>
-          <a:bodyPr anchorCtr="0" anchor="ctr" bIns="91425" lIns="91425" spcFirstLastPara="1" rIns="91425" wrap="square" tIns="91425">
+          <a:bodyPr spcFirstLastPara="1" wrap="square" lIns="91425" tIns="91425" rIns="91425" bIns="91425" anchor="ctr" anchorCtr="0">
             <a:noAutofit/>
           </a:bodyPr>
           <a:lstStyle/>
           <a:p>
-            <a:pPr indent="0" lvl="0" marL="0" rtl="0" algn="l">
+            <a:pPr marL="0" lvl="0" indent="0" algn="l" rtl="0">
               <a:lnSpc>
                 <a:spcPct val="115000"/>
               </a:lnSpc>
@@ -7346,37 +7615,7 @@
                 <a:cs typeface="Roboto"/>
                 <a:sym typeface="Roboto"/>
               </a:rPr>
-              <a:t>El estudio de este dataset se </a:t>
-            </a:r>
-            <a:r>
-              <a:rPr lang="es" sz="1300">
-                <a:solidFill>
-                  <a:srgbClr val="D5D5D5"/>
-                </a:solidFill>
-                <a:highlight>
-                  <a:srgbClr val="383838"/>
-                </a:highlight>
-                <a:latin typeface="Roboto"/>
-                <a:ea typeface="Roboto"/>
-                <a:cs typeface="Roboto"/>
-                <a:sym typeface="Roboto"/>
-              </a:rPr>
-              <a:t>dirige</a:t>
-            </a:r>
-            <a:r>
-              <a:rPr lang="es" sz="1300">
-                <a:solidFill>
-                  <a:srgbClr val="D5D5D5"/>
-                </a:solidFill>
-                <a:highlight>
-                  <a:srgbClr val="383838"/>
-                </a:highlight>
-                <a:latin typeface="Roboto"/>
-                <a:ea typeface="Roboto"/>
-                <a:cs typeface="Roboto"/>
-                <a:sym typeface="Roboto"/>
-              </a:rPr>
-              <a:t> a responder algunas hipótesis como:</a:t>
+              <a:t>El estudio de este dataset se dirige a responder algunas hipótesis como:</a:t>
             </a:r>
             <a:endParaRPr sz="1300">
               <a:solidFill>
@@ -7392,7 +7631,7 @@
             </a:endParaRPr>
           </a:p>
           <a:p>
-            <a:pPr indent="-311150" lvl="0" marL="457200" rtl="0" algn="l">
+            <a:pPr marL="457200" lvl="0" indent="-311150" algn="l" rtl="0">
               <a:lnSpc>
                 <a:spcPct val="115000"/>
               </a:lnSpc>
@@ -7422,37 +7661,7 @@
                 <a:cs typeface="Roboto"/>
                 <a:sym typeface="Roboto"/>
               </a:rPr>
-              <a:t>¿Qué Artistas tienen más Likes en la plataforma de Spotify? La primera hipótesis es que entre los artistas estarán al menos 2 artistas que </a:t>
-            </a:r>
-            <a:r>
-              <a:rPr lang="es" sz="1300">
-                <a:solidFill>
-                  <a:srgbClr val="D5D5D5"/>
-                </a:solidFill>
-                <a:highlight>
-                  <a:srgbClr val="383838"/>
-                </a:highlight>
-                <a:latin typeface="Roboto"/>
-                <a:ea typeface="Roboto"/>
-                <a:cs typeface="Roboto"/>
-                <a:sym typeface="Roboto"/>
-              </a:rPr>
-              <a:t>dirigen</a:t>
-            </a:r>
-            <a:r>
-              <a:rPr lang="es" sz="1300">
-                <a:solidFill>
-                  <a:srgbClr val="D5D5D5"/>
-                </a:solidFill>
-                <a:highlight>
-                  <a:srgbClr val="383838"/>
-                </a:highlight>
-                <a:latin typeface="Roboto"/>
-                <a:ea typeface="Roboto"/>
-                <a:cs typeface="Roboto"/>
-                <a:sym typeface="Roboto"/>
-              </a:rPr>
-              <a:t> su música a las nuevas generaciones (trap, coreano, pop).</a:t>
+              <a:t>¿Qué Artistas tienen más Likes en la plataforma de Spotify? La primera hipótesis es que entre los artistas estarán al menos 2 artistas que dirigen su música a las nuevas generaciones (trap, coreano, pop).</a:t>
             </a:r>
             <a:endParaRPr sz="1300">
               <a:solidFill>
@@ -7468,7 +7677,7 @@
             </a:endParaRPr>
           </a:p>
           <a:p>
-            <a:pPr indent="-311150" lvl="0" marL="457200" rtl="0" algn="l">
+            <a:pPr marL="457200" lvl="0" indent="-311150" algn="l" rtl="0">
               <a:lnSpc>
                 <a:spcPct val="115000"/>
               </a:lnSpc>
@@ -7514,7 +7723,7 @@
             </a:endParaRPr>
           </a:p>
           <a:p>
-            <a:pPr indent="-311150" lvl="0" marL="457200" rtl="0" algn="l">
+            <a:pPr marL="457200" lvl="0" indent="-311150" algn="l" rtl="0">
               <a:lnSpc>
                 <a:spcPct val="115000"/>
               </a:lnSpc>
@@ -7544,67 +7753,7 @@
                 <a:cs typeface="Roboto"/>
                 <a:sym typeface="Roboto"/>
               </a:rPr>
-              <a:t>¿Puede determinarse cuál es el </a:t>
-            </a:r>
-            <a:r>
-              <a:rPr lang="es" sz="1300">
-                <a:solidFill>
-                  <a:srgbClr val="D5D5D5"/>
-                </a:solidFill>
-                <a:highlight>
-                  <a:srgbClr val="383838"/>
-                </a:highlight>
-                <a:latin typeface="Roboto"/>
-                <a:ea typeface="Roboto"/>
-                <a:cs typeface="Roboto"/>
-                <a:sym typeface="Roboto"/>
-              </a:rPr>
-              <a:t>Álbum</a:t>
-            </a:r>
-            <a:r>
-              <a:rPr lang="es" sz="1300">
-                <a:solidFill>
-                  <a:srgbClr val="D5D5D5"/>
-                </a:solidFill>
-                <a:highlight>
-                  <a:srgbClr val="383838"/>
-                </a:highlight>
-                <a:latin typeface="Roboto"/>
-                <a:ea typeface="Roboto"/>
-                <a:cs typeface="Roboto"/>
-                <a:sym typeface="Roboto"/>
-              </a:rPr>
-              <a:t> que prefieren la audiencia? ¿</a:t>
-            </a:r>
-            <a:r>
-              <a:rPr lang="es" sz="1300">
-                <a:solidFill>
-                  <a:srgbClr val="D5D5D5"/>
-                </a:solidFill>
-                <a:highlight>
-                  <a:srgbClr val="383838"/>
-                </a:highlight>
-                <a:latin typeface="Roboto"/>
-                <a:ea typeface="Roboto"/>
-                <a:cs typeface="Roboto"/>
-                <a:sym typeface="Roboto"/>
-              </a:rPr>
-              <a:t>Será</a:t>
-            </a:r>
-            <a:r>
-              <a:rPr lang="es" sz="1300">
-                <a:solidFill>
-                  <a:srgbClr val="D5D5D5"/>
-                </a:solidFill>
-                <a:highlight>
-                  <a:srgbClr val="383838"/>
-                </a:highlight>
-                <a:latin typeface="Roboto"/>
-                <a:ea typeface="Roboto"/>
-                <a:cs typeface="Roboto"/>
-                <a:sym typeface="Roboto"/>
-              </a:rPr>
-              <a:t> de los artistas con más vistas?</a:t>
+              <a:t>¿Puede determinarse cuál es el Álbum que prefieren la audiencia? ¿Será de los artistas con más vistas?</a:t>
             </a:r>
             <a:endParaRPr sz="1300">
               <a:solidFill>
@@ -7620,7 +7769,7 @@
             </a:endParaRPr>
           </a:p>
           <a:p>
-            <a:pPr indent="0" lvl="0" marL="0" rtl="0" algn="l">
+            <a:pPr marL="0" lvl="0" indent="0" algn="l" rtl="0">
               <a:lnSpc>
                 <a:spcPct val="115000"/>
               </a:lnSpc>
@@ -7634,7 +7783,7 @@
               <a:buNone/>
             </a:pPr>
             <a:r>
-              <a:rPr b="1" lang="es" sz="1300">
+              <a:rPr lang="es" sz="1300" b="1">
                 <a:solidFill>
                   <a:srgbClr val="D5D5D5"/>
                 </a:solidFill>
@@ -7648,7 +7797,7 @@
               </a:rPr>
               <a:t>Queda determinar:</a:t>
             </a:r>
-            <a:endParaRPr b="1" sz="1300">
+            <a:endParaRPr sz="1300" b="1">
               <a:solidFill>
                 <a:srgbClr val="D5D5D5"/>
               </a:solidFill>
@@ -7662,7 +7811,7 @@
             </a:endParaRPr>
           </a:p>
           <a:p>
-            <a:pPr indent="-311150" lvl="0" marL="457200" rtl="0" algn="l">
+            <a:pPr marL="457200" lvl="0" indent="-311150" algn="l" rtl="0">
               <a:lnSpc>
                 <a:spcPct val="115000"/>
               </a:lnSpc>
@@ -7708,7 +7857,7 @@
             </a:endParaRPr>
           </a:p>
           <a:p>
-            <a:pPr indent="-311150" lvl="0" marL="457200" rtl="0" algn="l">
+            <a:pPr marL="457200" lvl="0" indent="-311150" algn="l" rtl="0">
               <a:lnSpc>
                 <a:spcPct val="115000"/>
               </a:lnSpc>
@@ -7738,37 +7887,7 @@
                 <a:cs typeface="Roboto"/>
                 <a:sym typeface="Roboto"/>
               </a:rPr>
-              <a:t>¿Como es la </a:t>
-            </a:r>
-            <a:r>
-              <a:rPr lang="es" sz="1300">
-                <a:solidFill>
-                  <a:srgbClr val="D5D5D5"/>
-                </a:solidFill>
-                <a:highlight>
-                  <a:srgbClr val="383838"/>
-                </a:highlight>
-                <a:latin typeface="Roboto"/>
-                <a:ea typeface="Roboto"/>
-                <a:cs typeface="Roboto"/>
-                <a:sym typeface="Roboto"/>
-              </a:rPr>
-              <a:t>progresión</a:t>
-            </a:r>
-            <a:r>
-              <a:rPr lang="es" sz="1300">
-                <a:solidFill>
-                  <a:srgbClr val="D5D5D5"/>
-                </a:solidFill>
-                <a:highlight>
-                  <a:srgbClr val="383838"/>
-                </a:highlight>
-                <a:latin typeface="Roboto"/>
-                <a:ea typeface="Roboto"/>
-                <a:cs typeface="Roboto"/>
-                <a:sym typeface="Roboto"/>
-              </a:rPr>
-              <a:t> en el tiempo, o en diferentes trabajos discográficos, de los artistas con más vistas?</a:t>
+              <a:t>¿Como es la progresión en el tiempo, o en diferentes trabajos discográficos, de los artistas con más vistas?</a:t>
             </a:r>
             <a:endParaRPr sz="1300">
               <a:solidFill>
@@ -7784,7 +7903,7 @@
             </a:endParaRPr>
           </a:p>
           <a:p>
-            <a:pPr indent="-311150" lvl="0" marL="457200" rtl="0" algn="l">
+            <a:pPr marL="457200" lvl="0" indent="-311150" algn="l" rtl="0">
               <a:lnSpc>
                 <a:spcPct val="115000"/>
               </a:lnSpc>
@@ -7814,37 +7933,7 @@
                 <a:cs typeface="Roboto"/>
                 <a:sym typeface="Roboto"/>
               </a:rPr>
-              <a:t>¿Pueden determinarse algunas </a:t>
-            </a:r>
-            <a:r>
-              <a:rPr lang="es" sz="1300">
-                <a:solidFill>
-                  <a:srgbClr val="D5D5D5"/>
-                </a:solidFill>
-                <a:highlight>
-                  <a:srgbClr val="383838"/>
-                </a:highlight>
-                <a:latin typeface="Roboto"/>
-                <a:ea typeface="Roboto"/>
-                <a:cs typeface="Roboto"/>
-                <a:sym typeface="Roboto"/>
-              </a:rPr>
-              <a:t>características</a:t>
-            </a:r>
-            <a:r>
-              <a:rPr lang="es" sz="1300">
-                <a:solidFill>
-                  <a:srgbClr val="D5D5D5"/>
-                </a:solidFill>
-                <a:highlight>
-                  <a:srgbClr val="383838"/>
-                </a:highlight>
-                <a:latin typeface="Roboto"/>
-                <a:ea typeface="Roboto"/>
-                <a:cs typeface="Roboto"/>
-                <a:sym typeface="Roboto"/>
-              </a:rPr>
-              <a:t> que hagan que algunas canciones sean más populares?</a:t>
+              <a:t>¿Pueden determinarse algunas características que hagan que algunas canciones sean más populares?</a:t>
             </a:r>
             <a:endParaRPr sz="1300">
               <a:solidFill>
@@ -7860,7 +7949,7 @@
             </a:endParaRPr>
           </a:p>
           <a:p>
-            <a:pPr indent="0" lvl="0" marL="0" rtl="0" algn="l">
+            <a:pPr marL="0" lvl="0" indent="0" algn="l" rtl="0">
               <a:lnSpc>
                 <a:spcPct val="115000"/>
               </a:lnSpc>
@@ -7873,9 +7962,6 @@
               <a:buSzPts val="1100"/>
               <a:buNone/>
             </a:pPr>
-            <a:r>
-              <a:t/>
-            </a:r>
             <a:endParaRPr sz="1400">
               <a:solidFill>
                 <a:srgbClr val="D5D5D5"/>
@@ -7894,7 +7980,7 @@
       <p:pic>
         <p:nvPicPr>
           <p:cNvPr id="94" name="Google Shape;94;p18">
-            <a:hlinkClick action="ppaction://hlinksldjump" r:id="rId3"/>
+            <a:hlinkClick r:id="rId3" action="ppaction://hlinksldjump"/>
           </p:cNvPr>
           <p:cNvPicPr preferRelativeResize="0"/>
           <p:nvPr/>
@@ -7903,7 +7989,7 @@
           <a:blip r:embed="rId4">
             <a:alphaModFix amt="98000"/>
           </a:blip>
-          <a:srcRect b="16355" l="0" r="64838" t="18586"/>
+          <a:srcRect t="18586" r="64838" b="16355"/>
           <a:stretch/>
         </p:blipFill>
         <p:spPr>
@@ -7940,12 +8026,12 @@
           </a:ln>
         </p:spPr>
         <p:txBody>
-          <a:bodyPr anchorCtr="0" anchor="t" bIns="91425" lIns="91425" spcFirstLastPara="1" rIns="91425" wrap="square" tIns="91425">
+          <a:bodyPr spcFirstLastPara="1" wrap="square" lIns="91425" tIns="91425" rIns="91425" bIns="91425" anchor="t" anchorCtr="0">
             <a:spAutoFit/>
           </a:bodyPr>
           <a:lstStyle/>
           <a:p>
-            <a:pPr indent="0" lvl="0" marL="0" rtl="0" algn="ctr">
+            <a:pPr marL="0" lvl="0" indent="0" algn="ctr" rtl="0">
               <a:lnSpc>
                 <a:spcPct val="115000"/>
               </a:lnSpc>
@@ -7958,7 +8044,7 @@
               <a:buNone/>
             </a:pPr>
             <a:r>
-              <a:rPr b="1" lang="es" sz="1750">
+              <a:rPr lang="es" sz="1750" b="1">
                 <a:solidFill>
                   <a:srgbClr val="00FF00"/>
                 </a:solidFill>
@@ -7987,7 +8073,7 @@
           <p:nvPr/>
         </p:nvCxnSpPr>
         <p:spPr>
-          <a:xfrm flipH="1" rot="10800000">
+          <a:xfrm rot="10800000" flipH="1">
             <a:off x="35550" y="1268075"/>
             <a:ext cx="9072600" cy="26100"/>
           </a:xfrm>
@@ -7995,17 +8081,55 @@
             <a:avLst/>
           </a:prstGeom>
           <a:noFill/>
-          <a:ln cap="flat" cmpd="sng" w="9525">
+          <a:ln w="9525" cap="flat" cmpd="sng">
             <a:solidFill>
               <a:srgbClr val="00FF00"/>
             </a:solidFill>
             <a:prstDash val="solid"/>
             <a:round/>
-            <a:headEnd len="med" w="med" type="none"/>
-            <a:tailEnd len="med" w="med" type="none"/>
+            <a:headEnd type="none" w="med" len="med"/>
+            <a:tailEnd type="none" w="med" len="med"/>
           </a:ln>
         </p:spPr>
       </p:cxnSp>
+      <p:sp>
+        <p:nvSpPr>
+          <p:cNvPr id="6" name="CuadroTexto 5"/>
+          <p:cNvSpPr txBox="1"/>
+          <p:nvPr/>
+        </p:nvSpPr>
+        <p:spPr>
+          <a:xfrm>
+            <a:off x="8258955" y="600850"/>
+            <a:ext cx="695670" cy="276999"/>
+          </a:xfrm>
+          <a:prstGeom prst="rect">
+            <a:avLst/>
+          </a:prstGeom>
+          <a:noFill/>
+        </p:spPr>
+        <p:txBody>
+          <a:bodyPr wrap="square" rtlCol="0">
+            <a:spAutoFit/>
+          </a:bodyPr>
+          <a:lstStyle/>
+          <a:p>
+            <a:r>
+              <a:rPr lang="es-ES" sz="1200" b="1" dirty="0" smtClean="0">
+                <a:solidFill>
+                  <a:srgbClr val="00B050"/>
+                </a:solidFill>
+              </a:rPr>
+              <a:t>Inicio</a:t>
+            </a:r>
+            <a:endParaRPr lang="es-AR" sz="1200" b="1" dirty="0">
+              <a:solidFill>
+                <a:srgbClr val="00B050"/>
+              </a:solidFill>
+            </a:endParaRPr>
+          </a:p>
+        </p:txBody>
+      </p:sp>
     </p:spTree>
   </p:cSld>
   <p:clrMapOvr>
@@ -8015,18 +8139,19 @@
 </file>
 
 <file path=ppt/slides/slide7.xml><?xml version="1.0" encoding="utf-8"?>
-<p:sld xmlns:a="http://schemas.openxmlformats.org/drawingml/2006/main" xmlns:r="http://schemas.openxmlformats.org/officeDocument/2006/relationships" xmlns:mc="http://schemas.openxmlformats.org/markup-compatibility/2006" xmlns:mv="urn:schemas-microsoft-com:mac:vml" xmlns:p="http://schemas.openxmlformats.org/presentationml/2006/main" xmlns:c="http://schemas.openxmlformats.org/drawingml/2006/chart" xmlns:dgm="http://schemas.openxmlformats.org/drawingml/2006/diagram" xmlns:o="urn:schemas-microsoft-com:office:office" xmlns:v="urn:schemas-microsoft-com:vml" xmlns:pvml="urn:schemas-microsoft-com:office:powerpoint" xmlns:com="http://schemas.openxmlformats.org/drawingml/2006/compatibility" xmlns:p14="http://schemas.microsoft.com/office/powerpoint/2010/main" xmlns:p15="http://schemas.microsoft.com/office/powerpoint/2012/main" xmlns:ahyp="http://schemas.microsoft.com/office/drawing/2018/hyperlinkcolor">
+<p:sld xmlns:a="http://schemas.openxmlformats.org/drawingml/2006/main" xmlns:r="http://schemas.openxmlformats.org/officeDocument/2006/relationships" xmlns:p="http://schemas.openxmlformats.org/presentationml/2006/main">
   <p:cSld>
     <p:bg>
       <p:bgPr>
         <a:solidFill>
           <a:srgbClr val="000000"/>
         </a:solidFill>
+        <a:effectLst/>
       </p:bgPr>
     </p:bg>
     <p:spTree>
       <p:nvGrpSpPr>
-        <p:cNvPr id="100" name="Shape 100"/>
+        <p:cNvPr id="1" name="Shape 100"/>
         <p:cNvGrpSpPr/>
         <p:nvPr/>
       </p:nvGrpSpPr>
@@ -8041,7 +8166,7 @@
       <p:pic>
         <p:nvPicPr>
           <p:cNvPr id="101" name="Google Shape;101;p19">
-            <a:hlinkClick action="ppaction://hlinksldjump" r:id="rId3"/>
+            <a:hlinkClick r:id="rId3" action="ppaction://hlinksldjump"/>
           </p:cNvPr>
           <p:cNvPicPr preferRelativeResize="0"/>
           <p:nvPr/>
@@ -8050,7 +8175,7 @@
           <a:blip r:embed="rId4">
             <a:alphaModFix amt="98000"/>
           </a:blip>
-          <a:srcRect b="16355" l="0" r="64838" t="18586"/>
+          <a:srcRect t="18586" r="64838" b="16355"/>
           <a:stretch/>
         </p:blipFill>
         <p:spPr>
@@ -8087,12 +8212,12 @@
           </a:ln>
         </p:spPr>
         <p:txBody>
-          <a:bodyPr anchorCtr="0" anchor="t" bIns="91425" lIns="91425" spcFirstLastPara="1" rIns="91425" wrap="square" tIns="91425">
+          <a:bodyPr spcFirstLastPara="1" wrap="square" lIns="91425" tIns="91425" rIns="91425" bIns="91425" anchor="t" anchorCtr="0">
             <a:spAutoFit/>
           </a:bodyPr>
           <a:lstStyle/>
           <a:p>
-            <a:pPr indent="0" lvl="0" marL="0" rtl="0" algn="ctr">
+            <a:pPr marL="0" lvl="0" indent="0" algn="ctr" rtl="0">
               <a:lnSpc>
                 <a:spcPct val="115000"/>
               </a:lnSpc>
@@ -8105,7 +8230,7 @@
               <a:buNone/>
             </a:pPr>
             <a:r>
-              <a:rPr b="1" lang="es" sz="1750">
+              <a:rPr lang="es" sz="1750" b="1">
                 <a:solidFill>
                   <a:srgbClr val="00FF00"/>
                 </a:solidFill>
@@ -8134,7 +8259,7 @@
           <p:nvPr/>
         </p:nvCxnSpPr>
         <p:spPr>
-          <a:xfrm flipH="1" rot="10800000">
+          <a:xfrm rot="10800000" flipH="1">
             <a:off x="35550" y="1268075"/>
             <a:ext cx="9072600" cy="26100"/>
           </a:xfrm>
@@ -8142,14 +8267,14 @@
             <a:avLst/>
           </a:prstGeom>
           <a:noFill/>
-          <a:ln cap="flat" cmpd="sng" w="9525">
+          <a:ln w="9525" cap="flat" cmpd="sng">
             <a:solidFill>
               <a:srgbClr val="00FF00"/>
             </a:solidFill>
             <a:prstDash val="solid"/>
             <a:round/>
-            <a:headEnd len="med" w="med" type="none"/>
-            <a:tailEnd len="med" w="med" type="none"/>
+            <a:headEnd type="none" w="med" len="med"/>
+            <a:tailEnd type="none" w="med" len="med"/>
           </a:ln>
         </p:spPr>
       </p:cxnSp>
@@ -8181,6 +8306,44 @@
           </a:ln>
         </p:spPr>
       </p:pic>
+      <p:sp>
+        <p:nvSpPr>
+          <p:cNvPr id="6" name="CuadroTexto 5"/>
+          <p:cNvSpPr txBox="1"/>
+          <p:nvPr/>
+        </p:nvSpPr>
+        <p:spPr>
+          <a:xfrm>
+            <a:off x="8258955" y="600850"/>
+            <a:ext cx="695670" cy="276999"/>
+          </a:xfrm>
+          <a:prstGeom prst="rect">
+            <a:avLst/>
+          </a:prstGeom>
+          <a:noFill/>
+        </p:spPr>
+        <p:txBody>
+          <a:bodyPr wrap="square" rtlCol="0">
+            <a:spAutoFit/>
+          </a:bodyPr>
+          <a:lstStyle/>
+          <a:p>
+            <a:r>
+              <a:rPr lang="es-ES" sz="1200" b="1" dirty="0" smtClean="0">
+                <a:solidFill>
+                  <a:srgbClr val="00B050"/>
+                </a:solidFill>
+              </a:rPr>
+              <a:t>Inicio</a:t>
+            </a:r>
+            <a:endParaRPr lang="es-AR" sz="1200" b="1" dirty="0">
+              <a:solidFill>
+                <a:srgbClr val="00B050"/>
+              </a:solidFill>
+            </a:endParaRPr>
+          </a:p>
+        </p:txBody>
+      </p:sp>
     </p:spTree>
   </p:cSld>
   <p:clrMapOvr>
@@ -8190,18 +8353,19 @@
 </file>
 
 <file path=ppt/slides/slide8.xml><?xml version="1.0" encoding="utf-8"?>
-<p:sld xmlns:a="http://schemas.openxmlformats.org/drawingml/2006/main" xmlns:r="http://schemas.openxmlformats.org/officeDocument/2006/relationships" xmlns:mc="http://schemas.openxmlformats.org/markup-compatibility/2006" xmlns:mv="urn:schemas-microsoft-com:mac:vml" xmlns:p="http://schemas.openxmlformats.org/presentationml/2006/main" xmlns:c="http://schemas.openxmlformats.org/drawingml/2006/chart" xmlns:dgm="http://schemas.openxmlformats.org/drawingml/2006/diagram" xmlns:o="urn:schemas-microsoft-com:office:office" xmlns:v="urn:schemas-microsoft-com:vml" xmlns:pvml="urn:schemas-microsoft-com:office:powerpoint" xmlns:com="http://schemas.openxmlformats.org/drawingml/2006/compatibility" xmlns:p14="http://schemas.microsoft.com/office/powerpoint/2010/main" xmlns:p15="http://schemas.microsoft.com/office/powerpoint/2012/main" xmlns:ahyp="http://schemas.microsoft.com/office/drawing/2018/hyperlinkcolor">
+<p:sld xmlns:a="http://schemas.openxmlformats.org/drawingml/2006/main" xmlns:r="http://schemas.openxmlformats.org/officeDocument/2006/relationships" xmlns:p="http://schemas.openxmlformats.org/presentationml/2006/main">
   <p:cSld>
     <p:bg>
       <p:bgPr>
         <a:solidFill>
           <a:srgbClr val="000000"/>
         </a:solidFill>
+        <a:effectLst/>
       </p:bgPr>
     </p:bg>
     <p:spTree>
       <p:nvGrpSpPr>
-        <p:cNvPr id="108" name="Shape 108"/>
+        <p:cNvPr id="1" name="Shape 108"/>
         <p:cNvGrpSpPr/>
         <p:nvPr/>
       </p:nvGrpSpPr>
@@ -8216,7 +8380,7 @@
       <p:pic>
         <p:nvPicPr>
           <p:cNvPr id="109" name="Google Shape;109;p20">
-            <a:hlinkClick action="ppaction://hlinksldjump" r:id="rId3"/>
+            <a:hlinkClick r:id="rId3" action="ppaction://hlinksldjump"/>
           </p:cNvPr>
           <p:cNvPicPr preferRelativeResize="0"/>
           <p:nvPr/>
@@ -8225,7 +8389,7 @@
           <a:blip r:embed="rId4">
             <a:alphaModFix amt="98000"/>
           </a:blip>
-          <a:srcRect b="16355" l="0" r="64838" t="18586"/>
+          <a:srcRect t="18586" r="64838" b="16355"/>
           <a:stretch/>
         </p:blipFill>
         <p:spPr>
@@ -8262,12 +8426,12 @@
           </a:ln>
         </p:spPr>
         <p:txBody>
-          <a:bodyPr anchorCtr="0" anchor="t" bIns="91425" lIns="91425" spcFirstLastPara="1" rIns="91425" wrap="square" tIns="91425">
+          <a:bodyPr spcFirstLastPara="1" wrap="square" lIns="91425" tIns="91425" rIns="91425" bIns="91425" anchor="t" anchorCtr="0">
             <a:spAutoFit/>
           </a:bodyPr>
           <a:lstStyle/>
           <a:p>
-            <a:pPr indent="0" lvl="0" marL="0" rtl="0" algn="ctr">
+            <a:pPr marL="0" lvl="0" indent="0" algn="ctr" rtl="0">
               <a:lnSpc>
                 <a:spcPct val="115000"/>
               </a:lnSpc>
@@ -8280,7 +8444,7 @@
               <a:buNone/>
             </a:pPr>
             <a:r>
-              <a:rPr b="1" lang="es" sz="1750">
+              <a:rPr lang="es" sz="1750" b="1">
                 <a:solidFill>
                   <a:srgbClr val="00FF00"/>
                 </a:solidFill>
@@ -8309,7 +8473,7 @@
           <p:nvPr/>
         </p:nvCxnSpPr>
         <p:spPr>
-          <a:xfrm flipH="1" rot="10800000">
+          <a:xfrm rot="10800000" flipH="1">
             <a:off x="35550" y="1268075"/>
             <a:ext cx="9072600" cy="26100"/>
           </a:xfrm>
@@ -8317,14 +8481,14 @@
             <a:avLst/>
           </a:prstGeom>
           <a:noFill/>
-          <a:ln cap="flat" cmpd="sng" w="9525">
+          <a:ln w="9525" cap="flat" cmpd="sng">
             <a:solidFill>
               <a:srgbClr val="00FF00"/>
             </a:solidFill>
             <a:prstDash val="solid"/>
             <a:round/>
-            <a:headEnd len="med" w="med" type="none"/>
-            <a:tailEnd len="med" w="med" type="none"/>
+            <a:headEnd type="none" w="med" len="med"/>
+            <a:tailEnd type="none" w="med" len="med"/>
           </a:ln>
         </p:spPr>
       </p:cxnSp>
@@ -8338,7 +8502,7 @@
           <a:blip r:embed="rId5">
             <a:alphaModFix/>
           </a:blip>
-          <a:srcRect b="0" l="0" r="0" t="5731"/>
+          <a:srcRect t="5731"/>
           <a:stretch/>
         </p:blipFill>
         <p:spPr>
@@ -8355,6 +8519,44 @@
           </a:ln>
         </p:spPr>
       </p:pic>
+      <p:sp>
+        <p:nvSpPr>
+          <p:cNvPr id="6" name="CuadroTexto 5"/>
+          <p:cNvSpPr txBox="1"/>
+          <p:nvPr/>
+        </p:nvSpPr>
+        <p:spPr>
+          <a:xfrm>
+            <a:off x="8258955" y="600850"/>
+            <a:ext cx="695670" cy="276999"/>
+          </a:xfrm>
+          <a:prstGeom prst="rect">
+            <a:avLst/>
+          </a:prstGeom>
+          <a:noFill/>
+        </p:spPr>
+        <p:txBody>
+          <a:bodyPr wrap="square" rtlCol="0">
+            <a:spAutoFit/>
+          </a:bodyPr>
+          <a:lstStyle/>
+          <a:p>
+            <a:r>
+              <a:rPr lang="es-ES" sz="1200" b="1" dirty="0" smtClean="0">
+                <a:solidFill>
+                  <a:srgbClr val="00B050"/>
+                </a:solidFill>
+              </a:rPr>
+              <a:t>Inicio</a:t>
+            </a:r>
+            <a:endParaRPr lang="es-AR" sz="1200" b="1" dirty="0">
+              <a:solidFill>
+                <a:srgbClr val="00B050"/>
+              </a:solidFill>
+            </a:endParaRPr>
+          </a:p>
+        </p:txBody>
+      </p:sp>
     </p:spTree>
   </p:cSld>
   <p:clrMapOvr>
@@ -8364,18 +8566,19 @@
 </file>
 
 <file path=ppt/slides/slide9.xml><?xml version="1.0" encoding="utf-8"?>
-<p:sld xmlns:a="http://schemas.openxmlformats.org/drawingml/2006/main" xmlns:r="http://schemas.openxmlformats.org/officeDocument/2006/relationships" xmlns:mc="http://schemas.openxmlformats.org/markup-compatibility/2006" xmlns:mv="urn:schemas-microsoft-com:mac:vml" xmlns:p="http://schemas.openxmlformats.org/presentationml/2006/main" xmlns:c="http://schemas.openxmlformats.org/drawingml/2006/chart" xmlns:dgm="http://schemas.openxmlformats.org/drawingml/2006/diagram" xmlns:o="urn:schemas-microsoft-com:office:office" xmlns:v="urn:schemas-microsoft-com:vml" xmlns:pvml="urn:schemas-microsoft-com:office:powerpoint" xmlns:com="http://schemas.openxmlformats.org/drawingml/2006/compatibility" xmlns:p14="http://schemas.microsoft.com/office/powerpoint/2010/main" xmlns:p15="http://schemas.microsoft.com/office/powerpoint/2012/main" xmlns:ahyp="http://schemas.microsoft.com/office/drawing/2018/hyperlinkcolor">
+<p:sld xmlns:a="http://schemas.openxmlformats.org/drawingml/2006/main" xmlns:r="http://schemas.openxmlformats.org/officeDocument/2006/relationships" xmlns:p="http://schemas.openxmlformats.org/presentationml/2006/main">
   <p:cSld>
     <p:bg>
       <p:bgPr>
         <a:solidFill>
           <a:srgbClr val="000000"/>
         </a:solidFill>
+        <a:effectLst/>
       </p:bgPr>
     </p:bg>
     <p:spTree>
       <p:nvGrpSpPr>
-        <p:cNvPr id="116" name="Shape 116"/>
+        <p:cNvPr id="1" name="Shape 116"/>
         <p:cNvGrpSpPr/>
         <p:nvPr/>
       </p:nvGrpSpPr>
@@ -8390,7 +8593,7 @@
       <p:pic>
         <p:nvPicPr>
           <p:cNvPr id="117" name="Google Shape;117;p21">
-            <a:hlinkClick action="ppaction://hlinksldjump" r:id="rId3"/>
+            <a:hlinkClick r:id="rId3" action="ppaction://hlinksldjump"/>
           </p:cNvPr>
           <p:cNvPicPr preferRelativeResize="0"/>
           <p:nvPr/>
@@ -8399,7 +8602,7 @@
           <a:blip r:embed="rId4">
             <a:alphaModFix amt="98000"/>
           </a:blip>
-          <a:srcRect b="16355" l="0" r="64838" t="18586"/>
+          <a:srcRect t="18586" r="64838" b="16355"/>
           <a:stretch/>
         </p:blipFill>
         <p:spPr>
@@ -8436,12 +8639,12 @@
           </a:ln>
         </p:spPr>
         <p:txBody>
-          <a:bodyPr anchorCtr="0" anchor="t" bIns="91425" lIns="91425" spcFirstLastPara="1" rIns="91425" wrap="square" tIns="91425">
+          <a:bodyPr spcFirstLastPara="1" wrap="square" lIns="91425" tIns="91425" rIns="91425" bIns="91425" anchor="t" anchorCtr="0">
             <a:spAutoFit/>
           </a:bodyPr>
           <a:lstStyle/>
           <a:p>
-            <a:pPr indent="0" lvl="0" marL="0" rtl="0" algn="ctr">
+            <a:pPr marL="0" lvl="0" indent="0" algn="ctr" rtl="0">
               <a:lnSpc>
                 <a:spcPct val="115000"/>
               </a:lnSpc>
@@ -8454,7 +8657,7 @@
               <a:buNone/>
             </a:pPr>
             <a:r>
-              <a:rPr b="1" lang="es" sz="1750">
+              <a:rPr lang="es" sz="1750" b="1">
                 <a:solidFill>
                   <a:srgbClr val="00FF00"/>
                 </a:solidFill>
@@ -8483,7 +8686,7 @@
           <p:nvPr/>
         </p:nvCxnSpPr>
         <p:spPr>
-          <a:xfrm flipH="1" rot="10800000">
+          <a:xfrm rot="10800000" flipH="1">
             <a:off x="35550" y="1268075"/>
             <a:ext cx="9072600" cy="26100"/>
           </a:xfrm>
@@ -8491,14 +8694,14 @@
             <a:avLst/>
           </a:prstGeom>
           <a:noFill/>
-          <a:ln cap="flat" cmpd="sng" w="9525">
+          <a:ln w="9525" cap="flat" cmpd="sng">
             <a:solidFill>
               <a:srgbClr val="00FF00"/>
             </a:solidFill>
             <a:prstDash val="solid"/>
             <a:round/>
-            <a:headEnd len="med" w="med" type="none"/>
-            <a:tailEnd len="med" w="med" type="none"/>
+            <a:headEnd type="none" w="med" len="med"/>
+            <a:tailEnd type="none" w="med" len="med"/>
           </a:ln>
         </p:spPr>
       </p:cxnSp>
@@ -8522,12 +8725,12 @@
           </a:ln>
         </p:spPr>
         <p:txBody>
-          <a:bodyPr anchorCtr="0" anchor="t" bIns="91425" lIns="91425" spcFirstLastPara="1" rIns="91425" wrap="square" tIns="91425">
+          <a:bodyPr spcFirstLastPara="1" wrap="square" lIns="91425" tIns="91425" rIns="91425" bIns="91425" anchor="t" anchorCtr="0">
             <a:spAutoFit/>
           </a:bodyPr>
           <a:lstStyle/>
           <a:p>
-            <a:pPr indent="0" lvl="0" marL="0" rtl="0" algn="l">
+            <a:pPr marL="0" lvl="0" indent="0" algn="l" rtl="0">
               <a:lnSpc>
                 <a:spcPct val="135714"/>
               </a:lnSpc>
@@ -8540,7 +8743,7 @@
               <a:buNone/>
             </a:pPr>
             <a:r>
-              <a:rPr lang="es" sz="1350">
+              <a:rPr lang="es" sz="1350" dirty="0">
                 <a:solidFill>
                   <a:srgbClr val="D4D4D4"/>
                 </a:solidFill>
@@ -8550,7 +8753,7 @@
               </a:rPr>
               <a:t>En los gráficos no se ve una clara tendencia en donde los artistas con más likes, sean los más comentados.</a:t>
             </a:r>
-            <a:endParaRPr sz="1350">
+            <a:endParaRPr sz="1350" dirty="0">
               <a:solidFill>
                 <a:srgbClr val="D4D4D4"/>
               </a:solidFill>
@@ -8560,7 +8763,7 @@
             </a:endParaRPr>
           </a:p>
           <a:p>
-            <a:pPr indent="0" lvl="0" marL="0" rtl="0" algn="l">
+            <a:pPr marL="0" lvl="0" indent="0" algn="l" rtl="0">
               <a:lnSpc>
                 <a:spcPct val="135714"/>
               </a:lnSpc>
@@ -8573,7 +8776,7 @@
               <a:buNone/>
             </a:pPr>
             <a:r>
-              <a:rPr lang="es" sz="1350">
+              <a:rPr lang="es" sz="1350" dirty="0">
                 <a:solidFill>
                   <a:srgbClr val="D4D4D4"/>
                 </a:solidFill>
@@ -8583,7 +8786,7 @@
               </a:rPr>
               <a:t>Tampoco tiene relación directa el artista con más likes con el álbum que tiene mayor favoritismo.</a:t>
             </a:r>
-            <a:endParaRPr sz="1350">
+            <a:endParaRPr sz="1350" dirty="0">
               <a:solidFill>
                 <a:srgbClr val="D4D4D4"/>
               </a:solidFill>
@@ -8593,7 +8796,7 @@
             </a:endParaRPr>
           </a:p>
           <a:p>
-            <a:pPr indent="0" lvl="0" marL="0" rtl="0" algn="l">
+            <a:pPr marL="0" lvl="0" indent="0" algn="l" rtl="0">
               <a:lnSpc>
                 <a:spcPct val="135714"/>
               </a:lnSpc>
@@ -8606,7 +8809,7 @@
               <a:buNone/>
             </a:pPr>
             <a:r>
-              <a:rPr lang="es" sz="1350">
+              <a:rPr lang="es" sz="1350" dirty="0">
                 <a:solidFill>
                   <a:srgbClr val="D4D4D4"/>
                 </a:solidFill>
@@ -8616,13 +8819,51 @@
               </a:rPr>
               <a:t>Debería verificarse si pertenecen a un género específico las canciones más exitosa</a:t>
             </a:r>
-            <a:endParaRPr sz="1350">
+            <a:endParaRPr sz="1350" dirty="0">
               <a:solidFill>
                 <a:srgbClr val="D4D4D4"/>
               </a:solidFill>
               <a:highlight>
                 <a:srgbClr val="1E1E1E"/>
               </a:highlight>
+            </a:endParaRPr>
+          </a:p>
+        </p:txBody>
+      </p:sp>
+      <p:sp>
+        <p:nvSpPr>
+          <p:cNvPr id="6" name="CuadroTexto 5"/>
+          <p:cNvSpPr txBox="1"/>
+          <p:nvPr/>
+        </p:nvSpPr>
+        <p:spPr>
+          <a:xfrm>
+            <a:off x="8258955" y="600850"/>
+            <a:ext cx="695670" cy="276999"/>
+          </a:xfrm>
+          <a:prstGeom prst="rect">
+            <a:avLst/>
+          </a:prstGeom>
+          <a:noFill/>
+        </p:spPr>
+        <p:txBody>
+          <a:bodyPr wrap="square" rtlCol="0">
+            <a:spAutoFit/>
+          </a:bodyPr>
+          <a:lstStyle/>
+          <a:p>
+            <a:r>
+              <a:rPr lang="es-ES" sz="1200" b="1" dirty="0" smtClean="0">
+                <a:solidFill>
+                  <a:srgbClr val="00B050"/>
+                </a:solidFill>
+              </a:rPr>
+              <a:t>Inicio</a:t>
+            </a:r>
+            <a:endParaRPr lang="es-AR" sz="1200" b="1" dirty="0">
+              <a:solidFill>
+                <a:srgbClr val="00B050"/>
+              </a:solidFill>
             </a:endParaRPr>
           </a:p>
         </p:txBody>
@@ -8636,7 +8877,7 @@
 </file>
 
 <file path=ppt/theme/theme1.xml><?xml version="1.0" encoding="utf-8"?>
-<a:theme xmlns:a="http://schemas.openxmlformats.org/drawingml/2006/main" xmlns:r="http://schemas.openxmlformats.org/officeDocument/2006/relationships" name="Simple Light">
+<a:theme xmlns:a="http://schemas.openxmlformats.org/drawingml/2006/main" name="Simple Light">
   <a:themeElements>
     <a:clrScheme name="Simple Light">
       <a:dk1>
@@ -8911,11 +9152,13 @@
       </a:bgFillStyleLst>
     </a:fmtScheme>
   </a:themeElements>
+  <a:objectDefaults/>
+  <a:extraClrSchemeLst/>
 </a:theme>
 </file>
 
 <file path=ppt/theme/theme2.xml><?xml version="1.0" encoding="utf-8"?>
-<a:theme xmlns:a="http://schemas.openxmlformats.org/drawingml/2006/main" xmlns:r="http://schemas.openxmlformats.org/officeDocument/2006/relationships">
+<a:theme xmlns:a="http://schemas.openxmlformats.org/drawingml/2006/main">
   <a:themeElements>
     <a:clrScheme name="Default">
       <a:dk1>
@@ -9190,5 +9433,7 @@
       </a:bgFillStyleLst>
     </a:fmtScheme>
   </a:themeElements>
+  <a:objectDefaults/>
+  <a:extraClrSchemeLst/>
 </a:theme>
 </file>